--- a/IPFS Analytics.pptx
+++ b/IPFS Analytics.pptx
@@ -5,29 +5,46 @@
     <p:sldMasterId id="2147483648" r:id="rId1"/>
   </p:sldMasterIdLst>
   <p:notesMasterIdLst>
-    <p:notesMasterId r:id="rId19"/>
+    <p:notesMasterId r:id="rId36"/>
   </p:notesMasterIdLst>
   <p:handoutMasterIdLst>
-    <p:handoutMasterId r:id="rId20"/>
+    <p:handoutMasterId r:id="rId37"/>
   </p:handoutMasterIdLst>
   <p:sldIdLst>
     <p:sldId id="265" r:id="rId2"/>
     <p:sldId id="304" r:id="rId3"/>
-    <p:sldId id="289" r:id="rId4"/>
-    <p:sldId id="316" r:id="rId5"/>
-    <p:sldId id="317" r:id="rId6"/>
-    <p:sldId id="318" r:id="rId7"/>
-    <p:sldId id="319" r:id="rId8"/>
-    <p:sldId id="320" r:id="rId9"/>
-    <p:sldId id="321" r:id="rId10"/>
-    <p:sldId id="322" r:id="rId11"/>
-    <p:sldId id="323" r:id="rId12"/>
-    <p:sldId id="325" r:id="rId13"/>
-    <p:sldId id="324" r:id="rId14"/>
-    <p:sldId id="326" r:id="rId15"/>
-    <p:sldId id="300" r:id="rId16"/>
-    <p:sldId id="327" r:id="rId17"/>
-    <p:sldId id="301" r:id="rId18"/>
+    <p:sldId id="343" r:id="rId4"/>
+    <p:sldId id="289" r:id="rId5"/>
+    <p:sldId id="345" r:id="rId6"/>
+    <p:sldId id="328" r:id="rId7"/>
+    <p:sldId id="346" r:id="rId8"/>
+    <p:sldId id="347" r:id="rId9"/>
+    <p:sldId id="316" r:id="rId10"/>
+    <p:sldId id="317" r:id="rId11"/>
+    <p:sldId id="329" r:id="rId12"/>
+    <p:sldId id="331" r:id="rId13"/>
+    <p:sldId id="323" r:id="rId14"/>
+    <p:sldId id="332" r:id="rId15"/>
+    <p:sldId id="330" r:id="rId16"/>
+    <p:sldId id="337" r:id="rId17"/>
+    <p:sldId id="338" r:id="rId18"/>
+    <p:sldId id="336" r:id="rId19"/>
+    <p:sldId id="318" r:id="rId20"/>
+    <p:sldId id="333" r:id="rId21"/>
+    <p:sldId id="334" r:id="rId22"/>
+    <p:sldId id="335" r:id="rId23"/>
+    <p:sldId id="319" r:id="rId24"/>
+    <p:sldId id="339" r:id="rId25"/>
+    <p:sldId id="340" r:id="rId26"/>
+    <p:sldId id="341" r:id="rId27"/>
+    <p:sldId id="342" r:id="rId28"/>
+    <p:sldId id="344" r:id="rId29"/>
+    <p:sldId id="348" r:id="rId30"/>
+    <p:sldId id="349" r:id="rId31"/>
+    <p:sldId id="324" r:id="rId32"/>
+    <p:sldId id="326" r:id="rId33"/>
+    <p:sldId id="300" r:id="rId34"/>
+    <p:sldId id="327" r:id="rId35"/>
   </p:sldIdLst>
   <p:sldSz cx="12192000" cy="6858000"/>
   <p:notesSz cx="6858000" cy="9144000"/>
@@ -164,3056 +181,6 @@
 </p:cmAuthorLst>
 </file>
 
-<file path=ppt/diagrams/colors1.xml><?xml version="1.0" encoding="utf-8"?>
-<dgm:colorsDef xmlns:dgm="http://schemas.openxmlformats.org/drawingml/2006/diagram" xmlns:a="http://schemas.openxmlformats.org/drawingml/2006/main" uniqueId="urn:microsoft.com/office/officeart/2005/8/colors/accent1_2">
-  <dgm:title val=""/>
-  <dgm:desc val=""/>
-  <dgm:catLst>
-    <dgm:cat type="accent1" pri="11200"/>
-  </dgm:catLst>
-  <dgm:styleLbl name="node0">
-    <dgm:fillClrLst meth="repeat">
-      <a:schemeClr val="accent1"/>
-    </dgm:fillClrLst>
-    <dgm:linClrLst meth="repeat">
-      <a:schemeClr val="lt1"/>
-    </dgm:linClrLst>
-    <dgm:effectClrLst/>
-    <dgm:txLinClrLst/>
-    <dgm:txFillClrLst/>
-    <dgm:txEffectClrLst/>
-  </dgm:styleLbl>
-  <dgm:styleLbl name="alignNode1">
-    <dgm:fillClrLst meth="repeat">
-      <a:schemeClr val="accent1"/>
-    </dgm:fillClrLst>
-    <dgm:linClrLst meth="repeat">
-      <a:schemeClr val="accent1"/>
-    </dgm:linClrLst>
-    <dgm:effectClrLst/>
-    <dgm:txLinClrLst/>
-    <dgm:txFillClrLst/>
-    <dgm:txEffectClrLst/>
-  </dgm:styleLbl>
-  <dgm:styleLbl name="node1">
-    <dgm:fillClrLst meth="repeat">
-      <a:schemeClr val="accent1"/>
-    </dgm:fillClrLst>
-    <dgm:linClrLst meth="repeat">
-      <a:schemeClr val="lt1"/>
-    </dgm:linClrLst>
-    <dgm:effectClrLst/>
-    <dgm:txLinClrLst/>
-    <dgm:txFillClrLst/>
-    <dgm:txEffectClrLst/>
-  </dgm:styleLbl>
-  <dgm:styleLbl name="lnNode1">
-    <dgm:fillClrLst meth="repeat">
-      <a:schemeClr val="accent1"/>
-    </dgm:fillClrLst>
-    <dgm:linClrLst meth="repeat">
-      <a:schemeClr val="lt1"/>
-    </dgm:linClrLst>
-    <dgm:effectClrLst/>
-    <dgm:txLinClrLst/>
-    <dgm:txFillClrLst/>
-    <dgm:txEffectClrLst/>
-  </dgm:styleLbl>
-  <dgm:styleLbl name="vennNode1">
-    <dgm:fillClrLst meth="repeat">
-      <a:schemeClr val="accent1">
-        <a:alpha val="50000"/>
-      </a:schemeClr>
-    </dgm:fillClrLst>
-    <dgm:linClrLst meth="repeat">
-      <a:schemeClr val="lt1"/>
-    </dgm:linClrLst>
-    <dgm:effectClrLst/>
-    <dgm:txLinClrLst/>
-    <dgm:txFillClrLst/>
-    <dgm:txEffectClrLst/>
-  </dgm:styleLbl>
-  <dgm:styleLbl name="node2">
-    <dgm:fillClrLst meth="repeat">
-      <a:schemeClr val="accent1"/>
-    </dgm:fillClrLst>
-    <dgm:linClrLst meth="repeat">
-      <a:schemeClr val="lt1"/>
-    </dgm:linClrLst>
-    <dgm:effectClrLst/>
-    <dgm:txLinClrLst/>
-    <dgm:txFillClrLst/>
-    <dgm:txEffectClrLst/>
-  </dgm:styleLbl>
-  <dgm:styleLbl name="node3">
-    <dgm:fillClrLst meth="repeat">
-      <a:schemeClr val="accent1"/>
-    </dgm:fillClrLst>
-    <dgm:linClrLst meth="repeat">
-      <a:schemeClr val="lt1"/>
-    </dgm:linClrLst>
-    <dgm:effectClrLst/>
-    <dgm:txLinClrLst/>
-    <dgm:txFillClrLst/>
-    <dgm:txEffectClrLst/>
-  </dgm:styleLbl>
-  <dgm:styleLbl name="node4">
-    <dgm:fillClrLst meth="repeat">
-      <a:schemeClr val="accent1"/>
-    </dgm:fillClrLst>
-    <dgm:linClrLst meth="repeat">
-      <a:schemeClr val="lt1"/>
-    </dgm:linClrLst>
-    <dgm:effectClrLst/>
-    <dgm:txLinClrLst/>
-    <dgm:txFillClrLst/>
-    <dgm:txEffectClrLst/>
-  </dgm:styleLbl>
-  <dgm:styleLbl name="fgImgPlace1">
-    <dgm:fillClrLst meth="repeat">
-      <a:schemeClr val="accent1">
-        <a:tint val="50000"/>
-      </a:schemeClr>
-    </dgm:fillClrLst>
-    <dgm:linClrLst meth="repeat">
-      <a:schemeClr val="lt1"/>
-    </dgm:linClrLst>
-    <dgm:effectClrLst/>
-    <dgm:txLinClrLst/>
-    <dgm:txFillClrLst meth="repeat">
-      <a:schemeClr val="lt1"/>
-    </dgm:txFillClrLst>
-    <dgm:txEffectClrLst/>
-  </dgm:styleLbl>
-  <dgm:styleLbl name="alignImgPlace1">
-    <dgm:fillClrLst meth="repeat">
-      <a:schemeClr val="accent1">
-        <a:tint val="50000"/>
-      </a:schemeClr>
-    </dgm:fillClrLst>
-    <dgm:linClrLst meth="repeat">
-      <a:schemeClr val="lt1"/>
-    </dgm:linClrLst>
-    <dgm:effectClrLst/>
-    <dgm:txLinClrLst/>
-    <dgm:txFillClrLst meth="repeat">
-      <a:schemeClr val="lt1"/>
-    </dgm:txFillClrLst>
-    <dgm:txEffectClrLst/>
-  </dgm:styleLbl>
-  <dgm:styleLbl name="bgImgPlace1">
-    <dgm:fillClrLst meth="repeat">
-      <a:schemeClr val="accent1">
-        <a:tint val="50000"/>
-      </a:schemeClr>
-    </dgm:fillClrLst>
-    <dgm:linClrLst meth="repeat">
-      <a:schemeClr val="lt1"/>
-    </dgm:linClrLst>
-    <dgm:effectClrLst/>
-    <dgm:txLinClrLst/>
-    <dgm:txFillClrLst meth="repeat">
-      <a:schemeClr val="lt1"/>
-    </dgm:txFillClrLst>
-    <dgm:txEffectClrLst/>
-  </dgm:styleLbl>
-  <dgm:styleLbl name="sibTrans2D1">
-    <dgm:fillClrLst meth="repeat">
-      <a:schemeClr val="accent1">
-        <a:tint val="60000"/>
-      </a:schemeClr>
-    </dgm:fillClrLst>
-    <dgm:linClrLst meth="repeat">
-      <a:schemeClr val="accent1">
-        <a:tint val="60000"/>
-      </a:schemeClr>
-    </dgm:linClrLst>
-    <dgm:effectClrLst/>
-    <dgm:txLinClrLst/>
-    <dgm:txFillClrLst/>
-    <dgm:txEffectClrLst/>
-  </dgm:styleLbl>
-  <dgm:styleLbl name="fgSibTrans2D1">
-    <dgm:fillClrLst meth="repeat">
-      <a:schemeClr val="accent1">
-        <a:tint val="60000"/>
-      </a:schemeClr>
-    </dgm:fillClrLst>
-    <dgm:linClrLst meth="repeat">
-      <a:schemeClr val="accent1">
-        <a:tint val="60000"/>
-      </a:schemeClr>
-    </dgm:linClrLst>
-    <dgm:effectClrLst/>
-    <dgm:txLinClrLst/>
-    <dgm:txFillClrLst/>
-    <dgm:txEffectClrLst/>
-  </dgm:styleLbl>
-  <dgm:styleLbl name="bgSibTrans2D1">
-    <dgm:fillClrLst meth="repeat">
-      <a:schemeClr val="accent1">
-        <a:tint val="60000"/>
-      </a:schemeClr>
-    </dgm:fillClrLst>
-    <dgm:linClrLst meth="repeat">
-      <a:schemeClr val="accent1">
-        <a:tint val="60000"/>
-      </a:schemeClr>
-    </dgm:linClrLst>
-    <dgm:effectClrLst/>
-    <dgm:txLinClrLst/>
-    <dgm:txFillClrLst/>
-    <dgm:txEffectClrLst/>
-  </dgm:styleLbl>
-  <dgm:styleLbl name="sibTrans1D1">
-    <dgm:fillClrLst meth="repeat">
-      <a:schemeClr val="accent1"/>
-    </dgm:fillClrLst>
-    <dgm:linClrLst meth="repeat">
-      <a:schemeClr val="accent1"/>
-    </dgm:linClrLst>
-    <dgm:effectClrLst/>
-    <dgm:txLinClrLst/>
-    <dgm:txFillClrLst meth="repeat">
-      <a:schemeClr val="tx1"/>
-    </dgm:txFillClrLst>
-    <dgm:txEffectClrLst/>
-  </dgm:styleLbl>
-  <dgm:styleLbl name="callout">
-    <dgm:fillClrLst meth="repeat">
-      <a:schemeClr val="accent1"/>
-    </dgm:fillClrLst>
-    <dgm:linClrLst meth="repeat">
-      <a:schemeClr val="accent1">
-        <a:tint val="50000"/>
-      </a:schemeClr>
-    </dgm:linClrLst>
-    <dgm:effectClrLst/>
-    <dgm:txLinClrLst/>
-    <dgm:txFillClrLst meth="repeat">
-      <a:schemeClr val="tx1"/>
-    </dgm:txFillClrLst>
-    <dgm:txEffectClrLst/>
-  </dgm:styleLbl>
-  <dgm:styleLbl name="asst0">
-    <dgm:fillClrLst meth="repeat">
-      <a:schemeClr val="accent1"/>
-    </dgm:fillClrLst>
-    <dgm:linClrLst meth="repeat">
-      <a:schemeClr val="lt1"/>
-    </dgm:linClrLst>
-    <dgm:effectClrLst/>
-    <dgm:txLinClrLst/>
-    <dgm:txFillClrLst/>
-    <dgm:txEffectClrLst/>
-  </dgm:styleLbl>
-  <dgm:styleLbl name="asst1">
-    <dgm:fillClrLst meth="repeat">
-      <a:schemeClr val="accent1"/>
-    </dgm:fillClrLst>
-    <dgm:linClrLst meth="repeat">
-      <a:schemeClr val="lt1"/>
-    </dgm:linClrLst>
-    <dgm:effectClrLst/>
-    <dgm:txLinClrLst/>
-    <dgm:txFillClrLst/>
-    <dgm:txEffectClrLst/>
-  </dgm:styleLbl>
-  <dgm:styleLbl name="asst2">
-    <dgm:fillClrLst meth="repeat">
-      <a:schemeClr val="accent1"/>
-    </dgm:fillClrLst>
-    <dgm:linClrLst meth="repeat">
-      <a:schemeClr val="lt1"/>
-    </dgm:linClrLst>
-    <dgm:effectClrLst/>
-    <dgm:txLinClrLst/>
-    <dgm:txFillClrLst/>
-    <dgm:txEffectClrLst/>
-  </dgm:styleLbl>
-  <dgm:styleLbl name="asst3">
-    <dgm:fillClrLst meth="repeat">
-      <a:schemeClr val="accent1"/>
-    </dgm:fillClrLst>
-    <dgm:linClrLst meth="repeat">
-      <a:schemeClr val="lt1"/>
-    </dgm:linClrLst>
-    <dgm:effectClrLst/>
-    <dgm:txLinClrLst/>
-    <dgm:txFillClrLst/>
-    <dgm:txEffectClrLst/>
-  </dgm:styleLbl>
-  <dgm:styleLbl name="asst4">
-    <dgm:fillClrLst meth="repeat">
-      <a:schemeClr val="accent1"/>
-    </dgm:fillClrLst>
-    <dgm:linClrLst meth="repeat">
-      <a:schemeClr val="lt1"/>
-    </dgm:linClrLst>
-    <dgm:effectClrLst/>
-    <dgm:txLinClrLst/>
-    <dgm:txFillClrLst/>
-    <dgm:txEffectClrLst/>
-  </dgm:styleLbl>
-  <dgm:styleLbl name="parChTrans2D1">
-    <dgm:fillClrLst meth="repeat">
-      <a:schemeClr val="accent1">
-        <a:tint val="60000"/>
-      </a:schemeClr>
-    </dgm:fillClrLst>
-    <dgm:linClrLst meth="repeat">
-      <a:schemeClr val="accent1">
-        <a:tint val="60000"/>
-      </a:schemeClr>
-    </dgm:linClrLst>
-    <dgm:effectClrLst/>
-    <dgm:txLinClrLst/>
-    <dgm:txFillClrLst meth="repeat">
-      <a:schemeClr val="lt1"/>
-    </dgm:txFillClrLst>
-    <dgm:txEffectClrLst/>
-  </dgm:styleLbl>
-  <dgm:styleLbl name="parChTrans2D2">
-    <dgm:fillClrLst meth="repeat">
-      <a:schemeClr val="accent1"/>
-    </dgm:fillClrLst>
-    <dgm:linClrLst meth="repeat">
-      <a:schemeClr val="accent1"/>
-    </dgm:linClrLst>
-    <dgm:effectClrLst/>
-    <dgm:txLinClrLst/>
-    <dgm:txFillClrLst meth="repeat">
-      <a:schemeClr val="lt1"/>
-    </dgm:txFillClrLst>
-    <dgm:txEffectClrLst/>
-  </dgm:styleLbl>
-  <dgm:styleLbl name="parChTrans2D3">
-    <dgm:fillClrLst meth="repeat">
-      <a:schemeClr val="accent1"/>
-    </dgm:fillClrLst>
-    <dgm:linClrLst meth="repeat">
-      <a:schemeClr val="accent1"/>
-    </dgm:linClrLst>
-    <dgm:effectClrLst/>
-    <dgm:txLinClrLst/>
-    <dgm:txFillClrLst meth="repeat">
-      <a:schemeClr val="lt1"/>
-    </dgm:txFillClrLst>
-    <dgm:txEffectClrLst/>
-  </dgm:styleLbl>
-  <dgm:styleLbl name="parChTrans2D4">
-    <dgm:fillClrLst meth="repeat">
-      <a:schemeClr val="accent1"/>
-    </dgm:fillClrLst>
-    <dgm:linClrLst meth="repeat">
-      <a:schemeClr val="accent1"/>
-    </dgm:linClrLst>
-    <dgm:effectClrLst/>
-    <dgm:txLinClrLst/>
-    <dgm:txFillClrLst meth="repeat">
-      <a:schemeClr val="lt1"/>
-    </dgm:txFillClrLst>
-    <dgm:txEffectClrLst/>
-  </dgm:styleLbl>
-  <dgm:styleLbl name="parChTrans1D1">
-    <dgm:fillClrLst meth="repeat">
-      <a:schemeClr val="accent1"/>
-    </dgm:fillClrLst>
-    <dgm:linClrLst meth="repeat">
-      <a:schemeClr val="accent1">
-        <a:shade val="60000"/>
-      </a:schemeClr>
-    </dgm:linClrLst>
-    <dgm:effectClrLst/>
-    <dgm:txLinClrLst/>
-    <dgm:txFillClrLst meth="repeat">
-      <a:schemeClr val="tx1"/>
-    </dgm:txFillClrLst>
-    <dgm:txEffectClrLst/>
-  </dgm:styleLbl>
-  <dgm:styleLbl name="parChTrans1D2">
-    <dgm:fillClrLst meth="repeat">
-      <a:schemeClr val="accent1"/>
-    </dgm:fillClrLst>
-    <dgm:linClrLst meth="repeat">
-      <a:schemeClr val="accent1">
-        <a:shade val="60000"/>
-      </a:schemeClr>
-    </dgm:linClrLst>
-    <dgm:effectClrLst/>
-    <dgm:txLinClrLst/>
-    <dgm:txFillClrLst meth="repeat">
-      <a:schemeClr val="tx1"/>
-    </dgm:txFillClrLst>
-    <dgm:txEffectClrLst/>
-  </dgm:styleLbl>
-  <dgm:styleLbl name="parChTrans1D3">
-    <dgm:fillClrLst meth="repeat">
-      <a:schemeClr val="accent1"/>
-    </dgm:fillClrLst>
-    <dgm:linClrLst meth="repeat">
-      <a:schemeClr val="accent1">
-        <a:shade val="80000"/>
-      </a:schemeClr>
-    </dgm:linClrLst>
-    <dgm:effectClrLst/>
-    <dgm:txLinClrLst/>
-    <dgm:txFillClrLst meth="repeat">
-      <a:schemeClr val="tx1"/>
-    </dgm:txFillClrLst>
-    <dgm:txEffectClrLst/>
-  </dgm:styleLbl>
-  <dgm:styleLbl name="parChTrans1D4">
-    <dgm:fillClrLst meth="repeat">
-      <a:schemeClr val="accent1"/>
-    </dgm:fillClrLst>
-    <dgm:linClrLst meth="repeat">
-      <a:schemeClr val="accent1">
-        <a:shade val="80000"/>
-      </a:schemeClr>
-    </dgm:linClrLst>
-    <dgm:effectClrLst/>
-    <dgm:txLinClrLst/>
-    <dgm:txFillClrLst meth="repeat">
-      <a:schemeClr val="tx1"/>
-    </dgm:txFillClrLst>
-    <dgm:txEffectClrLst/>
-  </dgm:styleLbl>
-  <dgm:styleLbl name="fgAcc1">
-    <dgm:fillClrLst meth="repeat">
-      <a:schemeClr val="lt1">
-        <a:alpha val="90000"/>
-      </a:schemeClr>
-    </dgm:fillClrLst>
-    <dgm:linClrLst meth="repeat">
-      <a:schemeClr val="accent1"/>
-    </dgm:linClrLst>
-    <dgm:effectClrLst/>
-    <dgm:txLinClrLst/>
-    <dgm:txFillClrLst meth="repeat">
-      <a:schemeClr val="dk1"/>
-    </dgm:txFillClrLst>
-    <dgm:txEffectClrLst/>
-  </dgm:styleLbl>
-  <dgm:styleLbl name="conFgAcc1">
-    <dgm:fillClrLst meth="repeat">
-      <a:schemeClr val="lt1">
-        <a:alpha val="90000"/>
-      </a:schemeClr>
-    </dgm:fillClrLst>
-    <dgm:linClrLst meth="repeat">
-      <a:schemeClr val="accent1"/>
-    </dgm:linClrLst>
-    <dgm:effectClrLst/>
-    <dgm:txLinClrLst/>
-    <dgm:txFillClrLst meth="repeat">
-      <a:schemeClr val="dk1"/>
-    </dgm:txFillClrLst>
-    <dgm:txEffectClrLst/>
-  </dgm:styleLbl>
-  <dgm:styleLbl name="alignAcc1">
-    <dgm:fillClrLst meth="repeat">
-      <a:schemeClr val="lt1">
-        <a:alpha val="90000"/>
-      </a:schemeClr>
-    </dgm:fillClrLst>
-    <dgm:linClrLst meth="repeat">
-      <a:schemeClr val="accent1"/>
-    </dgm:linClrLst>
-    <dgm:effectClrLst/>
-    <dgm:txLinClrLst/>
-    <dgm:txFillClrLst meth="repeat">
-      <a:schemeClr val="dk1"/>
-    </dgm:txFillClrLst>
-    <dgm:txEffectClrLst/>
-  </dgm:styleLbl>
-  <dgm:styleLbl name="trAlignAcc1">
-    <dgm:fillClrLst meth="repeat">
-      <a:schemeClr val="lt1">
-        <a:alpha val="40000"/>
-      </a:schemeClr>
-    </dgm:fillClrLst>
-    <dgm:linClrLst meth="repeat">
-      <a:schemeClr val="accent1"/>
-    </dgm:linClrLst>
-    <dgm:effectClrLst/>
-    <dgm:txLinClrLst/>
-    <dgm:txFillClrLst meth="repeat">
-      <a:schemeClr val="dk1"/>
-    </dgm:txFillClrLst>
-    <dgm:txEffectClrLst/>
-  </dgm:styleLbl>
-  <dgm:styleLbl name="bgAcc1">
-    <dgm:fillClrLst meth="repeat">
-      <a:schemeClr val="lt1">
-        <a:alpha val="90000"/>
-      </a:schemeClr>
-    </dgm:fillClrLst>
-    <dgm:linClrLst meth="repeat">
-      <a:schemeClr val="accent1"/>
-    </dgm:linClrLst>
-    <dgm:effectClrLst/>
-    <dgm:txLinClrLst/>
-    <dgm:txFillClrLst meth="repeat">
-      <a:schemeClr val="dk1"/>
-    </dgm:txFillClrLst>
-    <dgm:txEffectClrLst/>
-  </dgm:styleLbl>
-  <dgm:styleLbl name="solidFgAcc1">
-    <dgm:fillClrLst meth="repeat">
-      <a:schemeClr val="lt1"/>
-    </dgm:fillClrLst>
-    <dgm:linClrLst meth="repeat">
-      <a:schemeClr val="accent1"/>
-    </dgm:linClrLst>
-    <dgm:effectClrLst/>
-    <dgm:txLinClrLst/>
-    <dgm:txFillClrLst meth="repeat">
-      <a:schemeClr val="dk1"/>
-    </dgm:txFillClrLst>
-    <dgm:txEffectClrLst/>
-  </dgm:styleLbl>
-  <dgm:styleLbl name="solidAlignAcc1">
-    <dgm:fillClrLst meth="repeat">
-      <a:schemeClr val="lt1"/>
-    </dgm:fillClrLst>
-    <dgm:linClrLst meth="repeat">
-      <a:schemeClr val="accent1"/>
-    </dgm:linClrLst>
-    <dgm:effectClrLst/>
-    <dgm:txLinClrLst/>
-    <dgm:txFillClrLst meth="repeat">
-      <a:schemeClr val="dk1"/>
-    </dgm:txFillClrLst>
-    <dgm:txEffectClrLst/>
-  </dgm:styleLbl>
-  <dgm:styleLbl name="solidBgAcc1">
-    <dgm:fillClrLst meth="repeat">
-      <a:schemeClr val="lt1"/>
-    </dgm:fillClrLst>
-    <dgm:linClrLst meth="repeat">
-      <a:schemeClr val="accent1"/>
-    </dgm:linClrLst>
-    <dgm:effectClrLst/>
-    <dgm:txLinClrLst/>
-    <dgm:txFillClrLst meth="repeat">
-      <a:schemeClr val="dk1"/>
-    </dgm:txFillClrLst>
-    <dgm:txEffectClrLst/>
-  </dgm:styleLbl>
-  <dgm:styleLbl name="fgAccFollowNode1">
-    <dgm:fillClrLst meth="repeat">
-      <a:schemeClr val="accent1">
-        <a:alpha val="90000"/>
-        <a:tint val="40000"/>
-      </a:schemeClr>
-    </dgm:fillClrLst>
-    <dgm:linClrLst meth="repeat">
-      <a:schemeClr val="accent1">
-        <a:alpha val="90000"/>
-        <a:tint val="40000"/>
-      </a:schemeClr>
-    </dgm:linClrLst>
-    <dgm:effectClrLst/>
-    <dgm:txLinClrLst/>
-    <dgm:txFillClrLst meth="repeat">
-      <a:schemeClr val="dk1"/>
-    </dgm:txFillClrLst>
-    <dgm:txEffectClrLst/>
-  </dgm:styleLbl>
-  <dgm:styleLbl name="alignAccFollowNode1">
-    <dgm:fillClrLst meth="repeat">
-      <a:schemeClr val="accent1">
-        <a:alpha val="90000"/>
-        <a:tint val="40000"/>
-      </a:schemeClr>
-    </dgm:fillClrLst>
-    <dgm:linClrLst meth="repeat">
-      <a:schemeClr val="accent1">
-        <a:alpha val="90000"/>
-        <a:tint val="40000"/>
-      </a:schemeClr>
-    </dgm:linClrLst>
-    <dgm:effectClrLst/>
-    <dgm:txLinClrLst/>
-    <dgm:txFillClrLst meth="repeat">
-      <a:schemeClr val="dk1"/>
-    </dgm:txFillClrLst>
-    <dgm:txEffectClrLst/>
-  </dgm:styleLbl>
-  <dgm:styleLbl name="bgAccFollowNode1">
-    <dgm:fillClrLst meth="repeat">
-      <a:schemeClr val="accent1">
-        <a:alpha val="90000"/>
-        <a:tint val="40000"/>
-      </a:schemeClr>
-    </dgm:fillClrLst>
-    <dgm:linClrLst meth="repeat">
-      <a:schemeClr val="accent1">
-        <a:alpha val="90000"/>
-        <a:tint val="40000"/>
-      </a:schemeClr>
-    </dgm:linClrLst>
-    <dgm:effectClrLst/>
-    <dgm:txLinClrLst/>
-    <dgm:txFillClrLst meth="repeat">
-      <a:schemeClr val="dk1"/>
-    </dgm:txFillClrLst>
-    <dgm:txEffectClrLst/>
-  </dgm:styleLbl>
-  <dgm:styleLbl name="fgAcc0">
-    <dgm:fillClrLst meth="repeat">
-      <a:schemeClr val="lt1">
-        <a:alpha val="90000"/>
-      </a:schemeClr>
-    </dgm:fillClrLst>
-    <dgm:linClrLst meth="repeat">
-      <a:schemeClr val="accent1"/>
-    </dgm:linClrLst>
-    <dgm:effectClrLst/>
-    <dgm:txLinClrLst/>
-    <dgm:txFillClrLst meth="repeat">
-      <a:schemeClr val="dk1"/>
-    </dgm:txFillClrLst>
-    <dgm:txEffectClrLst/>
-  </dgm:styleLbl>
-  <dgm:styleLbl name="fgAcc2">
-    <dgm:fillClrLst meth="repeat">
-      <a:schemeClr val="lt1">
-        <a:alpha val="90000"/>
-      </a:schemeClr>
-    </dgm:fillClrLst>
-    <dgm:linClrLst meth="repeat">
-      <a:schemeClr val="accent1"/>
-    </dgm:linClrLst>
-    <dgm:effectClrLst/>
-    <dgm:txLinClrLst/>
-    <dgm:txFillClrLst meth="repeat">
-      <a:schemeClr val="dk1"/>
-    </dgm:txFillClrLst>
-    <dgm:txEffectClrLst/>
-  </dgm:styleLbl>
-  <dgm:styleLbl name="fgAcc3">
-    <dgm:fillClrLst meth="repeat">
-      <a:schemeClr val="lt1">
-        <a:alpha val="90000"/>
-      </a:schemeClr>
-    </dgm:fillClrLst>
-    <dgm:linClrLst meth="repeat">
-      <a:schemeClr val="accent1"/>
-    </dgm:linClrLst>
-    <dgm:effectClrLst/>
-    <dgm:txLinClrLst/>
-    <dgm:txFillClrLst meth="repeat">
-      <a:schemeClr val="dk1"/>
-    </dgm:txFillClrLst>
-    <dgm:txEffectClrLst/>
-  </dgm:styleLbl>
-  <dgm:styleLbl name="fgAcc4">
-    <dgm:fillClrLst meth="repeat">
-      <a:schemeClr val="lt1">
-        <a:alpha val="90000"/>
-      </a:schemeClr>
-    </dgm:fillClrLst>
-    <dgm:linClrLst meth="repeat">
-      <a:schemeClr val="accent1"/>
-    </dgm:linClrLst>
-    <dgm:effectClrLst/>
-    <dgm:txLinClrLst/>
-    <dgm:txFillClrLst meth="repeat">
-      <a:schemeClr val="dk1"/>
-    </dgm:txFillClrLst>
-    <dgm:txEffectClrLst/>
-  </dgm:styleLbl>
-  <dgm:styleLbl name="bgShp">
-    <dgm:fillClrLst meth="repeat">
-      <a:schemeClr val="accent1">
-        <a:tint val="40000"/>
-      </a:schemeClr>
-    </dgm:fillClrLst>
-    <dgm:linClrLst meth="repeat">
-      <a:schemeClr val="accent1"/>
-    </dgm:linClrLst>
-    <dgm:effectClrLst/>
-    <dgm:txLinClrLst/>
-    <dgm:txFillClrLst meth="repeat">
-      <a:schemeClr val="dk1"/>
-    </dgm:txFillClrLst>
-    <dgm:txEffectClrLst/>
-  </dgm:styleLbl>
-  <dgm:styleLbl name="dkBgShp">
-    <dgm:fillClrLst meth="repeat">
-      <a:schemeClr val="accent1">
-        <a:shade val="80000"/>
-      </a:schemeClr>
-    </dgm:fillClrLst>
-    <dgm:linClrLst meth="repeat">
-      <a:schemeClr val="accent1"/>
-    </dgm:linClrLst>
-    <dgm:effectClrLst/>
-    <dgm:txLinClrLst/>
-    <dgm:txFillClrLst meth="repeat">
-      <a:schemeClr val="lt1"/>
-    </dgm:txFillClrLst>
-    <dgm:txEffectClrLst/>
-  </dgm:styleLbl>
-  <dgm:styleLbl name="trBgShp">
-    <dgm:fillClrLst meth="repeat">
-      <a:schemeClr val="accent1">
-        <a:tint val="50000"/>
-        <a:alpha val="40000"/>
-      </a:schemeClr>
-    </dgm:fillClrLst>
-    <dgm:linClrLst meth="repeat">
-      <a:schemeClr val="accent1"/>
-    </dgm:linClrLst>
-    <dgm:effectClrLst/>
-    <dgm:txLinClrLst/>
-    <dgm:txFillClrLst meth="repeat">
-      <a:schemeClr val="lt1"/>
-    </dgm:txFillClrLst>
-    <dgm:txEffectClrLst/>
-  </dgm:styleLbl>
-  <dgm:styleLbl name="fgShp">
-    <dgm:fillClrLst meth="repeat">
-      <a:schemeClr val="accent1">
-        <a:tint val="60000"/>
-      </a:schemeClr>
-    </dgm:fillClrLst>
-    <dgm:linClrLst meth="repeat">
-      <a:schemeClr val="lt1"/>
-    </dgm:linClrLst>
-    <dgm:effectClrLst/>
-    <dgm:txLinClrLst/>
-    <dgm:txFillClrLst meth="repeat">
-      <a:schemeClr val="dk1"/>
-    </dgm:txFillClrLst>
-    <dgm:txEffectClrLst/>
-  </dgm:styleLbl>
-  <dgm:styleLbl name="revTx">
-    <dgm:fillClrLst meth="repeat">
-      <a:schemeClr val="lt1">
-        <a:alpha val="0"/>
-      </a:schemeClr>
-    </dgm:fillClrLst>
-    <dgm:linClrLst meth="repeat">
-      <a:schemeClr val="dk1">
-        <a:alpha val="0"/>
-      </a:schemeClr>
-    </dgm:linClrLst>
-    <dgm:effectClrLst/>
-    <dgm:txLinClrLst/>
-    <dgm:txFillClrLst meth="repeat">
-      <a:schemeClr val="tx1"/>
-    </dgm:txFillClrLst>
-    <dgm:txEffectClrLst/>
-  </dgm:styleLbl>
-</dgm:colorsDef>
-</file>
-
-<file path=ppt/diagrams/data1.xml><?xml version="1.0" encoding="utf-8"?>
-<dgm:dataModel xmlns:dgm="http://schemas.openxmlformats.org/drawingml/2006/diagram" xmlns:a="http://schemas.openxmlformats.org/drawingml/2006/main">
-  <dgm:ptLst>
-    <dgm:pt modelId="{C30491EA-A942-419C-BCF4-1FC72AFFE7B9}" type="doc">
-      <dgm:prSet loTypeId="urn:microsoft.com/office/officeart/2005/8/layout/StepDownProcess" loCatId="process" qsTypeId="urn:microsoft.com/office/officeart/2005/8/quickstyle/simple5" qsCatId="simple" csTypeId="urn:microsoft.com/office/officeart/2005/8/colors/accent1_2" csCatId="accent1" phldr="1"/>
-      <dgm:spPr/>
-      <dgm:t>
-        <a:bodyPr/>
-        <a:lstStyle/>
-        <a:p>
-          <a:endParaRPr lang="en-US"/>
-        </a:p>
-      </dgm:t>
-    </dgm:pt>
-    <dgm:pt modelId="{79DDBEDC-DDD6-43E6-AE11-E905FFAC42DA}">
-      <dgm:prSet phldrT="[Text]"/>
-      <dgm:spPr/>
-      <dgm:t>
-        <a:bodyPr/>
-        <a:lstStyle/>
-        <a:p>
-          <a:r>
-            <a:rPr lang="en-US" dirty="0"/>
-            <a:t>How many loan PFS agreements overall?</a:t>
-          </a:r>
-        </a:p>
-      </dgm:t>
-    </dgm:pt>
-    <dgm:pt modelId="{23F45544-7A3D-4E3B-829F-9B62CE38F92C}" type="parTrans" cxnId="{618E07A2-0A2E-4684-B037-70086EE592AD}">
-      <dgm:prSet/>
-      <dgm:spPr/>
-      <dgm:t>
-        <a:bodyPr/>
-        <a:lstStyle/>
-        <a:p>
-          <a:endParaRPr lang="en-US"/>
-        </a:p>
-      </dgm:t>
-    </dgm:pt>
-    <dgm:pt modelId="{8639C7FA-3112-4D36-B6A3-53361F25B399}" type="sibTrans" cxnId="{618E07A2-0A2E-4684-B037-70086EE592AD}">
-      <dgm:prSet/>
-      <dgm:spPr/>
-      <dgm:t>
-        <a:bodyPr/>
-        <a:lstStyle/>
-        <a:p>
-          <a:endParaRPr lang="en-US"/>
-        </a:p>
-      </dgm:t>
-    </dgm:pt>
-    <dgm:pt modelId="{9B08AEEF-516F-4EE2-BB2F-19CB97E8F492}">
-      <dgm:prSet phldrT="[Text]" phldr="1"/>
-      <dgm:spPr/>
-      <dgm:t>
-        <a:bodyPr/>
-        <a:lstStyle/>
-        <a:p>
-          <a:endParaRPr lang="en-US" dirty="0"/>
-        </a:p>
-      </dgm:t>
-    </dgm:pt>
-    <dgm:pt modelId="{AA15F91C-53B6-45EA-93F0-CE15FB306702}" type="parTrans" cxnId="{F9FC1867-EF35-4528-B1F4-04F3FC506FD0}">
-      <dgm:prSet/>
-      <dgm:spPr/>
-      <dgm:t>
-        <a:bodyPr/>
-        <a:lstStyle/>
-        <a:p>
-          <a:endParaRPr lang="en-US"/>
-        </a:p>
-      </dgm:t>
-    </dgm:pt>
-    <dgm:pt modelId="{7026392D-A7D1-4E4D-9C8A-1F4BEDED7A81}" type="sibTrans" cxnId="{F9FC1867-EF35-4528-B1F4-04F3FC506FD0}">
-      <dgm:prSet/>
-      <dgm:spPr/>
-      <dgm:t>
-        <a:bodyPr/>
-        <a:lstStyle/>
-        <a:p>
-          <a:endParaRPr lang="en-US"/>
-        </a:p>
-      </dgm:t>
-    </dgm:pt>
-    <dgm:pt modelId="{317E4DA8-37D3-482A-AD6B-8E4950BD6164}">
-      <dgm:prSet phldrT="[Text]"/>
-      <dgm:spPr/>
-      <dgm:t>
-        <a:bodyPr/>
-        <a:lstStyle/>
-        <a:p>
-          <a:r>
-            <a:rPr lang="en-US" dirty="0"/>
-            <a:t>How fast is it growing?</a:t>
-          </a:r>
-        </a:p>
-      </dgm:t>
-    </dgm:pt>
-    <dgm:pt modelId="{A6E3D73B-25D7-41B3-9831-25C8C89F4122}" type="parTrans" cxnId="{7EF4E416-0B28-42FF-AE48-90350E197BF5}">
-      <dgm:prSet/>
-      <dgm:spPr/>
-      <dgm:t>
-        <a:bodyPr/>
-        <a:lstStyle/>
-        <a:p>
-          <a:endParaRPr lang="en-US"/>
-        </a:p>
-      </dgm:t>
-    </dgm:pt>
-    <dgm:pt modelId="{02486325-9EAD-454A-9027-F79CE96740CD}" type="sibTrans" cxnId="{7EF4E416-0B28-42FF-AE48-90350E197BF5}">
-      <dgm:prSet/>
-      <dgm:spPr/>
-      <dgm:t>
-        <a:bodyPr/>
-        <a:lstStyle/>
-        <a:p>
-          <a:endParaRPr lang="en-US"/>
-        </a:p>
-      </dgm:t>
-    </dgm:pt>
-    <dgm:pt modelId="{5133026E-E7BE-43A8-A65F-B86AD526F121}">
-      <dgm:prSet phldrT="[Text]" phldr="1"/>
-      <dgm:spPr/>
-      <dgm:t>
-        <a:bodyPr/>
-        <a:lstStyle/>
-        <a:p>
-          <a:endParaRPr lang="en-US" dirty="0"/>
-        </a:p>
-      </dgm:t>
-    </dgm:pt>
-    <dgm:pt modelId="{AA883A95-1D4C-4063-BA56-E13214D1808A}" type="parTrans" cxnId="{9A2EB4B1-B7F4-4884-9AA9-0B1C7BAE7756}">
-      <dgm:prSet/>
-      <dgm:spPr/>
-      <dgm:t>
-        <a:bodyPr/>
-        <a:lstStyle/>
-        <a:p>
-          <a:endParaRPr lang="en-US"/>
-        </a:p>
-      </dgm:t>
-    </dgm:pt>
-    <dgm:pt modelId="{6B5F896B-201C-47CC-91CD-78D1452A7749}" type="sibTrans" cxnId="{9A2EB4B1-B7F4-4884-9AA9-0B1C7BAE7756}">
-      <dgm:prSet/>
-      <dgm:spPr/>
-      <dgm:t>
-        <a:bodyPr/>
-        <a:lstStyle/>
-        <a:p>
-          <a:endParaRPr lang="en-US"/>
-        </a:p>
-      </dgm:t>
-    </dgm:pt>
-    <dgm:pt modelId="{6A91C740-3D03-419A-B4AF-043BF5276494}">
-      <dgm:prSet phldrT="[Text]"/>
-      <dgm:spPr/>
-      <dgm:t>
-        <a:bodyPr/>
-        <a:lstStyle/>
-        <a:p>
-          <a:r>
-            <a:rPr lang="en-US" dirty="0"/>
-            <a:t>PFS agreement survival?</a:t>
-          </a:r>
-        </a:p>
-      </dgm:t>
-    </dgm:pt>
-    <dgm:pt modelId="{881CF9FB-72E2-46A4-9A26-30A1456D6441}" type="parTrans" cxnId="{BE673608-6288-4B57-AB6E-1C97B513EB1B}">
-      <dgm:prSet/>
-      <dgm:spPr/>
-      <dgm:t>
-        <a:bodyPr/>
-        <a:lstStyle/>
-        <a:p>
-          <a:endParaRPr lang="en-US"/>
-        </a:p>
-      </dgm:t>
-    </dgm:pt>
-    <dgm:pt modelId="{9F68CAB6-D15D-48BE-A827-57DD6F38373C}" type="sibTrans" cxnId="{BE673608-6288-4B57-AB6E-1C97B513EB1B}">
-      <dgm:prSet/>
-      <dgm:spPr/>
-      <dgm:t>
-        <a:bodyPr/>
-        <a:lstStyle/>
-        <a:p>
-          <a:endParaRPr lang="en-US"/>
-        </a:p>
-      </dgm:t>
-    </dgm:pt>
-    <dgm:pt modelId="{3AD315F1-EF30-4B66-AA24-4F5411BCA96E}">
-      <dgm:prSet phldrT="[Text]" phldr="1"/>
-      <dgm:spPr/>
-      <dgm:t>
-        <a:bodyPr/>
-        <a:lstStyle/>
-        <a:p>
-          <a:endParaRPr lang="en-US" dirty="0"/>
-        </a:p>
-      </dgm:t>
-    </dgm:pt>
-    <dgm:pt modelId="{8A77CB92-8AB0-450F-87EB-974ABB5D79DA}" type="parTrans" cxnId="{2D749E4C-DD9D-4395-8186-CC57B4A0824D}">
-      <dgm:prSet/>
-      <dgm:spPr/>
-      <dgm:t>
-        <a:bodyPr/>
-        <a:lstStyle/>
-        <a:p>
-          <a:endParaRPr lang="en-US"/>
-        </a:p>
-      </dgm:t>
-    </dgm:pt>
-    <dgm:pt modelId="{975A2853-2228-4250-817C-05185C633C4E}" type="sibTrans" cxnId="{2D749E4C-DD9D-4395-8186-CC57B4A0824D}">
-      <dgm:prSet/>
-      <dgm:spPr/>
-      <dgm:t>
-        <a:bodyPr/>
-        <a:lstStyle/>
-        <a:p>
-          <a:endParaRPr lang="en-US"/>
-        </a:p>
-      </dgm:t>
-    </dgm:pt>
-    <dgm:pt modelId="{5242F005-A4F9-4992-BCAD-9AE21F7A63B8}" type="pres">
-      <dgm:prSet presAssocID="{C30491EA-A942-419C-BCF4-1FC72AFFE7B9}" presName="rootnode" presStyleCnt="0">
-        <dgm:presLayoutVars>
-          <dgm:chMax/>
-          <dgm:chPref/>
-          <dgm:dir/>
-          <dgm:animLvl val="lvl"/>
-        </dgm:presLayoutVars>
-      </dgm:prSet>
-      <dgm:spPr/>
-    </dgm:pt>
-    <dgm:pt modelId="{7965FDCE-0CFA-4CF9-8FF5-EF187E0DF351}" type="pres">
-      <dgm:prSet presAssocID="{79DDBEDC-DDD6-43E6-AE11-E905FFAC42DA}" presName="composite" presStyleCnt="0"/>
-      <dgm:spPr/>
-    </dgm:pt>
-    <dgm:pt modelId="{03062F4D-E0B2-416C-844A-1036F99766AF}" type="pres">
-      <dgm:prSet presAssocID="{79DDBEDC-DDD6-43E6-AE11-E905FFAC42DA}" presName="bentUpArrow1" presStyleLbl="alignImgPlace1" presStyleIdx="0" presStyleCnt="2"/>
-      <dgm:spPr/>
-    </dgm:pt>
-    <dgm:pt modelId="{4A808EE6-A36C-468C-91A2-BE2F6FBA5762}" type="pres">
-      <dgm:prSet presAssocID="{79DDBEDC-DDD6-43E6-AE11-E905FFAC42DA}" presName="ParentText" presStyleLbl="node1" presStyleIdx="0" presStyleCnt="3">
-        <dgm:presLayoutVars>
-          <dgm:chMax val="1"/>
-          <dgm:chPref val="1"/>
-          <dgm:bulletEnabled val="1"/>
-        </dgm:presLayoutVars>
-      </dgm:prSet>
-      <dgm:spPr/>
-    </dgm:pt>
-    <dgm:pt modelId="{6A0B12D2-FE6E-4EE6-984E-A30827A7F0CF}" type="pres">
-      <dgm:prSet presAssocID="{79DDBEDC-DDD6-43E6-AE11-E905FFAC42DA}" presName="ChildText" presStyleLbl="revTx" presStyleIdx="0" presStyleCnt="3">
-        <dgm:presLayoutVars>
-          <dgm:chMax val="0"/>
-          <dgm:chPref val="0"/>
-          <dgm:bulletEnabled val="1"/>
-        </dgm:presLayoutVars>
-      </dgm:prSet>
-      <dgm:spPr/>
-    </dgm:pt>
-    <dgm:pt modelId="{31BE7CE6-86E3-4A45-AF0A-37E03EFD2C66}" type="pres">
-      <dgm:prSet presAssocID="{8639C7FA-3112-4D36-B6A3-53361F25B399}" presName="sibTrans" presStyleCnt="0"/>
-      <dgm:spPr/>
-    </dgm:pt>
-    <dgm:pt modelId="{44D0AF52-8B84-41D1-90AB-B930BF55EF5C}" type="pres">
-      <dgm:prSet presAssocID="{317E4DA8-37D3-482A-AD6B-8E4950BD6164}" presName="composite" presStyleCnt="0"/>
-      <dgm:spPr/>
-    </dgm:pt>
-    <dgm:pt modelId="{6A6B2276-B00F-4D43-8DD9-9C2CDE5FA1D2}" type="pres">
-      <dgm:prSet presAssocID="{317E4DA8-37D3-482A-AD6B-8E4950BD6164}" presName="bentUpArrow1" presStyleLbl="alignImgPlace1" presStyleIdx="1" presStyleCnt="2"/>
-      <dgm:spPr/>
-    </dgm:pt>
-    <dgm:pt modelId="{2ECF00D4-21F2-4AB9-9588-39392AF4FBD6}" type="pres">
-      <dgm:prSet presAssocID="{317E4DA8-37D3-482A-AD6B-8E4950BD6164}" presName="ParentText" presStyleLbl="node1" presStyleIdx="1" presStyleCnt="3">
-        <dgm:presLayoutVars>
-          <dgm:chMax val="1"/>
-          <dgm:chPref val="1"/>
-          <dgm:bulletEnabled val="1"/>
-        </dgm:presLayoutVars>
-      </dgm:prSet>
-      <dgm:spPr/>
-    </dgm:pt>
-    <dgm:pt modelId="{77D0E7F2-2DFC-42C7-8A19-2C562AAE1602}" type="pres">
-      <dgm:prSet presAssocID="{317E4DA8-37D3-482A-AD6B-8E4950BD6164}" presName="ChildText" presStyleLbl="revTx" presStyleIdx="1" presStyleCnt="3">
-        <dgm:presLayoutVars>
-          <dgm:chMax val="0"/>
-          <dgm:chPref val="0"/>
-          <dgm:bulletEnabled val="1"/>
-        </dgm:presLayoutVars>
-      </dgm:prSet>
-      <dgm:spPr/>
-    </dgm:pt>
-    <dgm:pt modelId="{801DDAE6-70F2-4443-AD16-322B25CB45F0}" type="pres">
-      <dgm:prSet presAssocID="{02486325-9EAD-454A-9027-F79CE96740CD}" presName="sibTrans" presStyleCnt="0"/>
-      <dgm:spPr/>
-    </dgm:pt>
-    <dgm:pt modelId="{24F45F86-C2A3-4A06-9CDA-50EA6BACAC1E}" type="pres">
-      <dgm:prSet presAssocID="{6A91C740-3D03-419A-B4AF-043BF5276494}" presName="composite" presStyleCnt="0"/>
-      <dgm:spPr/>
-    </dgm:pt>
-    <dgm:pt modelId="{4E3EB7B9-9A50-42B1-BCFE-E7964D97E1CD}" type="pres">
-      <dgm:prSet presAssocID="{6A91C740-3D03-419A-B4AF-043BF5276494}" presName="ParentText" presStyleLbl="node1" presStyleIdx="2" presStyleCnt="3">
-        <dgm:presLayoutVars>
-          <dgm:chMax val="1"/>
-          <dgm:chPref val="1"/>
-          <dgm:bulletEnabled val="1"/>
-        </dgm:presLayoutVars>
-      </dgm:prSet>
-      <dgm:spPr/>
-    </dgm:pt>
-    <dgm:pt modelId="{4706ECA6-5E1F-4759-B7B2-035B6F9D381D}" type="pres">
-      <dgm:prSet presAssocID="{6A91C740-3D03-419A-B4AF-043BF5276494}" presName="FinalChildText" presStyleLbl="revTx" presStyleIdx="2" presStyleCnt="3">
-        <dgm:presLayoutVars>
-          <dgm:chMax val="0"/>
-          <dgm:chPref val="0"/>
-          <dgm:bulletEnabled val="1"/>
-        </dgm:presLayoutVars>
-      </dgm:prSet>
-      <dgm:spPr/>
-    </dgm:pt>
-  </dgm:ptLst>
-  <dgm:cxnLst>
-    <dgm:cxn modelId="{BE673608-6288-4B57-AB6E-1C97B513EB1B}" srcId="{C30491EA-A942-419C-BCF4-1FC72AFFE7B9}" destId="{6A91C740-3D03-419A-B4AF-043BF5276494}" srcOrd="2" destOrd="0" parTransId="{881CF9FB-72E2-46A4-9A26-30A1456D6441}" sibTransId="{9F68CAB6-D15D-48BE-A827-57DD6F38373C}"/>
-    <dgm:cxn modelId="{7EF4E416-0B28-42FF-AE48-90350E197BF5}" srcId="{C30491EA-A942-419C-BCF4-1FC72AFFE7B9}" destId="{317E4DA8-37D3-482A-AD6B-8E4950BD6164}" srcOrd="1" destOrd="0" parTransId="{A6E3D73B-25D7-41B3-9831-25C8C89F4122}" sibTransId="{02486325-9EAD-454A-9027-F79CE96740CD}"/>
-    <dgm:cxn modelId="{BD6CDA3C-DD7A-46D0-BF33-188F2789897B}" type="presOf" srcId="{C30491EA-A942-419C-BCF4-1FC72AFFE7B9}" destId="{5242F005-A4F9-4992-BCAD-9AE21F7A63B8}" srcOrd="0" destOrd="0" presId="urn:microsoft.com/office/officeart/2005/8/layout/StepDownProcess"/>
-    <dgm:cxn modelId="{16D4AC62-C410-4697-AD70-75F607457ED3}" type="presOf" srcId="{6A91C740-3D03-419A-B4AF-043BF5276494}" destId="{4E3EB7B9-9A50-42B1-BCFE-E7964D97E1CD}" srcOrd="0" destOrd="0" presId="urn:microsoft.com/office/officeart/2005/8/layout/StepDownProcess"/>
-    <dgm:cxn modelId="{F9FC1867-EF35-4528-B1F4-04F3FC506FD0}" srcId="{79DDBEDC-DDD6-43E6-AE11-E905FFAC42DA}" destId="{9B08AEEF-516F-4EE2-BB2F-19CB97E8F492}" srcOrd="0" destOrd="0" parTransId="{AA15F91C-53B6-45EA-93F0-CE15FB306702}" sibTransId="{7026392D-A7D1-4E4D-9C8A-1F4BEDED7A81}"/>
-    <dgm:cxn modelId="{2D749E4C-DD9D-4395-8186-CC57B4A0824D}" srcId="{6A91C740-3D03-419A-B4AF-043BF5276494}" destId="{3AD315F1-EF30-4B66-AA24-4F5411BCA96E}" srcOrd="0" destOrd="0" parTransId="{8A77CB92-8AB0-450F-87EB-974ABB5D79DA}" sibTransId="{975A2853-2228-4250-817C-05185C633C4E}"/>
-    <dgm:cxn modelId="{6F47CB75-14A1-4645-A691-F497ABD4043F}" type="presOf" srcId="{317E4DA8-37D3-482A-AD6B-8E4950BD6164}" destId="{2ECF00D4-21F2-4AB9-9588-39392AF4FBD6}" srcOrd="0" destOrd="0" presId="urn:microsoft.com/office/officeart/2005/8/layout/StepDownProcess"/>
-    <dgm:cxn modelId="{2346217F-6227-4938-A22D-5FAD4B2F4460}" type="presOf" srcId="{5133026E-E7BE-43A8-A65F-B86AD526F121}" destId="{77D0E7F2-2DFC-42C7-8A19-2C562AAE1602}" srcOrd="0" destOrd="0" presId="urn:microsoft.com/office/officeart/2005/8/layout/StepDownProcess"/>
-    <dgm:cxn modelId="{FA9B6B87-B72B-4404-BC88-B5CDDC5CC9DE}" type="presOf" srcId="{9B08AEEF-516F-4EE2-BB2F-19CB97E8F492}" destId="{6A0B12D2-FE6E-4EE6-984E-A30827A7F0CF}" srcOrd="0" destOrd="0" presId="urn:microsoft.com/office/officeart/2005/8/layout/StepDownProcess"/>
-    <dgm:cxn modelId="{41FA5F90-0B4E-49EE-8396-75A581003088}" type="presOf" srcId="{3AD315F1-EF30-4B66-AA24-4F5411BCA96E}" destId="{4706ECA6-5E1F-4759-B7B2-035B6F9D381D}" srcOrd="0" destOrd="0" presId="urn:microsoft.com/office/officeart/2005/8/layout/StepDownProcess"/>
-    <dgm:cxn modelId="{618E07A2-0A2E-4684-B037-70086EE592AD}" srcId="{C30491EA-A942-419C-BCF4-1FC72AFFE7B9}" destId="{79DDBEDC-DDD6-43E6-AE11-E905FFAC42DA}" srcOrd="0" destOrd="0" parTransId="{23F45544-7A3D-4E3B-829F-9B62CE38F92C}" sibTransId="{8639C7FA-3112-4D36-B6A3-53361F25B399}"/>
-    <dgm:cxn modelId="{9A2EB4B1-B7F4-4884-9AA9-0B1C7BAE7756}" srcId="{317E4DA8-37D3-482A-AD6B-8E4950BD6164}" destId="{5133026E-E7BE-43A8-A65F-B86AD526F121}" srcOrd="0" destOrd="0" parTransId="{AA883A95-1D4C-4063-BA56-E13214D1808A}" sibTransId="{6B5F896B-201C-47CC-91CD-78D1452A7749}"/>
-    <dgm:cxn modelId="{1F4DFEEC-E54B-4BAC-BB97-7057C7F74189}" type="presOf" srcId="{79DDBEDC-DDD6-43E6-AE11-E905FFAC42DA}" destId="{4A808EE6-A36C-468C-91A2-BE2F6FBA5762}" srcOrd="0" destOrd="0" presId="urn:microsoft.com/office/officeart/2005/8/layout/StepDownProcess"/>
-    <dgm:cxn modelId="{740CEDAD-B840-4A5C-B543-05A41D36443D}" type="presParOf" srcId="{5242F005-A4F9-4992-BCAD-9AE21F7A63B8}" destId="{7965FDCE-0CFA-4CF9-8FF5-EF187E0DF351}" srcOrd="0" destOrd="0" presId="urn:microsoft.com/office/officeart/2005/8/layout/StepDownProcess"/>
-    <dgm:cxn modelId="{0462AB55-372D-4F8A-990E-8F4B23EFBBB9}" type="presParOf" srcId="{7965FDCE-0CFA-4CF9-8FF5-EF187E0DF351}" destId="{03062F4D-E0B2-416C-844A-1036F99766AF}" srcOrd="0" destOrd="0" presId="urn:microsoft.com/office/officeart/2005/8/layout/StepDownProcess"/>
-    <dgm:cxn modelId="{3181F6BE-3CAC-4F7A-82D2-2C3C30C153BE}" type="presParOf" srcId="{7965FDCE-0CFA-4CF9-8FF5-EF187E0DF351}" destId="{4A808EE6-A36C-468C-91A2-BE2F6FBA5762}" srcOrd="1" destOrd="0" presId="urn:microsoft.com/office/officeart/2005/8/layout/StepDownProcess"/>
-    <dgm:cxn modelId="{4F5E1CD2-7CF8-4F89-88BD-50FDE9F994DE}" type="presParOf" srcId="{7965FDCE-0CFA-4CF9-8FF5-EF187E0DF351}" destId="{6A0B12D2-FE6E-4EE6-984E-A30827A7F0CF}" srcOrd="2" destOrd="0" presId="urn:microsoft.com/office/officeart/2005/8/layout/StepDownProcess"/>
-    <dgm:cxn modelId="{5B8573B7-C969-413D-9CCD-37A620A7D948}" type="presParOf" srcId="{5242F005-A4F9-4992-BCAD-9AE21F7A63B8}" destId="{31BE7CE6-86E3-4A45-AF0A-37E03EFD2C66}" srcOrd="1" destOrd="0" presId="urn:microsoft.com/office/officeart/2005/8/layout/StepDownProcess"/>
-    <dgm:cxn modelId="{5406C2E5-BE6A-47DF-80B2-8C259654FEAA}" type="presParOf" srcId="{5242F005-A4F9-4992-BCAD-9AE21F7A63B8}" destId="{44D0AF52-8B84-41D1-90AB-B930BF55EF5C}" srcOrd="2" destOrd="0" presId="urn:microsoft.com/office/officeart/2005/8/layout/StepDownProcess"/>
-    <dgm:cxn modelId="{664581F3-D1D9-46B2-8DAE-5DCCBECF52CB}" type="presParOf" srcId="{44D0AF52-8B84-41D1-90AB-B930BF55EF5C}" destId="{6A6B2276-B00F-4D43-8DD9-9C2CDE5FA1D2}" srcOrd="0" destOrd="0" presId="urn:microsoft.com/office/officeart/2005/8/layout/StepDownProcess"/>
-    <dgm:cxn modelId="{DD26FB76-5213-4337-9031-D7557ED4187B}" type="presParOf" srcId="{44D0AF52-8B84-41D1-90AB-B930BF55EF5C}" destId="{2ECF00D4-21F2-4AB9-9588-39392AF4FBD6}" srcOrd="1" destOrd="0" presId="urn:microsoft.com/office/officeart/2005/8/layout/StepDownProcess"/>
-    <dgm:cxn modelId="{9294CF6E-43DD-441B-8C1C-70D7E53DF956}" type="presParOf" srcId="{44D0AF52-8B84-41D1-90AB-B930BF55EF5C}" destId="{77D0E7F2-2DFC-42C7-8A19-2C562AAE1602}" srcOrd="2" destOrd="0" presId="urn:microsoft.com/office/officeart/2005/8/layout/StepDownProcess"/>
-    <dgm:cxn modelId="{C6EB93B6-1951-4701-BD9B-2AD79EDD68D9}" type="presParOf" srcId="{5242F005-A4F9-4992-BCAD-9AE21F7A63B8}" destId="{801DDAE6-70F2-4443-AD16-322B25CB45F0}" srcOrd="3" destOrd="0" presId="urn:microsoft.com/office/officeart/2005/8/layout/StepDownProcess"/>
-    <dgm:cxn modelId="{5FAAF447-680B-4232-A790-070EEFAB2972}" type="presParOf" srcId="{5242F005-A4F9-4992-BCAD-9AE21F7A63B8}" destId="{24F45F86-C2A3-4A06-9CDA-50EA6BACAC1E}" srcOrd="4" destOrd="0" presId="urn:microsoft.com/office/officeart/2005/8/layout/StepDownProcess"/>
-    <dgm:cxn modelId="{CA8BC11D-B575-420B-A6D4-AE3228B49524}" type="presParOf" srcId="{24F45F86-C2A3-4A06-9CDA-50EA6BACAC1E}" destId="{4E3EB7B9-9A50-42B1-BCFE-E7964D97E1CD}" srcOrd="0" destOrd="0" presId="urn:microsoft.com/office/officeart/2005/8/layout/StepDownProcess"/>
-    <dgm:cxn modelId="{5134DEEF-B080-437A-9341-16880C825F67}" type="presParOf" srcId="{24F45F86-C2A3-4A06-9CDA-50EA6BACAC1E}" destId="{4706ECA6-5E1F-4759-B7B2-035B6F9D381D}" srcOrd="1" destOrd="0" presId="urn:microsoft.com/office/officeart/2005/8/layout/StepDownProcess"/>
-  </dgm:cxnLst>
-  <dgm:bg/>
-  <dgm:whole/>
-  <dgm:extLst>
-    <a:ext uri="http://schemas.microsoft.com/office/drawing/2008/diagram">
-      <dsp:dataModelExt xmlns:dsp="http://schemas.microsoft.com/office/drawing/2008/diagram" relId="rId8" minVer="http://schemas.openxmlformats.org/drawingml/2006/diagram"/>
-    </a:ext>
-  </dgm:extLst>
-</dgm:dataModel>
-</file>
-
-<file path=ppt/diagrams/drawing1.xml><?xml version="1.0" encoding="utf-8"?>
-<dsp:drawing xmlns:dgm="http://schemas.openxmlformats.org/drawingml/2006/diagram" xmlns:dsp="http://schemas.microsoft.com/office/drawing/2008/diagram" xmlns:a="http://schemas.openxmlformats.org/drawingml/2006/main">
-  <dsp:spTree>
-    <dsp:nvGrpSpPr>
-      <dsp:cNvPr id="0" name=""/>
-      <dsp:cNvGrpSpPr/>
-    </dsp:nvGrpSpPr>
-    <dsp:grpSpPr/>
-    <dsp:sp modelId="{03062F4D-E0B2-416C-844A-1036F99766AF}">
-      <dsp:nvSpPr>
-        <dsp:cNvPr id="0" name=""/>
-        <dsp:cNvSpPr/>
-      </dsp:nvSpPr>
-      <dsp:spPr>
-        <a:xfrm rot="5400000">
-          <a:off x="1997909" y="1205928"/>
-          <a:ext cx="1066539" cy="1214217"/>
-        </a:xfrm>
-        <a:prstGeom prst="bentUpArrow">
-          <a:avLst>
-            <a:gd name="adj1" fmla="val 32840"/>
-            <a:gd name="adj2" fmla="val 25000"/>
-            <a:gd name="adj3" fmla="val 35780"/>
-          </a:avLst>
-        </a:prstGeom>
-        <a:solidFill>
-          <a:schemeClr val="accent1">
-            <a:tint val="50000"/>
-            <a:hueOff val="0"/>
-            <a:satOff val="0"/>
-            <a:lumOff val="0"/>
-            <a:alphaOff val="0"/>
-          </a:schemeClr>
-        </a:solidFill>
-        <a:ln>
-          <a:noFill/>
-        </a:ln>
-        <a:effectLst>
-          <a:outerShdw blurRad="57150" dist="19050" dir="5400000" algn="ctr" rotWithShape="0">
-            <a:srgbClr val="000000">
-              <a:alpha val="63000"/>
-            </a:srgbClr>
-          </a:outerShdw>
-        </a:effectLst>
-      </dsp:spPr>
-      <dsp:style>
-        <a:lnRef idx="0">
-          <a:scrgbClr r="0" g="0" b="0"/>
-        </a:lnRef>
-        <a:fillRef idx="1">
-          <a:scrgbClr r="0" g="0" b="0"/>
-        </a:fillRef>
-        <a:effectRef idx="3">
-          <a:scrgbClr r="0" g="0" b="0"/>
-        </a:effectRef>
-        <a:fontRef idx="minor"/>
-      </dsp:style>
-    </dsp:sp>
-    <dsp:sp modelId="{4A808EE6-A36C-468C-91A2-BE2F6FBA5762}">
-      <dsp:nvSpPr>
-        <dsp:cNvPr id="0" name=""/>
-        <dsp:cNvSpPr/>
-      </dsp:nvSpPr>
-      <dsp:spPr>
-        <a:xfrm>
-          <a:off x="1715341" y="23647"/>
-          <a:ext cx="1795424" cy="1256739"/>
-        </a:xfrm>
-        <a:prstGeom prst="roundRect">
-          <a:avLst>
-            <a:gd name="adj" fmla="val 16670"/>
-          </a:avLst>
-        </a:prstGeom>
-        <a:gradFill rotWithShape="0">
-          <a:gsLst>
-            <a:gs pos="0">
-              <a:schemeClr val="accent1">
-                <a:hueOff val="0"/>
-                <a:satOff val="0"/>
-                <a:lumOff val="0"/>
-                <a:alphaOff val="0"/>
-                <a:satMod val="103000"/>
-                <a:lumMod val="118000"/>
-              </a:schemeClr>
-            </a:gs>
-            <a:gs pos="50000">
-              <a:schemeClr val="accent1">
-                <a:hueOff val="0"/>
-                <a:satOff val="0"/>
-                <a:lumOff val="0"/>
-                <a:alphaOff val="0"/>
-                <a:satMod val="89000"/>
-                <a:lumMod val="91000"/>
-              </a:schemeClr>
-            </a:gs>
-            <a:gs pos="100000">
-              <a:schemeClr val="accent1">
-                <a:hueOff val="0"/>
-                <a:satOff val="0"/>
-                <a:lumOff val="0"/>
-                <a:alphaOff val="0"/>
-                <a:lumMod val="69000"/>
-              </a:schemeClr>
-            </a:gs>
-          </a:gsLst>
-          <a:lin ang="5400000" scaled="0"/>
-        </a:gradFill>
-        <a:ln>
-          <a:noFill/>
-        </a:ln>
-        <a:effectLst>
-          <a:outerShdw blurRad="57150" dist="19050" dir="5400000" algn="ctr" rotWithShape="0">
-            <a:srgbClr val="000000">
-              <a:alpha val="63000"/>
-            </a:srgbClr>
-          </a:outerShdw>
-        </a:effectLst>
-      </dsp:spPr>
-      <dsp:style>
-        <a:lnRef idx="0">
-          <a:scrgbClr r="0" g="0" b="0"/>
-        </a:lnRef>
-        <a:fillRef idx="3">
-          <a:scrgbClr r="0" g="0" b="0"/>
-        </a:fillRef>
-        <a:effectRef idx="3">
-          <a:scrgbClr r="0" g="0" b="0"/>
-        </a:effectRef>
-        <a:fontRef idx="minor">
-          <a:schemeClr val="lt1"/>
-        </a:fontRef>
-      </dsp:style>
-      <dsp:txBody>
-        <a:bodyPr spcFirstLastPara="0" vert="horz" wrap="square" lIns="64770" tIns="64770" rIns="64770" bIns="64770" numCol="1" spcCol="1270" anchor="ctr" anchorCtr="0">
-          <a:noAutofit/>
-        </a:bodyPr>
-        <a:lstStyle/>
-        <a:p>
-          <a:pPr marL="0" lvl="0" indent="0" algn="ctr" defTabSz="755650">
-            <a:lnSpc>
-              <a:spcPct val="90000"/>
-            </a:lnSpc>
-            <a:spcBef>
-              <a:spcPct val="0"/>
-            </a:spcBef>
-            <a:spcAft>
-              <a:spcPct val="35000"/>
-            </a:spcAft>
-            <a:buNone/>
-          </a:pPr>
-          <a:r>
-            <a:rPr lang="en-US" sz="1700" kern="1200" dirty="0"/>
-            <a:t>How many loan PFS agreements overall?</a:t>
-          </a:r>
-        </a:p>
-      </dsp:txBody>
-      <dsp:txXfrm>
-        <a:off x="1776701" y="85007"/>
-        <a:ext cx="1672704" cy="1134019"/>
-      </dsp:txXfrm>
-    </dsp:sp>
-    <dsp:sp modelId="{6A0B12D2-FE6E-4EE6-984E-A30827A7F0CF}">
-      <dsp:nvSpPr>
-        <dsp:cNvPr id="0" name=""/>
-        <dsp:cNvSpPr/>
-      </dsp:nvSpPr>
-      <dsp:spPr>
-        <a:xfrm>
-          <a:off x="3510766" y="143506"/>
-          <a:ext cx="1305820" cy="1015751"/>
-        </a:xfrm>
-        <a:prstGeom prst="rect">
-          <a:avLst/>
-        </a:prstGeom>
-        <a:noFill/>
-        <a:ln>
-          <a:noFill/>
-        </a:ln>
-        <a:effectLst/>
-      </dsp:spPr>
-      <dsp:style>
-        <a:lnRef idx="0">
-          <a:scrgbClr r="0" g="0" b="0"/>
-        </a:lnRef>
-        <a:fillRef idx="0">
-          <a:scrgbClr r="0" g="0" b="0"/>
-        </a:fillRef>
-        <a:effectRef idx="0">
-          <a:scrgbClr r="0" g="0" b="0"/>
-        </a:effectRef>
-        <a:fontRef idx="minor"/>
-      </dsp:style>
-      <dsp:txBody>
-        <a:bodyPr spcFirstLastPara="0" vert="horz" wrap="square" lIns="64770" tIns="64770" rIns="64770" bIns="64770" numCol="1" spcCol="1270" anchor="ctr" anchorCtr="0">
-          <a:noAutofit/>
-        </a:bodyPr>
-        <a:lstStyle/>
-        <a:p>
-          <a:pPr marL="114300" lvl="1" indent="-114300" algn="l" defTabSz="577850">
-            <a:lnSpc>
-              <a:spcPct val="90000"/>
-            </a:lnSpc>
-            <a:spcBef>
-              <a:spcPct val="0"/>
-            </a:spcBef>
-            <a:spcAft>
-              <a:spcPct val="15000"/>
-            </a:spcAft>
-            <a:buChar char="•"/>
-          </a:pPr>
-          <a:endParaRPr lang="en-US" sz="1300" kern="1200" dirty="0"/>
-        </a:p>
-      </dsp:txBody>
-      <dsp:txXfrm>
-        <a:off x="3510766" y="143506"/>
-        <a:ext cx="1305820" cy="1015751"/>
-      </dsp:txXfrm>
-    </dsp:sp>
-    <dsp:sp modelId="{6A6B2276-B00F-4D43-8DD9-9C2CDE5FA1D2}">
-      <dsp:nvSpPr>
-        <dsp:cNvPr id="0" name=""/>
-        <dsp:cNvSpPr/>
-      </dsp:nvSpPr>
-      <dsp:spPr>
-        <a:xfrm rot="5400000">
-          <a:off x="3486507" y="2617660"/>
-          <a:ext cx="1066539" cy="1214217"/>
-        </a:xfrm>
-        <a:prstGeom prst="bentUpArrow">
-          <a:avLst>
-            <a:gd name="adj1" fmla="val 32840"/>
-            <a:gd name="adj2" fmla="val 25000"/>
-            <a:gd name="adj3" fmla="val 35780"/>
-          </a:avLst>
-        </a:prstGeom>
-        <a:solidFill>
-          <a:schemeClr val="accent1">
-            <a:tint val="50000"/>
-            <a:hueOff val="0"/>
-            <a:satOff val="0"/>
-            <a:lumOff val="0"/>
-            <a:alphaOff val="0"/>
-          </a:schemeClr>
-        </a:solidFill>
-        <a:ln>
-          <a:noFill/>
-        </a:ln>
-        <a:effectLst>
-          <a:outerShdw blurRad="57150" dist="19050" dir="5400000" algn="ctr" rotWithShape="0">
-            <a:srgbClr val="000000">
-              <a:alpha val="63000"/>
-            </a:srgbClr>
-          </a:outerShdw>
-        </a:effectLst>
-      </dsp:spPr>
-      <dsp:style>
-        <a:lnRef idx="0">
-          <a:scrgbClr r="0" g="0" b="0"/>
-        </a:lnRef>
-        <a:fillRef idx="1">
-          <a:scrgbClr r="0" g="0" b="0"/>
-        </a:fillRef>
-        <a:effectRef idx="3">
-          <a:scrgbClr r="0" g="0" b="0"/>
-        </a:effectRef>
-        <a:fontRef idx="minor"/>
-      </dsp:style>
-    </dsp:sp>
-    <dsp:sp modelId="{2ECF00D4-21F2-4AB9-9588-39392AF4FBD6}">
-      <dsp:nvSpPr>
-        <dsp:cNvPr id="0" name=""/>
-        <dsp:cNvSpPr/>
-      </dsp:nvSpPr>
-      <dsp:spPr>
-        <a:xfrm>
-          <a:off x="3203939" y="1435380"/>
-          <a:ext cx="1795424" cy="1256739"/>
-        </a:xfrm>
-        <a:prstGeom prst="roundRect">
-          <a:avLst>
-            <a:gd name="adj" fmla="val 16670"/>
-          </a:avLst>
-        </a:prstGeom>
-        <a:gradFill rotWithShape="0">
-          <a:gsLst>
-            <a:gs pos="0">
-              <a:schemeClr val="accent1">
-                <a:hueOff val="0"/>
-                <a:satOff val="0"/>
-                <a:lumOff val="0"/>
-                <a:alphaOff val="0"/>
-                <a:satMod val="103000"/>
-                <a:lumMod val="118000"/>
-              </a:schemeClr>
-            </a:gs>
-            <a:gs pos="50000">
-              <a:schemeClr val="accent1">
-                <a:hueOff val="0"/>
-                <a:satOff val="0"/>
-                <a:lumOff val="0"/>
-                <a:alphaOff val="0"/>
-                <a:satMod val="89000"/>
-                <a:lumMod val="91000"/>
-              </a:schemeClr>
-            </a:gs>
-            <a:gs pos="100000">
-              <a:schemeClr val="accent1">
-                <a:hueOff val="0"/>
-                <a:satOff val="0"/>
-                <a:lumOff val="0"/>
-                <a:alphaOff val="0"/>
-                <a:lumMod val="69000"/>
-              </a:schemeClr>
-            </a:gs>
-          </a:gsLst>
-          <a:lin ang="5400000" scaled="0"/>
-        </a:gradFill>
-        <a:ln>
-          <a:noFill/>
-        </a:ln>
-        <a:effectLst>
-          <a:outerShdw blurRad="57150" dist="19050" dir="5400000" algn="ctr" rotWithShape="0">
-            <a:srgbClr val="000000">
-              <a:alpha val="63000"/>
-            </a:srgbClr>
-          </a:outerShdw>
-        </a:effectLst>
-      </dsp:spPr>
-      <dsp:style>
-        <a:lnRef idx="0">
-          <a:scrgbClr r="0" g="0" b="0"/>
-        </a:lnRef>
-        <a:fillRef idx="3">
-          <a:scrgbClr r="0" g="0" b="0"/>
-        </a:fillRef>
-        <a:effectRef idx="3">
-          <a:scrgbClr r="0" g="0" b="0"/>
-        </a:effectRef>
-        <a:fontRef idx="minor">
-          <a:schemeClr val="lt1"/>
-        </a:fontRef>
-      </dsp:style>
-      <dsp:txBody>
-        <a:bodyPr spcFirstLastPara="0" vert="horz" wrap="square" lIns="64770" tIns="64770" rIns="64770" bIns="64770" numCol="1" spcCol="1270" anchor="ctr" anchorCtr="0">
-          <a:noAutofit/>
-        </a:bodyPr>
-        <a:lstStyle/>
-        <a:p>
-          <a:pPr marL="0" lvl="0" indent="0" algn="ctr" defTabSz="755650">
-            <a:lnSpc>
-              <a:spcPct val="90000"/>
-            </a:lnSpc>
-            <a:spcBef>
-              <a:spcPct val="0"/>
-            </a:spcBef>
-            <a:spcAft>
-              <a:spcPct val="35000"/>
-            </a:spcAft>
-            <a:buNone/>
-          </a:pPr>
-          <a:r>
-            <a:rPr lang="en-US" sz="1700" kern="1200" dirty="0"/>
-            <a:t>How fast is it growing?</a:t>
-          </a:r>
-        </a:p>
-      </dsp:txBody>
-      <dsp:txXfrm>
-        <a:off x="3265299" y="1496740"/>
-        <a:ext cx="1672704" cy="1134019"/>
-      </dsp:txXfrm>
-    </dsp:sp>
-    <dsp:sp modelId="{77D0E7F2-2DFC-42C7-8A19-2C562AAE1602}">
-      <dsp:nvSpPr>
-        <dsp:cNvPr id="0" name=""/>
-        <dsp:cNvSpPr/>
-      </dsp:nvSpPr>
-      <dsp:spPr>
-        <a:xfrm>
-          <a:off x="4999364" y="1555239"/>
-          <a:ext cx="1305820" cy="1015751"/>
-        </a:xfrm>
-        <a:prstGeom prst="rect">
-          <a:avLst/>
-        </a:prstGeom>
-        <a:noFill/>
-        <a:ln>
-          <a:noFill/>
-        </a:ln>
-        <a:effectLst/>
-      </dsp:spPr>
-      <dsp:style>
-        <a:lnRef idx="0">
-          <a:scrgbClr r="0" g="0" b="0"/>
-        </a:lnRef>
-        <a:fillRef idx="0">
-          <a:scrgbClr r="0" g="0" b="0"/>
-        </a:fillRef>
-        <a:effectRef idx="0">
-          <a:scrgbClr r="0" g="0" b="0"/>
-        </a:effectRef>
-        <a:fontRef idx="minor"/>
-      </dsp:style>
-      <dsp:txBody>
-        <a:bodyPr spcFirstLastPara="0" vert="horz" wrap="square" lIns="64770" tIns="64770" rIns="64770" bIns="64770" numCol="1" spcCol="1270" anchor="ctr" anchorCtr="0">
-          <a:noAutofit/>
-        </a:bodyPr>
-        <a:lstStyle/>
-        <a:p>
-          <a:pPr marL="114300" lvl="1" indent="-114300" algn="l" defTabSz="577850">
-            <a:lnSpc>
-              <a:spcPct val="90000"/>
-            </a:lnSpc>
-            <a:spcBef>
-              <a:spcPct val="0"/>
-            </a:spcBef>
-            <a:spcAft>
-              <a:spcPct val="15000"/>
-            </a:spcAft>
-            <a:buChar char="•"/>
-          </a:pPr>
-          <a:endParaRPr lang="en-US" sz="1300" kern="1200"/>
-        </a:p>
-      </dsp:txBody>
-      <dsp:txXfrm>
-        <a:off x="4999364" y="1555239"/>
-        <a:ext cx="1305820" cy="1015751"/>
-      </dsp:txXfrm>
-    </dsp:sp>
-    <dsp:sp modelId="{4E3EB7B9-9A50-42B1-BCFE-E7964D97E1CD}">
-      <dsp:nvSpPr>
-        <dsp:cNvPr id="0" name=""/>
-        <dsp:cNvSpPr/>
-      </dsp:nvSpPr>
-      <dsp:spPr>
-        <a:xfrm>
-          <a:off x="4692537" y="2847113"/>
-          <a:ext cx="1795424" cy="1256739"/>
-        </a:xfrm>
-        <a:prstGeom prst="roundRect">
-          <a:avLst>
-            <a:gd name="adj" fmla="val 16670"/>
-          </a:avLst>
-        </a:prstGeom>
-        <a:gradFill rotWithShape="0">
-          <a:gsLst>
-            <a:gs pos="0">
-              <a:schemeClr val="accent1">
-                <a:hueOff val="0"/>
-                <a:satOff val="0"/>
-                <a:lumOff val="0"/>
-                <a:alphaOff val="0"/>
-                <a:satMod val="103000"/>
-                <a:lumMod val="118000"/>
-              </a:schemeClr>
-            </a:gs>
-            <a:gs pos="50000">
-              <a:schemeClr val="accent1">
-                <a:hueOff val="0"/>
-                <a:satOff val="0"/>
-                <a:lumOff val="0"/>
-                <a:alphaOff val="0"/>
-                <a:satMod val="89000"/>
-                <a:lumMod val="91000"/>
-              </a:schemeClr>
-            </a:gs>
-            <a:gs pos="100000">
-              <a:schemeClr val="accent1">
-                <a:hueOff val="0"/>
-                <a:satOff val="0"/>
-                <a:lumOff val="0"/>
-                <a:alphaOff val="0"/>
-                <a:lumMod val="69000"/>
-              </a:schemeClr>
-            </a:gs>
-          </a:gsLst>
-          <a:lin ang="5400000" scaled="0"/>
-        </a:gradFill>
-        <a:ln>
-          <a:noFill/>
-        </a:ln>
-        <a:effectLst>
-          <a:outerShdw blurRad="57150" dist="19050" dir="5400000" algn="ctr" rotWithShape="0">
-            <a:srgbClr val="000000">
-              <a:alpha val="63000"/>
-            </a:srgbClr>
-          </a:outerShdw>
-        </a:effectLst>
-      </dsp:spPr>
-      <dsp:style>
-        <a:lnRef idx="0">
-          <a:scrgbClr r="0" g="0" b="0"/>
-        </a:lnRef>
-        <a:fillRef idx="3">
-          <a:scrgbClr r="0" g="0" b="0"/>
-        </a:fillRef>
-        <a:effectRef idx="3">
-          <a:scrgbClr r="0" g="0" b="0"/>
-        </a:effectRef>
-        <a:fontRef idx="minor">
-          <a:schemeClr val="lt1"/>
-        </a:fontRef>
-      </dsp:style>
-      <dsp:txBody>
-        <a:bodyPr spcFirstLastPara="0" vert="horz" wrap="square" lIns="64770" tIns="64770" rIns="64770" bIns="64770" numCol="1" spcCol="1270" anchor="ctr" anchorCtr="0">
-          <a:noAutofit/>
-        </a:bodyPr>
-        <a:lstStyle/>
-        <a:p>
-          <a:pPr marL="0" lvl="0" indent="0" algn="ctr" defTabSz="755650">
-            <a:lnSpc>
-              <a:spcPct val="90000"/>
-            </a:lnSpc>
-            <a:spcBef>
-              <a:spcPct val="0"/>
-            </a:spcBef>
-            <a:spcAft>
-              <a:spcPct val="35000"/>
-            </a:spcAft>
-            <a:buNone/>
-          </a:pPr>
-          <a:r>
-            <a:rPr lang="en-US" sz="1700" kern="1200" dirty="0"/>
-            <a:t>PFS agreement survival?</a:t>
-          </a:r>
-        </a:p>
-      </dsp:txBody>
-      <dsp:txXfrm>
-        <a:off x="4753897" y="2908473"/>
-        <a:ext cx="1672704" cy="1134019"/>
-      </dsp:txXfrm>
-    </dsp:sp>
-    <dsp:sp modelId="{4706ECA6-5E1F-4759-B7B2-035B6F9D381D}">
-      <dsp:nvSpPr>
-        <dsp:cNvPr id="0" name=""/>
-        <dsp:cNvSpPr/>
-      </dsp:nvSpPr>
-      <dsp:spPr>
-        <a:xfrm>
-          <a:off x="6487962" y="2966971"/>
-          <a:ext cx="1305820" cy="1015751"/>
-        </a:xfrm>
-        <a:prstGeom prst="rect">
-          <a:avLst/>
-        </a:prstGeom>
-        <a:noFill/>
-        <a:ln>
-          <a:noFill/>
-        </a:ln>
-        <a:effectLst/>
-      </dsp:spPr>
-      <dsp:style>
-        <a:lnRef idx="0">
-          <a:scrgbClr r="0" g="0" b="0"/>
-        </a:lnRef>
-        <a:fillRef idx="0">
-          <a:scrgbClr r="0" g="0" b="0"/>
-        </a:fillRef>
-        <a:effectRef idx="0">
-          <a:scrgbClr r="0" g="0" b="0"/>
-        </a:effectRef>
-        <a:fontRef idx="minor"/>
-      </dsp:style>
-      <dsp:txBody>
-        <a:bodyPr spcFirstLastPara="0" vert="horz" wrap="square" lIns="125730" tIns="125730" rIns="125730" bIns="125730" numCol="1" spcCol="1270" anchor="ctr" anchorCtr="0">
-          <a:noAutofit/>
-        </a:bodyPr>
-        <a:lstStyle/>
-        <a:p>
-          <a:pPr marL="228600" lvl="1" indent="-228600" algn="l" defTabSz="1155700">
-            <a:lnSpc>
-              <a:spcPct val="90000"/>
-            </a:lnSpc>
-            <a:spcBef>
-              <a:spcPct val="0"/>
-            </a:spcBef>
-            <a:spcAft>
-              <a:spcPct val="15000"/>
-            </a:spcAft>
-            <a:buChar char="•"/>
-          </a:pPr>
-          <a:endParaRPr lang="en-US" sz="2600" kern="1200"/>
-        </a:p>
-      </dsp:txBody>
-      <dsp:txXfrm>
-        <a:off x="6487962" y="2966971"/>
-        <a:ext cx="1305820" cy="1015751"/>
-      </dsp:txXfrm>
-    </dsp:sp>
-  </dsp:spTree>
-</dsp:drawing>
-</file>
-
-<file path=ppt/diagrams/layout1.xml><?xml version="1.0" encoding="utf-8"?>
-<dgm:layoutDef xmlns:dgm="http://schemas.openxmlformats.org/drawingml/2006/diagram" xmlns:a="http://schemas.openxmlformats.org/drawingml/2006/main" uniqueId="urn:microsoft.com/office/officeart/2005/8/layout/StepDownProcess">
-  <dgm:title val=""/>
-  <dgm:desc val=""/>
-  <dgm:catLst>
-    <dgm:cat type="process" pri="1600"/>
-  </dgm:catLst>
-  <dgm:sampData>
-    <dgm:dataModel>
-      <dgm:ptLst>
-        <dgm:pt modelId="0" type="doc"/>
-        <dgm:pt modelId="10">
-          <dgm:prSet phldr="1"/>
-        </dgm:pt>
-        <dgm:pt modelId="11">
-          <dgm:prSet phldr="1"/>
-        </dgm:pt>
-        <dgm:pt modelId="20">
-          <dgm:prSet phldr="1"/>
-        </dgm:pt>
-        <dgm:pt modelId="21">
-          <dgm:prSet phldr="1"/>
-        </dgm:pt>
-        <dgm:pt modelId="30">
-          <dgm:prSet phldr="1"/>
-        </dgm:pt>
-        <dgm:pt modelId="31">
-          <dgm:prSet phldr="1"/>
-        </dgm:pt>
-      </dgm:ptLst>
-      <dgm:cxnLst>
-        <dgm:cxn modelId="60" srcId="0" destId="10" srcOrd="0" destOrd="0"/>
-        <dgm:cxn modelId="12" srcId="10" destId="11" srcOrd="0" destOrd="0"/>
-        <dgm:cxn modelId="70" srcId="0" destId="20" srcOrd="1" destOrd="0"/>
-        <dgm:cxn modelId="22" srcId="20" destId="21" srcOrd="0" destOrd="0"/>
-        <dgm:cxn modelId="80" srcId="0" destId="30" srcOrd="2" destOrd="0"/>
-        <dgm:cxn modelId="32" srcId="30" destId="31" srcOrd="0" destOrd="0"/>
-      </dgm:cxnLst>
-      <dgm:bg/>
-      <dgm:whole/>
-    </dgm:dataModel>
-  </dgm:sampData>
-  <dgm:styleData>
-    <dgm:dataModel>
-      <dgm:ptLst>
-        <dgm:pt modelId="0" type="doc"/>
-        <dgm:pt modelId="10">
-          <dgm:prSet phldr="1"/>
-        </dgm:pt>
-        <dgm:pt modelId="20">
-          <dgm:prSet phldr="1"/>
-        </dgm:pt>
-      </dgm:ptLst>
-      <dgm:cxnLst>
-        <dgm:cxn modelId="60" srcId="0" destId="10" srcOrd="0" destOrd="0"/>
-        <dgm:cxn modelId="70" srcId="0" destId="20" srcOrd="1" destOrd="0"/>
-      </dgm:cxnLst>
-      <dgm:bg/>
-      <dgm:whole/>
-    </dgm:dataModel>
-  </dgm:styleData>
-  <dgm:clrData>
-    <dgm:dataModel>
-      <dgm:ptLst>
-        <dgm:pt modelId="0" type="doc"/>
-        <dgm:pt modelId="10">
-          <dgm:prSet phldr="1"/>
-        </dgm:pt>
-        <dgm:pt modelId="20">
-          <dgm:prSet phldr="1"/>
-        </dgm:pt>
-        <dgm:pt modelId="30">
-          <dgm:prSet phldr="1"/>
-        </dgm:pt>
-        <dgm:pt modelId="40">
-          <dgm:prSet phldr="1"/>
-        </dgm:pt>
-      </dgm:ptLst>
-      <dgm:cxnLst>
-        <dgm:cxn modelId="60" srcId="0" destId="10" srcOrd="0" destOrd="0"/>
-        <dgm:cxn modelId="70" srcId="0" destId="20" srcOrd="1" destOrd="0"/>
-        <dgm:cxn modelId="80" srcId="0" destId="30" srcOrd="2" destOrd="0"/>
-        <dgm:cxn modelId="90" srcId="0" destId="40" srcOrd="3" destOrd="0"/>
-      </dgm:cxnLst>
-      <dgm:bg/>
-      <dgm:whole/>
-    </dgm:dataModel>
-  </dgm:clrData>
-  <dgm:layoutNode name="rootnode">
-    <dgm:varLst>
-      <dgm:chMax/>
-      <dgm:chPref/>
-      <dgm:dir/>
-      <dgm:animLvl val="lvl"/>
-    </dgm:varLst>
-    <dgm:choose name="Name0">
-      <dgm:if name="Name1" func="var" arg="dir" op="equ" val="norm">
-        <dgm:alg type="snake">
-          <dgm:param type="grDir" val="tL"/>
-          <dgm:param type="flowDir" val="row"/>
-          <dgm:param type="off" val="off"/>
-          <dgm:param type="bkpt" val="fixed"/>
-          <dgm:param type="bkPtFixedVal" val="1"/>
-        </dgm:alg>
-      </dgm:if>
-      <dgm:else name="Name2">
-        <dgm:alg type="snake">
-          <dgm:param type="grDir" val="tR"/>
-          <dgm:param type="flowDir" val="row"/>
-          <dgm:param type="off" val="off"/>
-          <dgm:param type="bkpt" val="fixed"/>
-          <dgm:param type="bkPtFixedVal" val="1"/>
-        </dgm:alg>
-      </dgm:else>
-    </dgm:choose>
-    <dgm:shape xmlns:r="http://schemas.openxmlformats.org/officeDocument/2006/relationships" r:blip="">
-      <dgm:adjLst/>
-    </dgm:shape>
-    <dgm:choose name="Name3">
-      <dgm:if name="Name4" func="var" arg="dir" op="equ" val="norm">
-        <dgm:constrLst>
-          <dgm:constr type="alignOff" forName="rootnode" val="0.48"/>
-          <dgm:constr type="primFontSz" for="des" forName="ParentText" val="65"/>
-          <dgm:constr type="primFontSz" for="des" forName="ChildText" refType="primFontSz" refFor="des" refForName="ParentText" op="lte"/>
-          <dgm:constr type="w" for="ch" forName="composite" refType="w"/>
-          <dgm:constr type="h" for="ch" forName="composite" refType="h"/>
-          <dgm:constr type="sp" refType="h" refFor="ch" refForName="composite" op="equ" fact="-0.38"/>
-        </dgm:constrLst>
-      </dgm:if>
-      <dgm:else name="Name5">
-        <dgm:constrLst>
-          <dgm:constr type="alignOff" forName="rootnode" val="0.48"/>
-          <dgm:constr type="primFontSz" for="des" forName="ParentText" val="65"/>
-          <dgm:constr type="primFontSz" for="des" forName="ChildText" refType="primFontSz" refFor="des" refForName="ParentText" op="lte"/>
-          <dgm:constr type="w" for="ch" forName="composite" refType="w"/>
-          <dgm:constr type="h" for="ch" forName="composite" refType="h"/>
-          <dgm:constr type="sp" refType="h" refFor="ch" refForName="composite" op="equ" fact="-0.38"/>
-        </dgm:constrLst>
-      </dgm:else>
-    </dgm:choose>
-    <dgm:forEach name="nodesForEach" axis="ch" ptType="node">
-      <dgm:layoutNode name="composite">
-        <dgm:alg type="composite">
-          <dgm:param type="ar" val="1.2439"/>
-        </dgm:alg>
-        <dgm:shape xmlns:r="http://schemas.openxmlformats.org/officeDocument/2006/relationships" r:blip="">
-          <dgm:adjLst/>
-        </dgm:shape>
-        <dgm:choose name="Name6">
-          <dgm:if name="Name7" func="var" arg="dir" op="equ" val="norm">
-            <dgm:constrLst>
-              <dgm:constr type="l" for="ch" forName="bentUpArrow1" refType="w" fact="0.07"/>
-              <dgm:constr type="t" for="ch" forName="bentUpArrow1" refType="h" fact="0.524"/>
-              <dgm:constr type="w" for="ch" forName="bentUpArrow1" refType="w" fact="0.3844"/>
-              <dgm:constr type="h" for="ch" forName="bentUpArrow1" refType="h" fact="0.42"/>
-              <dgm:constr type="l" for="ch" forName="ParentText" refType="w" fact="0"/>
-              <dgm:constr type="t" for="ch" forName="ParentText" refType="h" fact="0"/>
-              <dgm:constr type="w" for="ch" forName="ParentText" refType="w" fact="0.5684"/>
-              <dgm:constr type="h" for="ch" forName="ParentText" refType="h" fact="0.4949"/>
-              <dgm:constr type="l" for="ch" forName="ChildText" refType="w" refFor="ch" refForName="ParentText"/>
-              <dgm:constr type="t" for="ch" forName="ChildText" refType="h" fact="0.05"/>
-              <dgm:constr type="w" for="ch" forName="ChildText" refType="w" fact="0.4134"/>
-              <dgm:constr type="h" for="ch" forName="ChildText" refType="h" fact="0.4"/>
-              <dgm:constr type="l" for="ch" forName="FinalChildText" refType="w" refFor="ch" refForName="ParentText"/>
-              <dgm:constr type="t" for="ch" forName="FinalChildText" refType="h" fact="0.05"/>
-              <dgm:constr type="w" for="ch" forName="FinalChildText" refType="w" fact="0.4134"/>
-              <dgm:constr type="h" for="ch" forName="FinalChildText" refType="h" fact="0.4"/>
-            </dgm:constrLst>
-          </dgm:if>
-          <dgm:else name="Name8">
-            <dgm:constrLst>
-              <dgm:constr type="r" for="ch" forName="bentUpArrow1" refType="w" fact="0.97"/>
-              <dgm:constr type="t" for="ch" forName="bentUpArrow1" refType="h" fact="0.524"/>
-              <dgm:constr type="w" for="ch" forName="bentUpArrow1" refType="w" fact="0.3844"/>
-              <dgm:constr type="h" for="ch" forName="bentUpArrow1" refType="h" fact="0.42"/>
-              <dgm:constr type="l" for="ch" forName="ParentText" refType="w" fact="0.4316"/>
-              <dgm:constr type="t" for="ch" forName="ParentText" refType="h" fact="0"/>
-              <dgm:constr type="w" for="ch" forName="ParentText" refType="w" fact="0.5684"/>
-              <dgm:constr type="h" for="ch" forName="ParentText" refType="h" fact="0.4949"/>
-              <dgm:constr type="l" for="ch" forName="ChildText" refType="w" fact="0"/>
-              <dgm:constr type="t" for="ch" forName="ChildText" refType="h" fact="0.05"/>
-              <dgm:constr type="w" for="ch" forName="ChildText" refType="w" fact="0.4134"/>
-              <dgm:constr type="h" for="ch" forName="ChildText" refType="h" fact="0.4"/>
-              <dgm:constr type="l" for="ch" forName="FinalChildText" refType="w" fact="0"/>
-              <dgm:constr type="t" for="ch" forName="FinalChildText" refType="h" fact="0.05"/>
-              <dgm:constr type="w" for="ch" forName="FinalChildText" refType="w" fact="0.4134"/>
-              <dgm:constr type="h" for="ch" forName="FinalChildText" refType="h" fact="0.4"/>
-            </dgm:constrLst>
-          </dgm:else>
-        </dgm:choose>
-        <dgm:choose name="Name9">
-          <dgm:if name="Name10" axis="followSib" ptType="node" func="cnt" op="gte" val="1">
-            <dgm:layoutNode name="bentUpArrow1" styleLbl="alignImgPlace1">
-              <dgm:alg type="sp"/>
-              <dgm:choose name="Name11">
-                <dgm:if name="Name12" func="var" arg="dir" op="equ" val="norm">
-                  <dgm:shape xmlns:r="http://schemas.openxmlformats.org/officeDocument/2006/relationships" rot="90" type="bentUpArrow" r:blip="">
-                    <dgm:adjLst>
-                      <dgm:adj idx="1" val="0.3284"/>
-                      <dgm:adj idx="2" val="0.25"/>
-                      <dgm:adj idx="3" val="0.3578"/>
-                    </dgm:adjLst>
-                  </dgm:shape>
-                </dgm:if>
-                <dgm:else name="Name13">
-                  <dgm:shape xmlns:r="http://schemas.openxmlformats.org/officeDocument/2006/relationships" rot="180" type="bentArrow" r:blip="">
-                    <dgm:adjLst>
-                      <dgm:adj idx="1" val="0.3284"/>
-                      <dgm:adj idx="2" val="0.25"/>
-                      <dgm:adj idx="3" val="0.3578"/>
-                      <dgm:adj idx="4" val="0"/>
-                    </dgm:adjLst>
-                  </dgm:shape>
-                </dgm:else>
-              </dgm:choose>
-              <dgm:presOf/>
-            </dgm:layoutNode>
-          </dgm:if>
-          <dgm:else name="Name14"/>
-        </dgm:choose>
-        <dgm:layoutNode name="ParentText" styleLbl="node1">
-          <dgm:varLst>
-            <dgm:chMax val="1"/>
-            <dgm:chPref val="1"/>
-            <dgm:bulletEnabled val="1"/>
-          </dgm:varLst>
-          <dgm:alg type="tx"/>
-          <dgm:shape xmlns:r="http://schemas.openxmlformats.org/officeDocument/2006/relationships" type="roundRect" r:blip="">
-            <dgm:adjLst>
-              <dgm:adj idx="1" val="0.1667"/>
-            </dgm:adjLst>
-          </dgm:shape>
-          <dgm:presOf axis="self" ptType="node"/>
-          <dgm:constrLst>
-            <dgm:constr type="lMarg" refType="primFontSz" fact="0.3"/>
-            <dgm:constr type="rMarg" refType="primFontSz" fact="0.3"/>
-            <dgm:constr type="tMarg" refType="primFontSz" fact="0.3"/>
-            <dgm:constr type="bMarg" refType="primFontSz" fact="0.3"/>
-          </dgm:constrLst>
-          <dgm:ruleLst>
-            <dgm:rule type="primFontSz" val="5" fact="NaN" max="NaN"/>
-          </dgm:ruleLst>
-        </dgm:layoutNode>
-        <dgm:choose name="Name15">
-          <dgm:if name="Name16" axis="followSib" ptType="node" func="cnt" op="equ" val="0">
-            <dgm:choose name="Name17">
-              <dgm:if name="Name18" axis="ch" ptType="node" func="cnt" op="gte" val="1">
-                <dgm:layoutNode name="FinalChildText" styleLbl="revTx">
-                  <dgm:varLst>
-                    <dgm:chMax val="0"/>
-                    <dgm:chPref val="0"/>
-                    <dgm:bulletEnabled val="1"/>
-                  </dgm:varLst>
-                  <dgm:alg type="tx">
-                    <dgm:param type="stBulletLvl" val="1"/>
-                    <dgm:param type="txAnchorVertCh" val="mid"/>
-                    <dgm:param type="parTxLTRAlign" val="l"/>
-                  </dgm:alg>
-                  <dgm:shape xmlns:r="http://schemas.openxmlformats.org/officeDocument/2006/relationships" type="rect" r:blip="">
-                    <dgm:adjLst/>
-                  </dgm:shape>
-                  <dgm:presOf axis="des" ptType="node"/>
-                  <dgm:constrLst>
-                    <dgm:constr type="lMarg" refType="primFontSz" fact="0.3"/>
-                    <dgm:constr type="rMarg" refType="primFontSz" fact="0.3"/>
-                    <dgm:constr type="tMarg" refType="primFontSz" fact="0.3"/>
-                    <dgm:constr type="bMarg" refType="primFontSz" fact="0.3"/>
-                  </dgm:constrLst>
-                  <dgm:ruleLst>
-                    <dgm:rule type="primFontSz" val="5" fact="NaN" max="NaN"/>
-                  </dgm:ruleLst>
-                </dgm:layoutNode>
-              </dgm:if>
-              <dgm:else name="Name19"/>
-            </dgm:choose>
-          </dgm:if>
-          <dgm:else name="Name20">
-            <dgm:layoutNode name="ChildText" styleLbl="revTx">
-              <dgm:varLst>
-                <dgm:chMax val="0"/>
-                <dgm:chPref val="0"/>
-                <dgm:bulletEnabled val="1"/>
-              </dgm:varLst>
-              <dgm:alg type="tx">
-                <dgm:param type="stBulletLvl" val="1"/>
-                <dgm:param type="txAnchorVertCh" val="mid"/>
-                <dgm:param type="parTxLTRAlign" val="l"/>
-              </dgm:alg>
-              <dgm:shape xmlns:r="http://schemas.openxmlformats.org/officeDocument/2006/relationships" type="rect" r:blip="">
-                <dgm:adjLst/>
-              </dgm:shape>
-              <dgm:presOf axis="des" ptType="node"/>
-              <dgm:constrLst>
-                <dgm:constr type="lMarg" refType="primFontSz" fact="0.3"/>
-                <dgm:constr type="rMarg" refType="primFontSz" fact="0.3"/>
-                <dgm:constr type="tMarg" refType="primFontSz" fact="0.3"/>
-                <dgm:constr type="bMarg" refType="primFontSz" fact="0.3"/>
-              </dgm:constrLst>
-              <dgm:ruleLst>
-                <dgm:rule type="primFontSz" val="5" fact="NaN" max="NaN"/>
-              </dgm:ruleLst>
-            </dgm:layoutNode>
-          </dgm:else>
-        </dgm:choose>
-      </dgm:layoutNode>
-      <dgm:forEach name="sibTransForEach" axis="followSib" ptType="sibTrans" cnt="1">
-        <dgm:layoutNode name="sibTrans">
-          <dgm:alg type="sp"/>
-          <dgm:shape xmlns:r="http://schemas.openxmlformats.org/officeDocument/2006/relationships" r:blip="">
-            <dgm:adjLst/>
-          </dgm:shape>
-        </dgm:layoutNode>
-      </dgm:forEach>
-    </dgm:forEach>
-  </dgm:layoutNode>
-</dgm:layoutDef>
-</file>
-
-<file path=ppt/diagrams/quickStyle1.xml><?xml version="1.0" encoding="utf-8"?>
-<dgm:styleDef xmlns:dgm="http://schemas.openxmlformats.org/drawingml/2006/diagram" xmlns:a="http://schemas.openxmlformats.org/drawingml/2006/main" uniqueId="urn:microsoft.com/office/officeart/2005/8/quickstyle/simple5">
-  <dgm:title val=""/>
-  <dgm:desc val=""/>
-  <dgm:catLst>
-    <dgm:cat type="simple" pri="10500"/>
-  </dgm:catLst>
-  <dgm:scene3d>
-    <a:camera prst="orthographicFront"/>
-    <a:lightRig rig="threePt" dir="t"/>
-  </dgm:scene3d>
-  <dgm:styleLbl name="node0">
-    <dgm:scene3d>
-      <a:camera prst="orthographicFront"/>
-      <a:lightRig rig="threePt" dir="t"/>
-    </dgm:scene3d>
-    <dgm:sp3d/>
-    <dgm:txPr/>
-    <dgm:style>
-      <a:lnRef idx="0">
-        <a:scrgbClr r="0" g="0" b="0"/>
-      </a:lnRef>
-      <a:fillRef idx="3">
-        <a:scrgbClr r="0" g="0" b="0"/>
-      </a:fillRef>
-      <a:effectRef idx="3">
-        <a:scrgbClr r="0" g="0" b="0"/>
-      </a:effectRef>
-      <a:fontRef idx="minor">
-        <a:schemeClr val="lt1"/>
-      </a:fontRef>
-    </dgm:style>
-  </dgm:styleLbl>
-  <dgm:styleLbl name="lnNode1">
-    <dgm:scene3d>
-      <a:camera prst="orthographicFront"/>
-      <a:lightRig rig="threePt" dir="t"/>
-    </dgm:scene3d>
-    <dgm:sp3d/>
-    <dgm:txPr/>
-    <dgm:style>
-      <a:lnRef idx="0">
-        <a:scrgbClr r="0" g="0" b="0"/>
-      </a:lnRef>
-      <a:fillRef idx="3">
-        <a:scrgbClr r="0" g="0" b="0"/>
-      </a:fillRef>
-      <a:effectRef idx="3">
-        <a:scrgbClr r="0" g="0" b="0"/>
-      </a:effectRef>
-      <a:fontRef idx="minor">
-        <a:schemeClr val="lt1"/>
-      </a:fontRef>
-    </dgm:style>
-  </dgm:styleLbl>
-  <dgm:styleLbl name="vennNode1">
-    <dgm:scene3d>
-      <a:camera prst="orthographicFront"/>
-      <a:lightRig rig="threePt" dir="t"/>
-    </dgm:scene3d>
-    <dgm:sp3d/>
-    <dgm:txPr/>
-    <dgm:style>
-      <a:lnRef idx="0">
-        <a:scrgbClr r="0" g="0" b="0"/>
-      </a:lnRef>
-      <a:fillRef idx="3">
-        <a:scrgbClr r="0" g="0" b="0"/>
-      </a:fillRef>
-      <a:effectRef idx="3">
-        <a:scrgbClr r="0" g="0" b="0"/>
-      </a:effectRef>
-      <a:fontRef idx="minor">
-        <a:schemeClr val="tx1"/>
-      </a:fontRef>
-    </dgm:style>
-  </dgm:styleLbl>
-  <dgm:styleLbl name="alignNode1">
-    <dgm:scene3d>
-      <a:camera prst="orthographicFront"/>
-      <a:lightRig rig="threePt" dir="t"/>
-    </dgm:scene3d>
-    <dgm:sp3d/>
-    <dgm:txPr/>
-    <dgm:style>
-      <a:lnRef idx="1">
-        <a:scrgbClr r="0" g="0" b="0"/>
-      </a:lnRef>
-      <a:fillRef idx="3">
-        <a:scrgbClr r="0" g="0" b="0"/>
-      </a:fillRef>
-      <a:effectRef idx="3">
-        <a:scrgbClr r="0" g="0" b="0"/>
-      </a:effectRef>
-      <a:fontRef idx="minor">
-        <a:schemeClr val="lt1"/>
-      </a:fontRef>
-    </dgm:style>
-  </dgm:styleLbl>
-  <dgm:styleLbl name="node1">
-    <dgm:scene3d>
-      <a:camera prst="orthographicFront"/>
-      <a:lightRig rig="threePt" dir="t"/>
-    </dgm:scene3d>
-    <dgm:sp3d/>
-    <dgm:txPr/>
-    <dgm:style>
-      <a:lnRef idx="0">
-        <a:scrgbClr r="0" g="0" b="0"/>
-      </a:lnRef>
-      <a:fillRef idx="3">
-        <a:scrgbClr r="0" g="0" b="0"/>
-      </a:fillRef>
-      <a:effectRef idx="3">
-        <a:scrgbClr r="0" g="0" b="0"/>
-      </a:effectRef>
-      <a:fontRef idx="minor">
-        <a:schemeClr val="lt1"/>
-      </a:fontRef>
-    </dgm:style>
-  </dgm:styleLbl>
-  <dgm:styleLbl name="node2">
-    <dgm:scene3d>
-      <a:camera prst="orthographicFront"/>
-      <a:lightRig rig="threePt" dir="t"/>
-    </dgm:scene3d>
-    <dgm:sp3d/>
-    <dgm:txPr/>
-    <dgm:style>
-      <a:lnRef idx="0">
-        <a:scrgbClr r="0" g="0" b="0"/>
-      </a:lnRef>
-      <a:fillRef idx="3">
-        <a:scrgbClr r="0" g="0" b="0"/>
-      </a:fillRef>
-      <a:effectRef idx="3">
-        <a:scrgbClr r="0" g="0" b="0"/>
-      </a:effectRef>
-      <a:fontRef idx="minor">
-        <a:schemeClr val="lt1"/>
-      </a:fontRef>
-    </dgm:style>
-  </dgm:styleLbl>
-  <dgm:styleLbl name="node3">
-    <dgm:scene3d>
-      <a:camera prst="orthographicFront"/>
-      <a:lightRig rig="threePt" dir="t"/>
-    </dgm:scene3d>
-    <dgm:sp3d/>
-    <dgm:txPr/>
-    <dgm:style>
-      <a:lnRef idx="0">
-        <a:scrgbClr r="0" g="0" b="0"/>
-      </a:lnRef>
-      <a:fillRef idx="3">
-        <a:scrgbClr r="0" g="0" b="0"/>
-      </a:fillRef>
-      <a:effectRef idx="3">
-        <a:scrgbClr r="0" g="0" b="0"/>
-      </a:effectRef>
-      <a:fontRef idx="minor">
-        <a:schemeClr val="lt1"/>
-      </a:fontRef>
-    </dgm:style>
-  </dgm:styleLbl>
-  <dgm:styleLbl name="node4">
-    <dgm:scene3d>
-      <a:camera prst="orthographicFront"/>
-      <a:lightRig rig="threePt" dir="t"/>
-    </dgm:scene3d>
-    <dgm:sp3d/>
-    <dgm:txPr/>
-    <dgm:style>
-      <a:lnRef idx="0">
-        <a:scrgbClr r="0" g="0" b="0"/>
-      </a:lnRef>
-      <a:fillRef idx="3">
-        <a:scrgbClr r="0" g="0" b="0"/>
-      </a:fillRef>
-      <a:effectRef idx="3">
-        <a:scrgbClr r="0" g="0" b="0"/>
-      </a:effectRef>
-      <a:fontRef idx="minor">
-        <a:schemeClr val="lt1"/>
-      </a:fontRef>
-    </dgm:style>
-  </dgm:styleLbl>
-  <dgm:styleLbl name="fgImgPlace1">
-    <dgm:scene3d>
-      <a:camera prst="orthographicFront"/>
-      <a:lightRig rig="threePt" dir="t"/>
-    </dgm:scene3d>
-    <dgm:sp3d/>
-    <dgm:txPr/>
-    <dgm:style>
-      <a:lnRef idx="0">
-        <a:scrgbClr r="0" g="0" b="0"/>
-      </a:lnRef>
-      <a:fillRef idx="1">
-        <a:scrgbClr r="0" g="0" b="0"/>
-      </a:fillRef>
-      <a:effectRef idx="3">
-        <a:scrgbClr r="0" g="0" b="0"/>
-      </a:effectRef>
-      <a:fontRef idx="minor"/>
-    </dgm:style>
-  </dgm:styleLbl>
-  <dgm:styleLbl name="alignImgPlace1">
-    <dgm:scene3d>
-      <a:camera prst="orthographicFront"/>
-      <a:lightRig rig="threePt" dir="t"/>
-    </dgm:scene3d>
-    <dgm:sp3d/>
-    <dgm:txPr/>
-    <dgm:style>
-      <a:lnRef idx="0">
-        <a:scrgbClr r="0" g="0" b="0"/>
-      </a:lnRef>
-      <a:fillRef idx="1">
-        <a:scrgbClr r="0" g="0" b="0"/>
-      </a:fillRef>
-      <a:effectRef idx="3">
-        <a:scrgbClr r="0" g="0" b="0"/>
-      </a:effectRef>
-      <a:fontRef idx="minor"/>
-    </dgm:style>
-  </dgm:styleLbl>
-  <dgm:styleLbl name="bgImgPlace1">
-    <dgm:scene3d>
-      <a:camera prst="orthographicFront"/>
-      <a:lightRig rig="threePt" dir="t"/>
-    </dgm:scene3d>
-    <dgm:sp3d/>
-    <dgm:txPr/>
-    <dgm:style>
-      <a:lnRef idx="0">
-        <a:scrgbClr r="0" g="0" b="0"/>
-      </a:lnRef>
-      <a:fillRef idx="1">
-        <a:scrgbClr r="0" g="0" b="0"/>
-      </a:fillRef>
-      <a:effectRef idx="3">
-        <a:scrgbClr r="0" g="0" b="0"/>
-      </a:effectRef>
-      <a:fontRef idx="minor"/>
-    </dgm:style>
-  </dgm:styleLbl>
-  <dgm:styleLbl name="sibTrans2D1">
-    <dgm:scene3d>
-      <a:camera prst="orthographicFront"/>
-      <a:lightRig rig="threePt" dir="t"/>
-    </dgm:scene3d>
-    <dgm:sp3d/>
-    <dgm:txPr/>
-    <dgm:style>
-      <a:lnRef idx="0">
-        <a:scrgbClr r="0" g="0" b="0"/>
-      </a:lnRef>
-      <a:fillRef idx="3">
-        <a:scrgbClr r="0" g="0" b="0"/>
-      </a:fillRef>
-      <a:effectRef idx="3">
-        <a:scrgbClr r="0" g="0" b="0"/>
-      </a:effectRef>
-      <a:fontRef idx="minor">
-        <a:schemeClr val="lt1"/>
-      </a:fontRef>
-    </dgm:style>
-  </dgm:styleLbl>
-  <dgm:styleLbl name="fgSibTrans2D1">
-    <dgm:scene3d>
-      <a:camera prst="orthographicFront"/>
-      <a:lightRig rig="threePt" dir="t"/>
-    </dgm:scene3d>
-    <dgm:sp3d/>
-    <dgm:txPr/>
-    <dgm:style>
-      <a:lnRef idx="0">
-        <a:scrgbClr r="0" g="0" b="0"/>
-      </a:lnRef>
-      <a:fillRef idx="3">
-        <a:scrgbClr r="0" g="0" b="0"/>
-      </a:fillRef>
-      <a:effectRef idx="3">
-        <a:scrgbClr r="0" g="0" b="0"/>
-      </a:effectRef>
-      <a:fontRef idx="minor">
-        <a:schemeClr val="lt1"/>
-      </a:fontRef>
-    </dgm:style>
-  </dgm:styleLbl>
-  <dgm:styleLbl name="bgSibTrans2D1">
-    <dgm:scene3d>
-      <a:camera prst="orthographicFront"/>
-      <a:lightRig rig="threePt" dir="t"/>
-    </dgm:scene3d>
-    <dgm:sp3d/>
-    <dgm:txPr/>
-    <dgm:style>
-      <a:lnRef idx="0">
-        <a:scrgbClr r="0" g="0" b="0"/>
-      </a:lnRef>
-      <a:fillRef idx="3">
-        <a:scrgbClr r="0" g="0" b="0"/>
-      </a:fillRef>
-      <a:effectRef idx="3">
-        <a:scrgbClr r="0" g="0" b="0"/>
-      </a:effectRef>
-      <a:fontRef idx="minor">
-        <a:schemeClr val="lt1"/>
-      </a:fontRef>
-    </dgm:style>
-  </dgm:styleLbl>
-  <dgm:styleLbl name="sibTrans1D1">
-    <dgm:scene3d>
-      <a:camera prst="orthographicFront"/>
-      <a:lightRig rig="threePt" dir="t"/>
-    </dgm:scene3d>
-    <dgm:sp3d/>
-    <dgm:txPr/>
-    <dgm:style>
-      <a:lnRef idx="1">
-        <a:scrgbClr r="0" g="0" b="0"/>
-      </a:lnRef>
-      <a:fillRef idx="0">
-        <a:scrgbClr r="0" g="0" b="0"/>
-      </a:fillRef>
-      <a:effectRef idx="0">
-        <a:scrgbClr r="0" g="0" b="0"/>
-      </a:effectRef>
-      <a:fontRef idx="minor"/>
-    </dgm:style>
-  </dgm:styleLbl>
-  <dgm:styleLbl name="callout">
-    <dgm:scene3d>
-      <a:camera prst="orthographicFront"/>
-      <a:lightRig rig="threePt" dir="t"/>
-    </dgm:scene3d>
-    <dgm:sp3d/>
-    <dgm:txPr/>
-    <dgm:style>
-      <a:lnRef idx="1">
-        <a:scrgbClr r="0" g="0" b="0"/>
-      </a:lnRef>
-      <a:fillRef idx="0">
-        <a:scrgbClr r="0" g="0" b="0"/>
-      </a:fillRef>
-      <a:effectRef idx="1">
-        <a:scrgbClr r="0" g="0" b="0"/>
-      </a:effectRef>
-      <a:fontRef idx="minor"/>
-    </dgm:style>
-  </dgm:styleLbl>
-  <dgm:styleLbl name="asst0">
-    <dgm:scene3d>
-      <a:camera prst="orthographicFront"/>
-      <a:lightRig rig="threePt" dir="t"/>
-    </dgm:scene3d>
-    <dgm:sp3d/>
-    <dgm:txPr/>
-    <dgm:style>
-      <a:lnRef idx="0">
-        <a:scrgbClr r="0" g="0" b="0"/>
-      </a:lnRef>
-      <a:fillRef idx="3">
-        <a:scrgbClr r="0" g="0" b="0"/>
-      </a:fillRef>
-      <a:effectRef idx="3">
-        <a:scrgbClr r="0" g="0" b="0"/>
-      </a:effectRef>
-      <a:fontRef idx="minor">
-        <a:schemeClr val="lt1"/>
-      </a:fontRef>
-    </dgm:style>
-  </dgm:styleLbl>
-  <dgm:styleLbl name="asst1">
-    <dgm:scene3d>
-      <a:camera prst="orthographicFront"/>
-      <a:lightRig rig="threePt" dir="t"/>
-    </dgm:scene3d>
-    <dgm:sp3d/>
-    <dgm:txPr/>
-    <dgm:style>
-      <a:lnRef idx="0">
-        <a:scrgbClr r="0" g="0" b="0"/>
-      </a:lnRef>
-      <a:fillRef idx="3">
-        <a:scrgbClr r="0" g="0" b="0"/>
-      </a:fillRef>
-      <a:effectRef idx="3">
-        <a:scrgbClr r="0" g="0" b="0"/>
-      </a:effectRef>
-      <a:fontRef idx="minor">
-        <a:schemeClr val="lt1"/>
-      </a:fontRef>
-    </dgm:style>
-  </dgm:styleLbl>
-  <dgm:styleLbl name="asst2">
-    <dgm:scene3d>
-      <a:camera prst="orthographicFront"/>
-      <a:lightRig rig="threePt" dir="t"/>
-    </dgm:scene3d>
-    <dgm:sp3d/>
-    <dgm:txPr/>
-    <dgm:style>
-      <a:lnRef idx="0">
-        <a:scrgbClr r="0" g="0" b="0"/>
-      </a:lnRef>
-      <a:fillRef idx="3">
-        <a:scrgbClr r="0" g="0" b="0"/>
-      </a:fillRef>
-      <a:effectRef idx="3">
-        <a:scrgbClr r="0" g="0" b="0"/>
-      </a:effectRef>
-      <a:fontRef idx="minor">
-        <a:schemeClr val="lt1"/>
-      </a:fontRef>
-    </dgm:style>
-  </dgm:styleLbl>
-  <dgm:styleLbl name="asst3">
-    <dgm:scene3d>
-      <a:camera prst="orthographicFront"/>
-      <a:lightRig rig="threePt" dir="t"/>
-    </dgm:scene3d>
-    <dgm:sp3d/>
-    <dgm:txPr/>
-    <dgm:style>
-      <a:lnRef idx="0">
-        <a:scrgbClr r="0" g="0" b="0"/>
-      </a:lnRef>
-      <a:fillRef idx="3">
-        <a:scrgbClr r="0" g="0" b="0"/>
-      </a:fillRef>
-      <a:effectRef idx="3">
-        <a:scrgbClr r="0" g="0" b="0"/>
-      </a:effectRef>
-      <a:fontRef idx="minor">
-        <a:schemeClr val="lt1"/>
-      </a:fontRef>
-    </dgm:style>
-  </dgm:styleLbl>
-  <dgm:styleLbl name="asst4">
-    <dgm:scene3d>
-      <a:camera prst="orthographicFront"/>
-      <a:lightRig rig="threePt" dir="t"/>
-    </dgm:scene3d>
-    <dgm:sp3d/>
-    <dgm:txPr/>
-    <dgm:style>
-      <a:lnRef idx="0">
-        <a:scrgbClr r="0" g="0" b="0"/>
-      </a:lnRef>
-      <a:fillRef idx="3">
-        <a:scrgbClr r="0" g="0" b="0"/>
-      </a:fillRef>
-      <a:effectRef idx="3">
-        <a:scrgbClr r="0" g="0" b="0"/>
-      </a:effectRef>
-      <a:fontRef idx="minor">
-        <a:schemeClr val="lt1"/>
-      </a:fontRef>
-    </dgm:style>
-  </dgm:styleLbl>
-  <dgm:styleLbl name="parChTrans2D1">
-    <dgm:scene3d>
-      <a:camera prst="orthographicFront"/>
-      <a:lightRig rig="threePt" dir="t"/>
-    </dgm:scene3d>
-    <dgm:sp3d/>
-    <dgm:txPr/>
-    <dgm:style>
-      <a:lnRef idx="0">
-        <a:scrgbClr r="0" g="0" b="0"/>
-      </a:lnRef>
-      <a:fillRef idx="3">
-        <a:scrgbClr r="0" g="0" b="0"/>
-      </a:fillRef>
-      <a:effectRef idx="3">
-        <a:scrgbClr r="0" g="0" b="0"/>
-      </a:effectRef>
-      <a:fontRef idx="minor">
-        <a:schemeClr val="lt1"/>
-      </a:fontRef>
-    </dgm:style>
-  </dgm:styleLbl>
-  <dgm:styleLbl name="parChTrans2D2">
-    <dgm:scene3d>
-      <a:camera prst="orthographicFront"/>
-      <a:lightRig rig="threePt" dir="t"/>
-    </dgm:scene3d>
-    <dgm:sp3d/>
-    <dgm:txPr/>
-    <dgm:style>
-      <a:lnRef idx="0">
-        <a:scrgbClr r="0" g="0" b="0"/>
-      </a:lnRef>
-      <a:fillRef idx="3">
-        <a:scrgbClr r="0" g="0" b="0"/>
-      </a:fillRef>
-      <a:effectRef idx="3">
-        <a:scrgbClr r="0" g="0" b="0"/>
-      </a:effectRef>
-      <a:fontRef idx="minor">
-        <a:schemeClr val="lt1"/>
-      </a:fontRef>
-    </dgm:style>
-  </dgm:styleLbl>
-  <dgm:styleLbl name="parChTrans2D3">
-    <dgm:scene3d>
-      <a:camera prst="orthographicFront"/>
-      <a:lightRig rig="threePt" dir="t"/>
-    </dgm:scene3d>
-    <dgm:sp3d/>
-    <dgm:txPr/>
-    <dgm:style>
-      <a:lnRef idx="0">
-        <a:scrgbClr r="0" g="0" b="0"/>
-      </a:lnRef>
-      <a:fillRef idx="3">
-        <a:scrgbClr r="0" g="0" b="0"/>
-      </a:fillRef>
-      <a:effectRef idx="3">
-        <a:scrgbClr r="0" g="0" b="0"/>
-      </a:effectRef>
-      <a:fontRef idx="minor">
-        <a:schemeClr val="lt1"/>
-      </a:fontRef>
-    </dgm:style>
-  </dgm:styleLbl>
-  <dgm:styleLbl name="parChTrans2D4">
-    <dgm:scene3d>
-      <a:camera prst="orthographicFront"/>
-      <a:lightRig rig="threePt" dir="t"/>
-    </dgm:scene3d>
-    <dgm:sp3d/>
-    <dgm:txPr/>
-    <dgm:style>
-      <a:lnRef idx="0">
-        <a:scrgbClr r="0" g="0" b="0"/>
-      </a:lnRef>
-      <a:fillRef idx="3">
-        <a:scrgbClr r="0" g="0" b="0"/>
-      </a:fillRef>
-      <a:effectRef idx="3">
-        <a:scrgbClr r="0" g="0" b="0"/>
-      </a:effectRef>
-      <a:fontRef idx="minor">
-        <a:schemeClr val="lt1"/>
-      </a:fontRef>
-    </dgm:style>
-  </dgm:styleLbl>
-  <dgm:styleLbl name="parChTrans1D1">
-    <dgm:scene3d>
-      <a:camera prst="orthographicFront"/>
-      <a:lightRig rig="threePt" dir="t"/>
-    </dgm:scene3d>
-    <dgm:sp3d/>
-    <dgm:txPr/>
-    <dgm:style>
-      <a:lnRef idx="2">
-        <a:scrgbClr r="0" g="0" b="0"/>
-      </a:lnRef>
-      <a:fillRef idx="0">
-        <a:scrgbClr r="0" g="0" b="0"/>
-      </a:fillRef>
-      <a:effectRef idx="0">
-        <a:scrgbClr r="0" g="0" b="0"/>
-      </a:effectRef>
-      <a:fontRef idx="minor"/>
-    </dgm:style>
-  </dgm:styleLbl>
-  <dgm:styleLbl name="parChTrans1D2">
-    <dgm:scene3d>
-      <a:camera prst="orthographicFront"/>
-      <a:lightRig rig="threePt" dir="t"/>
-    </dgm:scene3d>
-    <dgm:sp3d/>
-    <dgm:txPr/>
-    <dgm:style>
-      <a:lnRef idx="2">
-        <a:scrgbClr r="0" g="0" b="0"/>
-      </a:lnRef>
-      <a:fillRef idx="0">
-        <a:scrgbClr r="0" g="0" b="0"/>
-      </a:fillRef>
-      <a:effectRef idx="0">
-        <a:scrgbClr r="0" g="0" b="0"/>
-      </a:effectRef>
-      <a:fontRef idx="minor"/>
-    </dgm:style>
-  </dgm:styleLbl>
-  <dgm:styleLbl name="parChTrans1D3">
-    <dgm:scene3d>
-      <a:camera prst="orthographicFront"/>
-      <a:lightRig rig="threePt" dir="t"/>
-    </dgm:scene3d>
-    <dgm:sp3d/>
-    <dgm:txPr/>
-    <dgm:style>
-      <a:lnRef idx="2">
-        <a:scrgbClr r="0" g="0" b="0"/>
-      </a:lnRef>
-      <a:fillRef idx="0">
-        <a:scrgbClr r="0" g="0" b="0"/>
-      </a:fillRef>
-      <a:effectRef idx="0">
-        <a:scrgbClr r="0" g="0" b="0"/>
-      </a:effectRef>
-      <a:fontRef idx="minor"/>
-    </dgm:style>
-  </dgm:styleLbl>
-  <dgm:styleLbl name="parChTrans1D4">
-    <dgm:scene3d>
-      <a:camera prst="orthographicFront"/>
-      <a:lightRig rig="threePt" dir="t"/>
-    </dgm:scene3d>
-    <dgm:sp3d/>
-    <dgm:txPr/>
-    <dgm:style>
-      <a:lnRef idx="2">
-        <a:scrgbClr r="0" g="0" b="0"/>
-      </a:lnRef>
-      <a:fillRef idx="0">
-        <a:scrgbClr r="0" g="0" b="0"/>
-      </a:fillRef>
-      <a:effectRef idx="0">
-        <a:scrgbClr r="0" g="0" b="0"/>
-      </a:effectRef>
-      <a:fontRef idx="minor"/>
-    </dgm:style>
-  </dgm:styleLbl>
-  <dgm:styleLbl name="fgAcc1">
-    <dgm:scene3d>
-      <a:camera prst="orthographicFront"/>
-      <a:lightRig rig="threePt" dir="t"/>
-    </dgm:scene3d>
-    <dgm:sp3d/>
-    <dgm:txPr/>
-    <dgm:style>
-      <a:lnRef idx="1">
-        <a:scrgbClr r="0" g="0" b="0"/>
-      </a:lnRef>
-      <a:fillRef idx="1">
-        <a:scrgbClr r="0" g="0" b="0"/>
-      </a:fillRef>
-      <a:effectRef idx="2">
-        <a:scrgbClr r="0" g="0" b="0"/>
-      </a:effectRef>
-      <a:fontRef idx="minor"/>
-    </dgm:style>
-  </dgm:styleLbl>
-  <dgm:styleLbl name="conFgAcc1">
-    <dgm:scene3d>
-      <a:camera prst="orthographicFront"/>
-      <a:lightRig rig="threePt" dir="t"/>
-    </dgm:scene3d>
-    <dgm:sp3d/>
-    <dgm:txPr/>
-    <dgm:style>
-      <a:lnRef idx="1">
-        <a:scrgbClr r="0" g="0" b="0"/>
-      </a:lnRef>
-      <a:fillRef idx="1">
-        <a:scrgbClr r="0" g="0" b="0"/>
-      </a:fillRef>
-      <a:effectRef idx="2">
-        <a:scrgbClr r="0" g="0" b="0"/>
-      </a:effectRef>
-      <a:fontRef idx="minor"/>
-    </dgm:style>
-  </dgm:styleLbl>
-  <dgm:styleLbl name="alignAcc1">
-    <dgm:scene3d>
-      <a:camera prst="orthographicFront"/>
-      <a:lightRig rig="threePt" dir="t"/>
-    </dgm:scene3d>
-    <dgm:sp3d/>
-    <dgm:txPr/>
-    <dgm:style>
-      <a:lnRef idx="1">
-        <a:scrgbClr r="0" g="0" b="0"/>
-      </a:lnRef>
-      <a:fillRef idx="1">
-        <a:scrgbClr r="0" g="0" b="0"/>
-      </a:fillRef>
-      <a:effectRef idx="2">
-        <a:scrgbClr r="0" g="0" b="0"/>
-      </a:effectRef>
-      <a:fontRef idx="minor"/>
-    </dgm:style>
-  </dgm:styleLbl>
-  <dgm:styleLbl name="trAlignAcc1">
-    <dgm:scene3d>
-      <a:camera prst="orthographicFront"/>
-      <a:lightRig rig="threePt" dir="t"/>
-    </dgm:scene3d>
-    <dgm:sp3d/>
-    <dgm:txPr/>
-    <dgm:style>
-      <a:lnRef idx="1">
-        <a:scrgbClr r="0" g="0" b="0"/>
-      </a:lnRef>
-      <a:fillRef idx="1">
-        <a:scrgbClr r="0" g="0" b="0"/>
-      </a:fillRef>
-      <a:effectRef idx="0">
-        <a:scrgbClr r="0" g="0" b="0"/>
-      </a:effectRef>
-      <a:fontRef idx="minor"/>
-    </dgm:style>
-  </dgm:styleLbl>
-  <dgm:styleLbl name="bgAcc1">
-    <dgm:scene3d>
-      <a:camera prst="orthographicFront"/>
-      <a:lightRig rig="threePt" dir="t"/>
-    </dgm:scene3d>
-    <dgm:sp3d/>
-    <dgm:txPr/>
-    <dgm:style>
-      <a:lnRef idx="1">
-        <a:scrgbClr r="0" g="0" b="0"/>
-      </a:lnRef>
-      <a:fillRef idx="1">
-        <a:scrgbClr r="0" g="0" b="0"/>
-      </a:fillRef>
-      <a:effectRef idx="2">
-        <a:scrgbClr r="0" g="0" b="0"/>
-      </a:effectRef>
-      <a:fontRef idx="minor"/>
-    </dgm:style>
-  </dgm:styleLbl>
-  <dgm:styleLbl name="solidFgAcc1">
-    <dgm:scene3d>
-      <a:camera prst="orthographicFront"/>
-      <a:lightRig rig="threePt" dir="t"/>
-    </dgm:scene3d>
-    <dgm:sp3d/>
-    <dgm:txPr/>
-    <dgm:style>
-      <a:lnRef idx="1">
-        <a:scrgbClr r="0" g="0" b="0"/>
-      </a:lnRef>
-      <a:fillRef idx="1">
-        <a:scrgbClr r="0" g="0" b="0"/>
-      </a:fillRef>
-      <a:effectRef idx="2">
-        <a:scrgbClr r="0" g="0" b="0"/>
-      </a:effectRef>
-      <a:fontRef idx="minor"/>
-    </dgm:style>
-  </dgm:styleLbl>
-  <dgm:styleLbl name="solidAlignAcc1">
-    <dgm:scene3d>
-      <a:camera prst="orthographicFront"/>
-      <a:lightRig rig="threePt" dir="t"/>
-    </dgm:scene3d>
-    <dgm:sp3d/>
-    <dgm:txPr/>
-    <dgm:style>
-      <a:lnRef idx="1">
-        <a:scrgbClr r="0" g="0" b="0"/>
-      </a:lnRef>
-      <a:fillRef idx="1">
-        <a:scrgbClr r="0" g="0" b="0"/>
-      </a:fillRef>
-      <a:effectRef idx="3">
-        <a:scrgbClr r="0" g="0" b="0"/>
-      </a:effectRef>
-      <a:fontRef idx="minor"/>
-    </dgm:style>
-  </dgm:styleLbl>
-  <dgm:styleLbl name="solidBgAcc1">
-    <dgm:scene3d>
-      <a:camera prst="orthographicFront"/>
-      <a:lightRig rig="threePt" dir="t"/>
-    </dgm:scene3d>
-    <dgm:sp3d/>
-    <dgm:txPr/>
-    <dgm:style>
-      <a:lnRef idx="1">
-        <a:scrgbClr r="0" g="0" b="0"/>
-      </a:lnRef>
-      <a:fillRef idx="1">
-        <a:scrgbClr r="0" g="0" b="0"/>
-      </a:fillRef>
-      <a:effectRef idx="3">
-        <a:scrgbClr r="0" g="0" b="0"/>
-      </a:effectRef>
-      <a:fontRef idx="minor"/>
-    </dgm:style>
-  </dgm:styleLbl>
-  <dgm:styleLbl name="fgAccFollowNode1">
-    <dgm:scene3d>
-      <a:camera prst="orthographicFront"/>
-      <a:lightRig rig="threePt" dir="t"/>
-    </dgm:scene3d>
-    <dgm:sp3d/>
-    <dgm:txPr/>
-    <dgm:style>
-      <a:lnRef idx="1">
-        <a:scrgbClr r="0" g="0" b="0"/>
-      </a:lnRef>
-      <a:fillRef idx="1">
-        <a:scrgbClr r="0" g="0" b="0"/>
-      </a:fillRef>
-      <a:effectRef idx="2">
-        <a:scrgbClr r="0" g="0" b="0"/>
-      </a:effectRef>
-      <a:fontRef idx="minor"/>
-    </dgm:style>
-  </dgm:styleLbl>
-  <dgm:styleLbl name="alignAccFollowNode1">
-    <dgm:scene3d>
-      <a:camera prst="orthographicFront"/>
-      <a:lightRig rig="threePt" dir="t"/>
-    </dgm:scene3d>
-    <dgm:sp3d/>
-    <dgm:txPr/>
-    <dgm:style>
-      <a:lnRef idx="1">
-        <a:scrgbClr r="0" g="0" b="0"/>
-      </a:lnRef>
-      <a:fillRef idx="1">
-        <a:scrgbClr r="0" g="0" b="0"/>
-      </a:fillRef>
-      <a:effectRef idx="2">
-        <a:scrgbClr r="0" g="0" b="0"/>
-      </a:effectRef>
-      <a:fontRef idx="minor"/>
-    </dgm:style>
-  </dgm:styleLbl>
-  <dgm:styleLbl name="bgAccFollowNode1">
-    <dgm:scene3d>
-      <a:camera prst="orthographicFront"/>
-      <a:lightRig rig="threePt" dir="t"/>
-    </dgm:scene3d>
-    <dgm:sp3d/>
-    <dgm:txPr/>
-    <dgm:style>
-      <a:lnRef idx="1">
-        <a:scrgbClr r="0" g="0" b="0"/>
-      </a:lnRef>
-      <a:fillRef idx="1">
-        <a:scrgbClr r="0" g="0" b="0"/>
-      </a:fillRef>
-      <a:effectRef idx="2">
-        <a:scrgbClr r="0" g="0" b="0"/>
-      </a:effectRef>
-      <a:fontRef idx="minor"/>
-    </dgm:style>
-  </dgm:styleLbl>
-  <dgm:styleLbl name="fgAcc0">
-    <dgm:scene3d>
-      <a:camera prst="orthographicFront"/>
-      <a:lightRig rig="threePt" dir="t"/>
-    </dgm:scene3d>
-    <dgm:sp3d/>
-    <dgm:txPr/>
-    <dgm:style>
-      <a:lnRef idx="1">
-        <a:scrgbClr r="0" g="0" b="0"/>
-      </a:lnRef>
-      <a:fillRef idx="1">
-        <a:scrgbClr r="0" g="0" b="0"/>
-      </a:fillRef>
-      <a:effectRef idx="2">
-        <a:scrgbClr r="0" g="0" b="0"/>
-      </a:effectRef>
-      <a:fontRef idx="minor"/>
-    </dgm:style>
-  </dgm:styleLbl>
-  <dgm:styleLbl name="fgAcc2">
-    <dgm:scene3d>
-      <a:camera prst="orthographicFront"/>
-      <a:lightRig rig="threePt" dir="t"/>
-    </dgm:scene3d>
-    <dgm:sp3d/>
-    <dgm:txPr/>
-    <dgm:style>
-      <a:lnRef idx="1">
-        <a:scrgbClr r="0" g="0" b="0"/>
-      </a:lnRef>
-      <a:fillRef idx="1">
-        <a:scrgbClr r="0" g="0" b="0"/>
-      </a:fillRef>
-      <a:effectRef idx="2">
-        <a:scrgbClr r="0" g="0" b="0"/>
-      </a:effectRef>
-      <a:fontRef idx="minor"/>
-    </dgm:style>
-  </dgm:styleLbl>
-  <dgm:styleLbl name="fgAcc3">
-    <dgm:scene3d>
-      <a:camera prst="orthographicFront"/>
-      <a:lightRig rig="threePt" dir="t"/>
-    </dgm:scene3d>
-    <dgm:sp3d/>
-    <dgm:txPr/>
-    <dgm:style>
-      <a:lnRef idx="1">
-        <a:scrgbClr r="0" g="0" b="0"/>
-      </a:lnRef>
-      <a:fillRef idx="1">
-        <a:scrgbClr r="0" g="0" b="0"/>
-      </a:fillRef>
-      <a:effectRef idx="2">
-        <a:scrgbClr r="0" g="0" b="0"/>
-      </a:effectRef>
-      <a:fontRef idx="minor"/>
-    </dgm:style>
-  </dgm:styleLbl>
-  <dgm:styleLbl name="fgAcc4">
-    <dgm:scene3d>
-      <a:camera prst="orthographicFront"/>
-      <a:lightRig rig="threePt" dir="t"/>
-    </dgm:scene3d>
-    <dgm:sp3d/>
-    <dgm:txPr/>
-    <dgm:style>
-      <a:lnRef idx="1">
-        <a:scrgbClr r="0" g="0" b="0"/>
-      </a:lnRef>
-      <a:fillRef idx="1">
-        <a:scrgbClr r="0" g="0" b="0"/>
-      </a:fillRef>
-      <a:effectRef idx="2">
-        <a:scrgbClr r="0" g="0" b="0"/>
-      </a:effectRef>
-      <a:fontRef idx="minor"/>
-    </dgm:style>
-  </dgm:styleLbl>
-  <dgm:styleLbl name="bgShp">
-    <dgm:scene3d>
-      <a:camera prst="orthographicFront"/>
-      <a:lightRig rig="threePt" dir="t"/>
-    </dgm:scene3d>
-    <dgm:sp3d/>
-    <dgm:txPr/>
-    <dgm:style>
-      <a:lnRef idx="0">
-        <a:scrgbClr r="0" g="0" b="0"/>
-      </a:lnRef>
-      <a:fillRef idx="1">
-        <a:scrgbClr r="0" g="0" b="0"/>
-      </a:fillRef>
-      <a:effectRef idx="2">
-        <a:scrgbClr r="0" g="0" b="0"/>
-      </a:effectRef>
-      <a:fontRef idx="minor"/>
-    </dgm:style>
-  </dgm:styleLbl>
-  <dgm:styleLbl name="dkBgShp">
-    <dgm:scene3d>
-      <a:camera prst="orthographicFront"/>
-      <a:lightRig rig="threePt" dir="t"/>
-    </dgm:scene3d>
-    <dgm:sp3d/>
-    <dgm:txPr/>
-    <dgm:style>
-      <a:lnRef idx="0">
-        <a:scrgbClr r="0" g="0" b="0"/>
-      </a:lnRef>
-      <a:fillRef idx="1">
-        <a:scrgbClr r="0" g="0" b="0"/>
-      </a:fillRef>
-      <a:effectRef idx="3">
-        <a:scrgbClr r="0" g="0" b="0"/>
-      </a:effectRef>
-      <a:fontRef idx="minor"/>
-    </dgm:style>
-  </dgm:styleLbl>
-  <dgm:styleLbl name="trBgShp">
-    <dgm:scene3d>
-      <a:camera prst="orthographicFront"/>
-      <a:lightRig rig="threePt" dir="t"/>
-    </dgm:scene3d>
-    <dgm:sp3d/>
-    <dgm:txPr/>
-    <dgm:style>
-      <a:lnRef idx="0">
-        <a:scrgbClr r="0" g="0" b="0"/>
-      </a:lnRef>
-      <a:fillRef idx="1">
-        <a:scrgbClr r="0" g="0" b="0"/>
-      </a:fillRef>
-      <a:effectRef idx="0">
-        <a:scrgbClr r="0" g="0" b="0"/>
-      </a:effectRef>
-      <a:fontRef idx="minor"/>
-    </dgm:style>
-  </dgm:styleLbl>
-  <dgm:styleLbl name="fgShp">
-    <dgm:scene3d>
-      <a:camera prst="orthographicFront"/>
-      <a:lightRig rig="threePt" dir="t"/>
-    </dgm:scene3d>
-    <dgm:sp3d/>
-    <dgm:txPr/>
-    <dgm:style>
-      <a:lnRef idx="0">
-        <a:scrgbClr r="0" g="0" b="0"/>
-      </a:lnRef>
-      <a:fillRef idx="3">
-        <a:scrgbClr r="0" g="0" b="0"/>
-      </a:fillRef>
-      <a:effectRef idx="3">
-        <a:scrgbClr r="0" g="0" b="0"/>
-      </a:effectRef>
-      <a:fontRef idx="minor"/>
-    </dgm:style>
-  </dgm:styleLbl>
-  <dgm:styleLbl name="revTx">
-    <dgm:scene3d>
-      <a:camera prst="orthographicFront"/>
-      <a:lightRig rig="threePt" dir="t"/>
-    </dgm:scene3d>
-    <dgm:sp3d/>
-    <dgm:txPr/>
-    <dgm:style>
-      <a:lnRef idx="0">
-        <a:scrgbClr r="0" g="0" b="0"/>
-      </a:lnRef>
-      <a:fillRef idx="0">
-        <a:scrgbClr r="0" g="0" b="0"/>
-      </a:fillRef>
-      <a:effectRef idx="0">
-        <a:scrgbClr r="0" g="0" b="0"/>
-      </a:effectRef>
-      <a:fontRef idx="minor"/>
-    </dgm:style>
-  </dgm:styleLbl>
-</dgm:styleDef>
-</file>
-
 <file path=ppt/handoutMasters/handoutMaster1.xml><?xml version="1.0" encoding="utf-8"?>
 <p:handoutMaster xmlns:a="http://schemas.openxmlformats.org/drawingml/2006/main" xmlns:r="http://schemas.openxmlformats.org/officeDocument/2006/relationships" xmlns:p="http://schemas.openxmlformats.org/presentationml/2006/main">
   <p:cSld>
@@ -3296,7 +263,7 @@
           <a:p>
             <a:fld id="{20EA5F0D-C1DC-412F-A146-DDB3A74B588F}" type="datetimeFigureOut">
               <a:rPr lang="en-US"/>
-              <a:t>4/26/2019</a:t>
+              <a:t>9/17/2019</a:t>
             </a:fld>
             <a:endParaRPr/>
           </a:p>
@@ -3461,7 +428,7 @@
           <a:p>
             <a:fld id="{A8CDE508-72C8-4AB5-AA9C-1584D31690E0}" type="datetimeFigureOut">
               <a:rPr lang="en-US"/>
-              <a:t>4/26/2019</a:t>
+              <a:t>9/17/2019</a:t>
             </a:fld>
             <a:endParaRPr/>
           </a:p>
@@ -3883,7 +850,7 @@
           <a:p>
             <a:fld id="{7FB667E1-E601-4AAF-B95C-B25720D70A60}" type="slidenum">
               <a:rPr lang="en-US" smtClean="0"/>
-              <a:t>3</a:t>
+              <a:t>4</a:t>
             </a:fld>
             <a:endParaRPr lang="en-US" dirty="0"/>
           </a:p>
@@ -3970,7 +937,7 @@
           <a:p>
             <a:fld id="{7FB667E1-E601-4AAF-B95C-B25720D70A60}" type="slidenum">
               <a:rPr lang="en-US" smtClean="0"/>
-              <a:t>4</a:t>
+              <a:t>9</a:t>
             </a:fld>
             <a:endParaRPr lang="en-US" dirty="0"/>
           </a:p>
@@ -4033,10 +1000,7 @@
           <a:bodyPr/>
           <a:lstStyle/>
           <a:p>
-            <a:r>
-              <a:rPr lang="en-US" dirty="0"/>
-              <a:t>May require more than one slide</a:t>
-            </a:r>
+            <a:endParaRPr lang="en-US" dirty="0"/>
           </a:p>
         </p:txBody>
       </p:sp>
@@ -4057,7 +1021,7 @@
           <a:p>
             <a:fld id="{7FB667E1-E601-4AAF-B95C-B25720D70A60}" type="slidenum">
               <a:rPr lang="en-US" smtClean="0"/>
-              <a:t>15</a:t>
+              <a:t>33</a:t>
             </a:fld>
             <a:endParaRPr lang="en-US" dirty="0"/>
           </a:p>
@@ -4067,93 +1031,6 @@
     <p:extLst>
       <p:ext uri="{BB962C8B-B14F-4D97-AF65-F5344CB8AC3E}">
         <p14:creationId xmlns:p14="http://schemas.microsoft.com/office/powerpoint/2010/main" val="1612349070"/>
-      </p:ext>
-    </p:extLst>
-  </p:cSld>
-  <p:clrMapOvr>
-    <a:masterClrMapping/>
-  </p:clrMapOvr>
-</p:notes>
-</file>
-
-<file path=ppt/notesSlides/notesSlide5.xml><?xml version="1.0" encoding="utf-8"?>
-<p:notes xmlns:a="http://schemas.openxmlformats.org/drawingml/2006/main" xmlns:r="http://schemas.openxmlformats.org/officeDocument/2006/relationships" xmlns:p="http://schemas.openxmlformats.org/presentationml/2006/main">
-  <p:cSld>
-    <p:spTree>
-      <p:nvGrpSpPr>
-        <p:cNvPr id="1" name=""/>
-        <p:cNvGrpSpPr/>
-        <p:nvPr/>
-      </p:nvGrpSpPr>
-      <p:grpSpPr>
-        <a:xfrm>
-          <a:off x="0" y="0"/>
-          <a:ext cx="0" cy="0"/>
-          <a:chOff x="0" y="0"/>
-          <a:chExt cx="0" cy="0"/>
-        </a:xfrm>
-      </p:grpSpPr>
-      <p:sp>
-        <p:nvSpPr>
-          <p:cNvPr id="2" name="Slide Image Placeholder 1"/>
-          <p:cNvSpPr>
-            <a:spLocks noGrp="1" noRot="1" noChangeAspect="1"/>
-          </p:cNvSpPr>
-          <p:nvPr>
-            <p:ph type="sldImg"/>
-          </p:nvPr>
-        </p:nvSpPr>
-        <p:spPr/>
-      </p:sp>
-      <p:sp>
-        <p:nvSpPr>
-          <p:cNvPr id="3" name="Notes Placeholder 2"/>
-          <p:cNvSpPr>
-            <a:spLocks noGrp="1"/>
-          </p:cNvSpPr>
-          <p:nvPr>
-            <p:ph type="body" idx="1"/>
-          </p:nvPr>
-        </p:nvSpPr>
-        <p:spPr/>
-        <p:txBody>
-          <a:bodyPr/>
-          <a:lstStyle/>
-          <a:p>
-            <a:r>
-              <a:rPr lang="en-US" dirty="0"/>
-              <a:t>May require more than one slide</a:t>
-            </a:r>
-          </a:p>
-        </p:txBody>
-      </p:sp>
-      <p:sp>
-        <p:nvSpPr>
-          <p:cNvPr id="4" name="Slide Number Placeholder 3"/>
-          <p:cNvSpPr>
-            <a:spLocks noGrp="1"/>
-          </p:cNvSpPr>
-          <p:nvPr>
-            <p:ph type="sldNum" sz="quarter" idx="10"/>
-          </p:nvPr>
-        </p:nvSpPr>
-        <p:spPr/>
-        <p:txBody>
-          <a:bodyPr/>
-          <a:lstStyle/>
-          <a:p>
-            <a:fld id="{7FB667E1-E601-4AAF-B95C-B25720D70A60}" type="slidenum">
-              <a:rPr lang="en-US" smtClean="0"/>
-              <a:t>17</a:t>
-            </a:fld>
-            <a:endParaRPr lang="en-US" dirty="0"/>
-          </a:p>
-        </p:txBody>
-      </p:sp>
-    </p:spTree>
-    <p:extLst>
-      <p:ext uri="{BB962C8B-B14F-4D97-AF65-F5344CB8AC3E}">
-        <p14:creationId xmlns:p14="http://schemas.microsoft.com/office/powerpoint/2010/main" val="2728516462"/>
       </p:ext>
     </p:extLst>
   </p:cSld>
@@ -4801,7 +1678,7 @@
             <a:fld id="{9E583DDF-CA54-461A-A486-592D2374C532}" type="datetimeFigureOut">
               <a:rPr lang="en-US"/>
               <a:pPr/>
-              <a:t>4/26/2019</a:t>
+              <a:t>9/17/2019</a:t>
             </a:fld>
             <a:endParaRPr/>
           </a:p>
@@ -5177,7 +2054,7 @@
           <a:p>
             <a:fld id="{9E583DDF-CA54-461A-A486-592D2374C532}" type="datetimeFigureOut">
               <a:rPr lang="en-US"/>
-              <a:t>4/26/2019</a:t>
+              <a:t>9/17/2019</a:t>
             </a:fld>
             <a:endParaRPr/>
           </a:p>
@@ -5359,7 +2236,7 @@
           <a:p>
             <a:fld id="{9E583DDF-CA54-461A-A486-592D2374C532}" type="datetimeFigureOut">
               <a:rPr lang="en-US"/>
-              <a:t>4/26/2019</a:t>
+              <a:t>9/17/2019</a:t>
             </a:fld>
             <a:endParaRPr/>
           </a:p>
@@ -5551,7 +2428,7 @@
           <a:p>
             <a:fld id="{9E583DDF-CA54-461A-A486-592D2374C532}" type="datetimeFigureOut">
               <a:rPr lang="en-US"/>
-              <a:t>4/26/2019</a:t>
+              <a:t>9/17/2019</a:t>
             </a:fld>
             <a:endParaRPr/>
           </a:p>
@@ -5737,7 +2614,7 @@
           <a:p>
             <a:fld id="{9E583DDF-CA54-461A-A486-592D2374C532}" type="datetimeFigureOut">
               <a:rPr lang="en-US"/>
-              <a:t>4/26/2019</a:t>
+              <a:t>9/17/2019</a:t>
             </a:fld>
             <a:endParaRPr dirty="0"/>
           </a:p>
@@ -6121,7 +2998,7 @@
           <a:p>
             <a:fld id="{9E583DDF-CA54-461A-A486-592D2374C532}" type="datetimeFigureOut">
               <a:rPr lang="en-US"/>
-              <a:t>4/26/2019</a:t>
+              <a:t>9/17/2019</a:t>
             </a:fld>
             <a:endParaRPr/>
           </a:p>
@@ -6410,7 +3287,7 @@
             <a:fld id="{9E583DDF-CA54-461A-A486-592D2374C532}" type="datetimeFigureOut">
               <a:rPr lang="en-US"/>
               <a:pPr/>
-              <a:t>4/26/2019</a:t>
+              <a:t>9/17/2019</a:t>
             </a:fld>
             <a:endParaRPr/>
           </a:p>
@@ -6723,7 +3600,7 @@
           <a:p>
             <a:fld id="{9DD7D43D-6574-4C7B-808D-C6C12215A4D4}" type="datetimeFigureOut">
               <a:rPr lang="en-US"/>
-              <a:t>4/26/2019</a:t>
+              <a:t>9/17/2019</a:t>
             </a:fld>
             <a:endParaRPr/>
           </a:p>
@@ -7172,7 +4049,7 @@
           <a:p>
             <a:fld id="{9E583DDF-CA54-461A-A486-592D2374C532}" type="datetimeFigureOut">
               <a:rPr lang="en-US"/>
-              <a:t>4/26/2019</a:t>
+              <a:t>9/17/2019</a:t>
             </a:fld>
             <a:endParaRPr/>
           </a:p>
@@ -7302,7 +4179,7 @@
           <a:p>
             <a:fld id="{9E583DDF-CA54-461A-A486-592D2374C532}" type="datetimeFigureOut">
               <a:rPr lang="en-US"/>
-              <a:t>4/26/2019</a:t>
+              <a:t>9/17/2019</a:t>
             </a:fld>
             <a:endParaRPr/>
           </a:p>
@@ -7426,7 +4303,7 @@
             <a:fld id="{9E583DDF-CA54-461A-A486-592D2374C532}" type="datetimeFigureOut">
               <a:rPr lang="en-US"/>
               <a:pPr/>
-              <a:t>4/26/2019</a:t>
+              <a:t>9/17/2019</a:t>
             </a:fld>
             <a:endParaRPr/>
           </a:p>
@@ -7733,7 +4610,7 @@
           <a:p>
             <a:fld id="{9E583DDF-CA54-461A-A486-592D2374C532}" type="datetimeFigureOut">
               <a:rPr lang="en-US"/>
-              <a:t>4/26/2019</a:t>
+              <a:t>9/17/2019</a:t>
             </a:fld>
             <a:endParaRPr/>
           </a:p>
@@ -8089,7 +4966,7 @@
             <a:fld id="{9E583DDF-CA54-461A-A486-592D2374C532}" type="datetimeFigureOut">
               <a:rPr lang="en-US" smtClean="0"/>
               <a:pPr/>
-              <a:t>4/26/2019</a:t>
+              <a:t>9/17/2019</a:t>
             </a:fld>
             <a:endParaRPr lang="en-US" dirty="0"/>
           </a:p>
@@ -8477,7 +5354,7 @@
       </a:lvl9pPr>
     </p:otherStyle>
   </p:txStyles>
-  <p:extLst mod="1">
+  <p:extLst>
     <p:ext uri="{27BBF7A9-308A-43DC-89C8-2F10F3537804}">
       <p15:sldGuideLst xmlns:p15="http://schemas.microsoft.com/office/powerpoint/2012/main">
         <p15:guide id="1" orient="horz" pos="2360">
@@ -8530,7 +5407,7 @@
           <a:p>
             <a:r>
               <a:rPr lang="en-US" dirty="0"/>
-              <a:t>IPFS Analytics </a:t>
+              <a:t>IPFS Analytics Competition</a:t>
             </a:r>
           </a:p>
         </p:txBody>
@@ -8552,7 +5429,7 @@
           <a:p>
             <a:r>
               <a:rPr lang="en-US" dirty="0"/>
-              <a:t>Michael Gagliano | Eric VanMeerhaeghe</a:t>
+              <a:t>Eric VanMeerhaeghe | M.S. Data Analytics</a:t>
             </a:r>
           </a:p>
         </p:txBody>
@@ -8604,7 +5481,7 @@
           <p:cNvPr id="2" name="Title 1">
             <a:extLst>
               <a:ext uri="{FF2B5EF4-FFF2-40B4-BE49-F238E27FC236}">
-                <a16:creationId xmlns:a16="http://schemas.microsoft.com/office/drawing/2014/main" id="{05EE668D-2951-4166-9D30-8A730181B5BF}"/>
+                <a16:creationId xmlns:a16="http://schemas.microsoft.com/office/drawing/2014/main" id="{1990E39A-0517-49C4-BBA7-9C804FA0F0B7}"/>
               </a:ext>
             </a:extLst>
           </p:cNvPr>
@@ -8617,27 +5494,30 @@
         </p:nvSpPr>
         <p:spPr>
           <a:xfrm>
-            <a:off x="458787" y="2362200"/>
-            <a:ext cx="3502025" cy="1990725"/>
+            <a:off x="1295400" y="161851"/>
+            <a:ext cx="9145588" cy="1009742"/>
           </a:xfrm>
         </p:spPr>
         <p:txBody>
-          <a:bodyPr/>
-          <a:lstStyle/>
-          <a:p>
-            <a:r>
-              <a:rPr lang="en-US" dirty="0"/>
-              <a:t>Loan Amount/Premium and Cancellation</a:t>
-            </a:r>
-          </a:p>
-        </p:txBody>
-      </p:sp>
-      <p:sp>
-        <p:nvSpPr>
-          <p:cNvPr id="3" name="Text Placeholder 2">
+          <a:bodyPr>
+            <a:normAutofit/>
+          </a:bodyPr>
+          <a:lstStyle/>
+          <a:p>
+            <a:pPr algn="ctr"/>
+            <a:r>
+              <a:rPr lang="en-US" sz="4000" b="1" dirty="0"/>
+              <a:t>Cancellations Over Time</a:t>
+            </a:r>
+          </a:p>
+        </p:txBody>
+      </p:sp>
+      <p:sp>
+        <p:nvSpPr>
+          <p:cNvPr id="6" name="Text Placeholder 5">
             <a:extLst>
               <a:ext uri="{FF2B5EF4-FFF2-40B4-BE49-F238E27FC236}">
-                <a16:creationId xmlns:a16="http://schemas.microsoft.com/office/drawing/2014/main" id="{CD65AA68-E395-43E8-BFAD-7B23ED9A6D3A}"/>
+                <a16:creationId xmlns:a16="http://schemas.microsoft.com/office/drawing/2014/main" id="{0A93291D-2F50-4250-AA50-4BC0353AD308}"/>
               </a:ext>
             </a:extLst>
           </p:cNvPr>
@@ -8650,43 +5530,56 @@
         </p:nvSpPr>
         <p:spPr>
           <a:xfrm>
-            <a:off x="458787" y="4367308"/>
-            <a:ext cx="3502025" cy="1622012"/>
+            <a:off x="760412" y="1762210"/>
+            <a:ext cx="3963988" cy="1200329"/>
           </a:xfrm>
         </p:spPr>
         <p:txBody>
-          <a:bodyPr/>
-          <a:lstStyle/>
-          <a:p>
-            <a:pPr marL="285750" indent="-285750">
-              <a:buFont typeface="Arial" panose="020B0604020202020204" pitchFamily="34" charset="0"/>
-              <a:buChar char="•"/>
+          <a:bodyPr>
+            <a:normAutofit/>
+          </a:bodyPr>
+          <a:lstStyle/>
+          <a:p>
+            <a:pPr marL="274320" lvl="0" indent="-228600">
+              <a:spcBef>
+                <a:spcPts val="1800"/>
+              </a:spcBef>
+              <a:buClr>
+                <a:srgbClr val="263050"/>
+              </a:buClr>
+              <a:buFont typeface="Wingdings" pitchFamily="2" charset="2"/>
+              <a:buChar char="§"/>
             </a:pPr>
             <a:r>
-              <a:rPr lang="en-US" dirty="0"/>
-              <a:t>Borrowers with higher premiums cancelled less often than borrowers with lower premiums</a:t>
-            </a:r>
+              <a:rPr lang="en-US" sz="1800" dirty="0">
+                <a:solidFill>
+                  <a:srgbClr val="263050"/>
+                </a:solidFill>
+              </a:rPr>
+              <a:t>The total number of loans made to borrowers increased each year in this data.</a:t>
+            </a:r>
+          </a:p>
+          <a:p>
+            <a:endParaRPr lang="en-US" dirty="0"/>
           </a:p>
         </p:txBody>
       </p:sp>
       <p:pic>
         <p:nvPicPr>
-          <p:cNvPr id="6" name="Content Placeholder 5">
+          <p:cNvPr id="5" name="Picture 4">
             <a:extLst>
               <a:ext uri="{FF2B5EF4-FFF2-40B4-BE49-F238E27FC236}">
-                <a16:creationId xmlns:a16="http://schemas.microsoft.com/office/drawing/2014/main" id="{722F07C7-A199-4F12-9CB5-3EE46FBF0B16}"/>
+                <a16:creationId xmlns:a16="http://schemas.microsoft.com/office/drawing/2014/main" id="{7907D066-50DA-42A6-A691-97814D601345}"/>
               </a:ext>
             </a:extLst>
           </p:cNvPr>
           <p:cNvPicPr>
-            <a:picLocks noGrp="1" noChangeAspect="1"/>
+            <a:picLocks noChangeAspect="1"/>
           </p:cNvPicPr>
-          <p:nvPr>
-            <p:ph idx="1"/>
-          </p:nvPr>
+          <p:nvPr/>
         </p:nvPicPr>
         <p:blipFill>
-          <a:blip r:embed="rId2" cstate="print">
+          <a:blip r:embed="rId2">
             <a:extLst>
               <a:ext uri="{28A0092B-C50C-407E-A947-70E740481C1C}">
                 <a14:useLocalDpi xmlns:a14="http://schemas.microsoft.com/office/drawing/2010/main" val="0"/>
@@ -8699,15 +5592,104 @@
         </p:blipFill>
         <p:spPr>
           <a:xfrm>
-            <a:off x="4191000" y="381000"/>
-            <a:ext cx="7542213" cy="5867400"/>
+            <a:off x="6096000" y="3134032"/>
+            <a:ext cx="5181599" cy="3342968"/>
           </a:xfrm>
+          <a:prstGeom prst="rect">
+            <a:avLst/>
+          </a:prstGeom>
         </p:spPr>
       </p:pic>
+      <p:pic>
+        <p:nvPicPr>
+          <p:cNvPr id="8" name="Picture 7">
+            <a:extLst>
+              <a:ext uri="{FF2B5EF4-FFF2-40B4-BE49-F238E27FC236}">
+                <a16:creationId xmlns:a16="http://schemas.microsoft.com/office/drawing/2014/main" id="{429F9E36-8ADE-40C2-9822-71329804E745}"/>
+              </a:ext>
+            </a:extLst>
+          </p:cNvPr>
+          <p:cNvPicPr>
+            <a:picLocks noChangeAspect="1"/>
+          </p:cNvPicPr>
+          <p:nvPr/>
+        </p:nvPicPr>
+        <p:blipFill>
+          <a:blip r:embed="rId3">
+            <a:extLst>
+              <a:ext uri="{28A0092B-C50C-407E-A947-70E740481C1C}">
+                <a14:useLocalDpi xmlns:a14="http://schemas.microsoft.com/office/drawing/2010/main" val="0"/>
+              </a:ext>
+            </a:extLst>
+          </a:blip>
+          <a:stretch>
+            <a:fillRect/>
+          </a:stretch>
+        </p:blipFill>
+        <p:spPr>
+          <a:xfrm>
+            <a:off x="304800" y="3126870"/>
+            <a:ext cx="4876800" cy="3437363"/>
+          </a:xfrm>
+          <a:prstGeom prst="rect">
+            <a:avLst/>
+          </a:prstGeom>
+        </p:spPr>
+      </p:pic>
+      <p:sp>
+        <p:nvSpPr>
+          <p:cNvPr id="3" name="TextBox 2">
+            <a:extLst>
+              <a:ext uri="{FF2B5EF4-FFF2-40B4-BE49-F238E27FC236}">
+                <a16:creationId xmlns:a16="http://schemas.microsoft.com/office/drawing/2014/main" id="{ACF56BC1-5F96-485A-83D2-4F599D25A317}"/>
+              </a:ext>
+            </a:extLst>
+          </p:cNvPr>
+          <p:cNvSpPr txBox="1"/>
+          <p:nvPr/>
+        </p:nvSpPr>
+        <p:spPr>
+          <a:xfrm>
+            <a:off x="6019800" y="1762211"/>
+            <a:ext cx="4800600" cy="1200329"/>
+          </a:xfrm>
+          <a:prstGeom prst="rect">
+            <a:avLst/>
+          </a:prstGeom>
+          <a:noFill/>
+        </p:spPr>
+        <p:txBody>
+          <a:bodyPr wrap="square" rtlCol="0">
+            <a:spAutoFit/>
+          </a:bodyPr>
+          <a:lstStyle/>
+          <a:p>
+            <a:pPr marL="285750" indent="-285750">
+              <a:buFont typeface="Arial" panose="020B0604020202020204" pitchFamily="34" charset="0"/>
+              <a:buChar char="•"/>
+            </a:pPr>
+            <a:r>
+              <a:rPr lang="en-US" dirty="0">
+                <a:solidFill>
+                  <a:srgbClr val="263050"/>
+                </a:solidFill>
+              </a:rPr>
+              <a:t>Loan Cancellation rate hovers around 8.9%, while total loans made increase year over year.</a:t>
+            </a:r>
+          </a:p>
+          <a:p>
+            <a:pPr marL="285750" indent="-285750">
+              <a:buFont typeface="Arial" panose="020B0604020202020204" pitchFamily="34" charset="0"/>
+              <a:buChar char="•"/>
+            </a:pPr>
+            <a:endParaRPr lang="en-US" dirty="0"/>
+          </a:p>
+        </p:txBody>
+      </p:sp>
     </p:spTree>
     <p:extLst>
       <p:ext uri="{BB962C8B-B14F-4D97-AF65-F5344CB8AC3E}">
-        <p14:creationId xmlns:p14="http://schemas.microsoft.com/office/powerpoint/2010/main" val="2977688836"/>
+        <p14:creationId xmlns:p14="http://schemas.microsoft.com/office/powerpoint/2010/main" val="2512972093"/>
       </p:ext>
     </p:extLst>
   </p:cSld>
@@ -8748,10 +5730,10 @@
       </p:grpSpPr>
       <p:sp>
         <p:nvSpPr>
-          <p:cNvPr id="2" name="Title 1">
+          <p:cNvPr id="7" name="Title 6">
             <a:extLst>
               <a:ext uri="{FF2B5EF4-FFF2-40B4-BE49-F238E27FC236}">
-                <a16:creationId xmlns:a16="http://schemas.microsoft.com/office/drawing/2014/main" id="{67035730-7B44-4B73-9323-62544C39286F}"/>
+                <a16:creationId xmlns:a16="http://schemas.microsoft.com/office/drawing/2014/main" id="{9886F7F6-3294-4674-AFCB-7374D6E5CE57}"/>
               </a:ext>
             </a:extLst>
           </p:cNvPr>
@@ -8764,8 +5746,8 @@
         </p:nvSpPr>
         <p:spPr>
           <a:xfrm>
-            <a:off x="381000" y="2362200"/>
-            <a:ext cx="3579812" cy="1990725"/>
+            <a:off x="1341120" y="152400"/>
+            <a:ext cx="9509760" cy="838200"/>
           </a:xfrm>
         </p:spPr>
         <p:txBody>
@@ -8774,19 +5756,20 @@
           </a:bodyPr>
           <a:lstStyle/>
           <a:p>
-            <a:r>
-              <a:rPr lang="en-US" sz="2800" dirty="0"/>
-              <a:t>Borrower Industry/Classification and Cancellation</a:t>
-            </a:r>
-          </a:p>
-        </p:txBody>
-      </p:sp>
-      <p:sp>
-        <p:nvSpPr>
-          <p:cNvPr id="3" name="Text Placeholder 2">
+            <a:pPr algn="ctr"/>
+            <a:r>
+              <a:rPr lang="en-US" sz="4000" b="1" dirty="0"/>
+              <a:t>Who is the IPFS Customer</a:t>
+            </a:r>
+          </a:p>
+        </p:txBody>
+      </p:sp>
+      <p:sp>
+        <p:nvSpPr>
+          <p:cNvPr id="4" name="Content Placeholder 3">
             <a:extLst>
               <a:ext uri="{FF2B5EF4-FFF2-40B4-BE49-F238E27FC236}">
-                <a16:creationId xmlns:a16="http://schemas.microsoft.com/office/drawing/2014/main" id="{71FF2971-30EC-480D-BCE2-D687F37706FB}"/>
+                <a16:creationId xmlns:a16="http://schemas.microsoft.com/office/drawing/2014/main" id="{3F6FE949-312D-4342-A40C-377BB2264623}"/>
               </a:ext>
             </a:extLst>
           </p:cNvPr>
@@ -8794,81 +5777,115 @@
             <a:spLocks noGrp="1"/>
           </p:cNvSpPr>
           <p:nvPr>
-            <p:ph type="body" sz="half" idx="2"/>
-          </p:nvPr>
-        </p:nvSpPr>
-        <p:spPr>
-          <a:xfrm>
-            <a:off x="381000" y="4367308"/>
-            <a:ext cx="3579812" cy="1622012"/>
-          </a:xfrm>
-        </p:spPr>
-        <p:txBody>
-          <a:bodyPr>
-            <a:normAutofit fontScale="92500"/>
-          </a:bodyPr>
-          <a:lstStyle/>
-          <a:p>
-            <a:pPr marL="285750" indent="-285750">
-              <a:buFont typeface="Arial" panose="020B0604020202020204" pitchFamily="34" charset="0"/>
-              <a:buChar char="•"/>
-            </a:pPr>
+            <p:ph idx="1"/>
+          </p:nvPr>
+        </p:nvSpPr>
+        <p:spPr/>
+        <p:txBody>
+          <a:bodyPr/>
+          <a:lstStyle/>
+          <a:p>
             <a:r>
               <a:rPr lang="en-US" dirty="0"/>
-              <a:t>Some industries tend to cancel more than others, specifically borrowers in Transportation cancel disproportionately higher than others.</a:t>
-            </a:r>
-          </a:p>
-          <a:p>
-            <a:pPr marL="285750" indent="-285750">
-              <a:buFont typeface="Arial" panose="020B0604020202020204" pitchFamily="34" charset="0"/>
-              <a:buChar char="•"/>
-            </a:pPr>
+              <a:t>Average Premium: </a:t>
+            </a:r>
+            <a:r>
+              <a:rPr lang="en-US" b="1" dirty="0"/>
+              <a:t>$23,379.54</a:t>
+            </a:r>
+            <a:endParaRPr lang="en-US" dirty="0"/>
+          </a:p>
+          <a:p>
             <a:r>
               <a:rPr lang="en-US" dirty="0"/>
-              <a:t>Government, Services, and Real Estate cancel less often than average.</a:t>
-            </a:r>
-          </a:p>
-        </p:txBody>
-      </p:sp>
-      <p:pic>
-        <p:nvPicPr>
-          <p:cNvPr id="12" name="Content Placeholder 11">
-            <a:extLst>
-              <a:ext uri="{FF2B5EF4-FFF2-40B4-BE49-F238E27FC236}">
-                <a16:creationId xmlns:a16="http://schemas.microsoft.com/office/drawing/2014/main" id="{EFD11288-1B4A-47B3-BF90-00F04BC9F4BA}"/>
-              </a:ext>
-            </a:extLst>
-          </p:cNvPr>
-          <p:cNvPicPr>
-            <a:picLocks noGrp="1" noChangeAspect="1"/>
-          </p:cNvPicPr>
-          <p:nvPr>
-            <p:ph idx="1"/>
-          </p:nvPr>
-        </p:nvPicPr>
-        <p:blipFill>
-          <a:blip r:embed="rId2" cstate="print">
-            <a:extLst>
-              <a:ext uri="{28A0092B-C50C-407E-A947-70E740481C1C}">
-                <a14:useLocalDpi xmlns:a14="http://schemas.microsoft.com/office/drawing/2010/main" val="0"/>
-              </a:ext>
-            </a:extLst>
-          </a:blip>
-          <a:stretch>
-            <a:fillRect/>
-          </a:stretch>
-        </p:blipFill>
-        <p:spPr>
-          <a:xfrm>
-            <a:off x="4191000" y="304800"/>
-            <a:ext cx="7542213" cy="5943600"/>
-          </a:xfrm>
-        </p:spPr>
-      </p:pic>
+              <a:t>Average Down Payment: </a:t>
+            </a:r>
+            <a:r>
+              <a:rPr lang="en-US" b="1" dirty="0"/>
+              <a:t>$4,592.27</a:t>
+            </a:r>
+            <a:endParaRPr lang="en-US" dirty="0"/>
+          </a:p>
+          <a:p>
+            <a:r>
+              <a:rPr lang="en-US" dirty="0"/>
+              <a:t>Average Amount Financed: </a:t>
+            </a:r>
+            <a:r>
+              <a:rPr lang="en-US" b="1" dirty="0"/>
+              <a:t>$18,782.27</a:t>
+            </a:r>
+            <a:endParaRPr lang="en-US" dirty="0"/>
+          </a:p>
+          <a:p>
+            <a:r>
+              <a:rPr lang="en-US" dirty="0"/>
+              <a:t>Average Borrower Credit Score: </a:t>
+            </a:r>
+            <a:r>
+              <a:rPr lang="en-US" b="1" dirty="0"/>
+              <a:t>2.69</a:t>
+            </a:r>
+            <a:endParaRPr lang="en-US" dirty="0"/>
+          </a:p>
+          <a:p>
+            <a:r>
+              <a:rPr lang="en-US" dirty="0"/>
+              <a:t>Percent of Borrowers enrolled in </a:t>
+            </a:r>
+            <a:r>
+              <a:rPr lang="en-US" dirty="0" err="1"/>
+              <a:t>Eforms</a:t>
+            </a:r>
+            <a:r>
+              <a:rPr lang="en-US" dirty="0"/>
+              <a:t>: </a:t>
+            </a:r>
+            <a:r>
+              <a:rPr lang="en-US" b="1" dirty="0"/>
+              <a:t>30.29%</a:t>
+            </a:r>
+            <a:endParaRPr lang="en-US" dirty="0"/>
+          </a:p>
+          <a:p>
+            <a:r>
+              <a:rPr lang="en-US" dirty="0"/>
+              <a:t>Percent of Borrowers Registered on Web: </a:t>
+            </a:r>
+            <a:r>
+              <a:rPr lang="en-US" b="1" dirty="0"/>
+              <a:t>26.07%</a:t>
+            </a:r>
+            <a:endParaRPr lang="en-US" dirty="0"/>
+          </a:p>
+          <a:p>
+            <a:r>
+              <a:rPr lang="en-US" dirty="0"/>
+              <a:t>Percent of Borrowers with Good or Great Credit: </a:t>
+            </a:r>
+            <a:r>
+              <a:rPr lang="en-US" b="1" dirty="0"/>
+              <a:t>30.69%</a:t>
+            </a:r>
+            <a:endParaRPr lang="en-US" dirty="0"/>
+          </a:p>
+          <a:p>
+            <a:r>
+              <a:rPr lang="en-US" dirty="0"/>
+              <a:t>Percentage of Borrowers using Autopay:  </a:t>
+            </a:r>
+            <a:r>
+              <a:rPr lang="en-US" b="1" dirty="0"/>
+              <a:t>0.89%</a:t>
+            </a:r>
+            <a:endParaRPr lang="en-US" dirty="0"/>
+          </a:p>
+        </p:txBody>
+      </p:sp>
     </p:spTree>
     <p:extLst>
       <p:ext uri="{BB962C8B-B14F-4D97-AF65-F5344CB8AC3E}">
-        <p14:creationId xmlns:p14="http://schemas.microsoft.com/office/powerpoint/2010/main" val="4032408010"/>
+        <p14:creationId xmlns:p14="http://schemas.microsoft.com/office/powerpoint/2010/main" val="1151580947"/>
       </p:ext>
     </p:extLst>
   </p:cSld>
@@ -8912,7 +5929,7 @@
           <p:cNvPr id="2" name="Title 1">
             <a:extLst>
               <a:ext uri="{FF2B5EF4-FFF2-40B4-BE49-F238E27FC236}">
-                <a16:creationId xmlns:a16="http://schemas.microsoft.com/office/drawing/2014/main" id="{A334CFD3-B684-463C-B6DC-9F4FB2BA22B8}"/>
+                <a16:creationId xmlns:a16="http://schemas.microsoft.com/office/drawing/2014/main" id="{445CF73F-3E56-4E99-B740-62367608CC19}"/>
               </a:ext>
             </a:extLst>
           </p:cNvPr>
@@ -8925,64 +5942,30 @@
         </p:nvSpPr>
         <p:spPr>
           <a:xfrm>
-            <a:off x="381000" y="2362200"/>
-            <a:ext cx="3579812" cy="1990725"/>
+            <a:off x="1337421" y="242824"/>
+            <a:ext cx="9509760" cy="762000"/>
           </a:xfrm>
         </p:spPr>
         <p:txBody>
-          <a:bodyPr/>
-          <a:lstStyle/>
-          <a:p>
-            <a:r>
-              <a:rPr lang="en-US" dirty="0"/>
-              <a:t>Borrower Credit Score and Cancellations</a:t>
-            </a:r>
-          </a:p>
-        </p:txBody>
-      </p:sp>
-      <p:sp>
-        <p:nvSpPr>
-          <p:cNvPr id="3" name="Text Placeholder 2">
+          <a:bodyPr>
+            <a:normAutofit/>
+          </a:bodyPr>
+          <a:lstStyle/>
+          <a:p>
+            <a:pPr algn="ctr"/>
+            <a:r>
+              <a:rPr lang="en-US" sz="4000" b="1" dirty="0"/>
+              <a:t>Who is the IPFS Customer</a:t>
+            </a:r>
+          </a:p>
+        </p:txBody>
+      </p:sp>
+      <p:pic>
+        <p:nvPicPr>
+          <p:cNvPr id="5" name="Content Placeholder 4" descr="A screenshot of a cell phone&#10;&#10;Description automatically generated">
             <a:extLst>
               <a:ext uri="{FF2B5EF4-FFF2-40B4-BE49-F238E27FC236}">
-                <a16:creationId xmlns:a16="http://schemas.microsoft.com/office/drawing/2014/main" id="{0C7843A6-41C6-4D1D-8B5F-53B411859DD8}"/>
-              </a:ext>
-            </a:extLst>
-          </p:cNvPr>
-          <p:cNvSpPr>
-            <a:spLocks noGrp="1"/>
-          </p:cNvSpPr>
-          <p:nvPr>
-            <p:ph type="body" sz="half" idx="2"/>
-          </p:nvPr>
-        </p:nvSpPr>
-        <p:spPr>
-          <a:xfrm>
-            <a:off x="458787" y="4367308"/>
-            <a:ext cx="3502025" cy="1622012"/>
-          </a:xfrm>
-        </p:spPr>
-        <p:txBody>
-          <a:bodyPr/>
-          <a:lstStyle/>
-          <a:p>
-            <a:pPr marL="285750" indent="-285750">
-              <a:buFont typeface="Arial" panose="020B0604020202020204" pitchFamily="34" charset="0"/>
-              <a:buChar char="•"/>
-            </a:pPr>
-            <a:r>
-              <a:rPr lang="en-US" dirty="0"/>
-              <a:t>Borrowers with credit scores in categories 1,2 and 3 cancelled less frequently than average.</a:t>
-            </a:r>
-          </a:p>
-        </p:txBody>
-      </p:sp>
-      <p:pic>
-        <p:nvPicPr>
-          <p:cNvPr id="6" name="Content Placeholder 5">
-            <a:extLst>
-              <a:ext uri="{FF2B5EF4-FFF2-40B4-BE49-F238E27FC236}">
-                <a16:creationId xmlns:a16="http://schemas.microsoft.com/office/drawing/2014/main" id="{B4E99E0F-FEE2-4479-AC71-EA7FEC0C9A78}"/>
+                <a16:creationId xmlns:a16="http://schemas.microsoft.com/office/drawing/2014/main" id="{19E9E360-33A5-46A9-A504-CF7762E96F86}"/>
               </a:ext>
             </a:extLst>
           </p:cNvPr>
@@ -9007,15 +5990,54 @@
         </p:blipFill>
         <p:spPr>
           <a:xfrm>
-            <a:off x="4191000" y="442912"/>
-            <a:ext cx="7542213" cy="5653087"/>
+            <a:off x="228600" y="1802908"/>
+            <a:ext cx="11658600" cy="4534392"/>
           </a:xfrm>
         </p:spPr>
       </p:pic>
+      <p:sp>
+        <p:nvSpPr>
+          <p:cNvPr id="6" name="TextBox 5">
+            <a:extLst>
+              <a:ext uri="{FF2B5EF4-FFF2-40B4-BE49-F238E27FC236}">
+                <a16:creationId xmlns:a16="http://schemas.microsoft.com/office/drawing/2014/main" id="{AF30CB79-B373-4DA0-840A-EB1CC086759B}"/>
+              </a:ext>
+            </a:extLst>
+          </p:cNvPr>
+          <p:cNvSpPr txBox="1"/>
+          <p:nvPr/>
+        </p:nvSpPr>
+        <p:spPr>
+          <a:xfrm>
+            <a:off x="1337421" y="1219200"/>
+            <a:ext cx="9509760" cy="369332"/>
+          </a:xfrm>
+          <a:prstGeom prst="rect">
+            <a:avLst/>
+          </a:prstGeom>
+          <a:noFill/>
+        </p:spPr>
+        <p:txBody>
+          <a:bodyPr wrap="square" rtlCol="0">
+            <a:spAutoFit/>
+          </a:bodyPr>
+          <a:lstStyle/>
+          <a:p>
+            <a:pPr marL="285750" indent="-285750">
+              <a:buFont typeface="Arial" panose="020B0604020202020204" pitchFamily="34" charset="0"/>
+              <a:buChar char="•"/>
+            </a:pPr>
+            <a:r>
+              <a:rPr lang="en-US" dirty="0"/>
+              <a:t>Over 85 % of IPFS Customers come from just 4 industries:</a:t>
+            </a:r>
+          </a:p>
+        </p:txBody>
+      </p:sp>
     </p:spTree>
     <p:extLst>
       <p:ext uri="{BB962C8B-B14F-4D97-AF65-F5344CB8AC3E}">
-        <p14:creationId xmlns:p14="http://schemas.microsoft.com/office/powerpoint/2010/main" val="1413963474"/>
+        <p14:creationId xmlns:p14="http://schemas.microsoft.com/office/powerpoint/2010/main" val="455758777"/>
       </p:ext>
     </p:extLst>
   </p:cSld>
@@ -9056,10 +6078,10 @@
       </p:grpSpPr>
       <p:sp>
         <p:nvSpPr>
-          <p:cNvPr id="5" name="Title 4">
+          <p:cNvPr id="2" name="Title 1">
             <a:extLst>
               <a:ext uri="{FF2B5EF4-FFF2-40B4-BE49-F238E27FC236}">
-                <a16:creationId xmlns:a16="http://schemas.microsoft.com/office/drawing/2014/main" id="{75BA2EA5-BB66-407E-9DAF-966187BD9336}"/>
+                <a16:creationId xmlns:a16="http://schemas.microsoft.com/office/drawing/2014/main" id="{67035730-7B44-4B73-9323-62544C39286F}"/>
               </a:ext>
             </a:extLst>
           </p:cNvPr>
@@ -9070,146 +6092,104 @@
             <p:ph type="title"/>
           </p:nvPr>
         </p:nvSpPr>
-        <p:spPr/>
-        <p:txBody>
-          <a:bodyPr/>
-          <a:lstStyle/>
-          <a:p>
-            <a:r>
-              <a:rPr lang="en-US" dirty="0"/>
-              <a:t>Summary of Findings</a:t>
-            </a:r>
-          </a:p>
-        </p:txBody>
-      </p:sp>
-      <p:sp>
-        <p:nvSpPr>
-          <p:cNvPr id="6" name="Content Placeholder 5">
+        <p:spPr>
+          <a:xfrm>
+            <a:off x="1341120" y="152400"/>
+            <a:ext cx="9509760" cy="710184"/>
+          </a:xfrm>
+        </p:spPr>
+        <p:txBody>
+          <a:bodyPr>
+            <a:normAutofit/>
+          </a:bodyPr>
+          <a:lstStyle/>
+          <a:p>
+            <a:pPr algn="ctr"/>
+            <a:r>
+              <a:rPr lang="en-US" sz="4000" b="1" dirty="0"/>
+              <a:t>Who is the IPFS Customer</a:t>
+            </a:r>
+          </a:p>
+        </p:txBody>
+      </p:sp>
+      <p:pic>
+        <p:nvPicPr>
+          <p:cNvPr id="12" name="Content Placeholder 11">
             <a:extLst>
               <a:ext uri="{FF2B5EF4-FFF2-40B4-BE49-F238E27FC236}">
-                <a16:creationId xmlns:a16="http://schemas.microsoft.com/office/drawing/2014/main" id="{A65AD0AD-3891-4C73-8230-002BAF607EE7}"/>
+                <a16:creationId xmlns:a16="http://schemas.microsoft.com/office/drawing/2014/main" id="{EFD11288-1B4A-47B3-BF90-00F04BC9F4BA}"/>
               </a:ext>
             </a:extLst>
           </p:cNvPr>
-          <p:cNvSpPr>
-            <a:spLocks noGrp="1"/>
-          </p:cNvSpPr>
+          <p:cNvPicPr>
+            <a:picLocks noGrp="1" noChangeAspect="1"/>
+          </p:cNvPicPr>
           <p:nvPr>
             <p:ph idx="1"/>
           </p:nvPr>
-        </p:nvSpPr>
-        <p:spPr/>
-        <p:txBody>
-          <a:bodyPr>
-            <a:normAutofit fontScale="85000" lnSpcReduction="20000"/>
+        </p:nvPicPr>
+        <p:blipFill>
+          <a:blip r:embed="rId2" cstate="print">
+            <a:extLst>
+              <a:ext uri="{28A0092B-C50C-407E-A947-70E740481C1C}">
+                <a14:useLocalDpi xmlns:a14="http://schemas.microsoft.com/office/drawing/2010/main" val="0"/>
+              </a:ext>
+            </a:extLst>
+          </a:blip>
+          <a:stretch>
+            <a:fillRect/>
+          </a:stretch>
+        </p:blipFill>
+        <p:spPr>
+          <a:xfrm>
+            <a:off x="762000" y="1703127"/>
+            <a:ext cx="10820400" cy="4850073"/>
+          </a:xfrm>
+        </p:spPr>
+      </p:pic>
+      <p:sp>
+        <p:nvSpPr>
+          <p:cNvPr id="6" name="TextBox 5">
+            <a:extLst>
+              <a:ext uri="{FF2B5EF4-FFF2-40B4-BE49-F238E27FC236}">
+                <a16:creationId xmlns:a16="http://schemas.microsoft.com/office/drawing/2014/main" id="{91D3101E-CB2C-4113-B64C-43A065E41B31}"/>
+              </a:ext>
+            </a:extLst>
+          </p:cNvPr>
+          <p:cNvSpPr txBox="1"/>
+          <p:nvPr/>
+        </p:nvSpPr>
+        <p:spPr>
+          <a:xfrm>
+            <a:off x="1981200" y="959690"/>
+            <a:ext cx="8458200" cy="646331"/>
+          </a:xfrm>
+          <a:prstGeom prst="rect">
+            <a:avLst/>
+          </a:prstGeom>
+          <a:noFill/>
+        </p:spPr>
+        <p:txBody>
+          <a:bodyPr wrap="square" rtlCol="0">
+            <a:spAutoFit/>
           </a:bodyPr>
           <a:lstStyle/>
           <a:p>
+            <a:pPr marL="285750" indent="-285750">
+              <a:buFont typeface="Arial" panose="020B0604020202020204" pitchFamily="34" charset="0"/>
+              <a:buChar char="•"/>
+            </a:pPr>
             <a:r>
               <a:rPr lang="en-US" dirty="0"/>
-              <a:t>A potential profile of a safe borrower is as follows:</a:t>
-            </a:r>
-          </a:p>
-          <a:p>
-            <a:pPr lvl="1"/>
-            <a:r>
-              <a:rPr lang="en-US" dirty="0"/>
-              <a:t>Borrower Registers on the web and uses the internet to service their loan/get updates about their loan</a:t>
-            </a:r>
-          </a:p>
-          <a:p>
-            <a:pPr lvl="1"/>
-            <a:r>
-              <a:rPr lang="en-US" dirty="0"/>
-              <a:t>Borrower uses autopayments to pay their loan off</a:t>
-            </a:r>
-          </a:p>
-          <a:p>
-            <a:pPr lvl="1"/>
-            <a:r>
-              <a:rPr lang="en-US" dirty="0"/>
-              <a:t>Borrower is financially well off/has access to capital</a:t>
-            </a:r>
-          </a:p>
-          <a:p>
-            <a:pPr lvl="1"/>
-            <a:r>
-              <a:rPr lang="en-US" dirty="0"/>
-              <a:t>Borrower does not work in transportation or construction</a:t>
-            </a:r>
-          </a:p>
-          <a:p>
-            <a:pPr lvl="1"/>
-            <a:r>
-              <a:rPr lang="en-US" dirty="0"/>
-              <a:t>Borrower has average to great credit</a:t>
-            </a:r>
-          </a:p>
-          <a:p>
-            <a:pPr marL="365760" lvl="1" indent="0">
-              <a:buNone/>
-            </a:pPr>
-            <a:endParaRPr lang="en-US" dirty="0"/>
-          </a:p>
-          <a:p>
-            <a:r>
-              <a:rPr lang="en-US" dirty="0"/>
-              <a:t>A potential profile of a risky borrower is as follows:</a:t>
-            </a:r>
-          </a:p>
-          <a:p>
-            <a:pPr lvl="1"/>
-            <a:r>
-              <a:rPr lang="en-US" dirty="0"/>
-              <a:t>Borrower does not use internet to service loan/receives no electronic communications about their loan</a:t>
-            </a:r>
-          </a:p>
-          <a:p>
-            <a:pPr lvl="1"/>
-            <a:r>
-              <a:rPr lang="en-US" dirty="0"/>
-              <a:t>Borrower does not use autopayments</a:t>
-            </a:r>
-          </a:p>
-          <a:p>
-            <a:pPr lvl="1"/>
-            <a:r>
-              <a:rPr lang="en-US" dirty="0"/>
-              <a:t>Borrower takes out a smaller loan than average, possibly less access to capital</a:t>
-            </a:r>
-          </a:p>
-          <a:p>
-            <a:pPr lvl="1"/>
-            <a:r>
-              <a:rPr lang="en-US" dirty="0"/>
-              <a:t>Borrower works in transportation or construction</a:t>
-            </a:r>
-          </a:p>
-          <a:p>
-            <a:pPr lvl="1"/>
-            <a:r>
-              <a:rPr lang="en-US" dirty="0"/>
-              <a:t>Borrower has poor or no credit</a:t>
-            </a:r>
-          </a:p>
-          <a:p>
-            <a:pPr marL="365760" lvl="1" indent="0">
-              <a:buNone/>
-            </a:pPr>
-            <a:endParaRPr lang="en-US" dirty="0"/>
-          </a:p>
-          <a:p>
-            <a:pPr marL="365760" lvl="1" indent="0">
-              <a:buNone/>
-            </a:pPr>
-            <a:endParaRPr lang="en-US" dirty="0"/>
+              <a:t>Real Estate and Service make up over 50% of IPFS Customers and they have significantly below average cancellation rates.</a:t>
+            </a:r>
           </a:p>
         </p:txBody>
       </p:sp>
     </p:spTree>
     <p:extLst>
       <p:ext uri="{BB962C8B-B14F-4D97-AF65-F5344CB8AC3E}">
-        <p14:creationId xmlns:p14="http://schemas.microsoft.com/office/powerpoint/2010/main" val="3754784334"/>
+        <p14:creationId xmlns:p14="http://schemas.microsoft.com/office/powerpoint/2010/main" val="2628745054"/>
       </p:ext>
     </p:extLst>
   </p:cSld>
@@ -9253,7 +6233,7 @@
           <p:cNvPr id="2" name="Title 1">
             <a:extLst>
               <a:ext uri="{FF2B5EF4-FFF2-40B4-BE49-F238E27FC236}">
-                <a16:creationId xmlns:a16="http://schemas.microsoft.com/office/drawing/2014/main" id="{6FEA0C46-C41D-4C53-BADB-EC0AC30E62ED}"/>
+                <a16:creationId xmlns:a16="http://schemas.microsoft.com/office/drawing/2014/main" id="{5E651C9F-5D39-40E9-A9D8-BE5617EBCAD6}"/>
               </a:ext>
             </a:extLst>
           </p:cNvPr>
@@ -9264,101 +6244,104 @@
             <p:ph type="title"/>
           </p:nvPr>
         </p:nvSpPr>
-        <p:spPr/>
-        <p:txBody>
-          <a:bodyPr/>
-          <a:lstStyle/>
-          <a:p>
-            <a:r>
-              <a:rPr lang="en-US" dirty="0"/>
-              <a:t>Recommendations</a:t>
-            </a:r>
-          </a:p>
-        </p:txBody>
-      </p:sp>
-      <p:sp>
-        <p:nvSpPr>
-          <p:cNvPr id="3" name="Content Placeholder 2">
+        <p:spPr>
+          <a:xfrm>
+            <a:off x="1341120" y="112269"/>
+            <a:ext cx="9509760" cy="710184"/>
+          </a:xfrm>
+        </p:spPr>
+        <p:txBody>
+          <a:bodyPr>
+            <a:normAutofit/>
+          </a:bodyPr>
+          <a:lstStyle/>
+          <a:p>
+            <a:pPr algn="ctr"/>
+            <a:r>
+              <a:rPr lang="en-US" sz="4000" b="1" dirty="0"/>
+              <a:t>Who is the IPFS Customer</a:t>
+            </a:r>
+          </a:p>
+        </p:txBody>
+      </p:sp>
+      <p:pic>
+        <p:nvPicPr>
+          <p:cNvPr id="5" name="Content Placeholder 4" descr="A screenshot of a cell phone&#10;&#10;Description automatically generated">
             <a:extLst>
               <a:ext uri="{FF2B5EF4-FFF2-40B4-BE49-F238E27FC236}">
-                <a16:creationId xmlns:a16="http://schemas.microsoft.com/office/drawing/2014/main" id="{7F4D723A-83F0-4B9E-A546-5BD21EA5C438}"/>
+                <a16:creationId xmlns:a16="http://schemas.microsoft.com/office/drawing/2014/main" id="{F4896B8F-BA40-464D-AD9B-E67DA899EFA2}"/>
               </a:ext>
             </a:extLst>
           </p:cNvPr>
-          <p:cNvSpPr>
-            <a:spLocks noGrp="1"/>
-          </p:cNvSpPr>
+          <p:cNvPicPr>
+            <a:picLocks noGrp="1" noChangeAspect="1"/>
+          </p:cNvPicPr>
           <p:nvPr>
             <p:ph idx="1"/>
           </p:nvPr>
-        </p:nvSpPr>
-        <p:spPr/>
-        <p:txBody>
-          <a:bodyPr/>
-          <a:lstStyle/>
-          <a:p>
-            <a:pPr marL="502920" indent="-457200">
-              <a:buFont typeface="+mj-lt"/>
-              <a:buAutoNum type="arabicPeriod"/>
+        </p:nvPicPr>
+        <p:blipFill>
+          <a:blip r:embed="rId2" cstate="print">
+            <a:extLst>
+              <a:ext uri="{28A0092B-C50C-407E-A947-70E740481C1C}">
+                <a14:useLocalDpi xmlns:a14="http://schemas.microsoft.com/office/drawing/2010/main" val="0"/>
+              </a:ext>
+            </a:extLst>
+          </a:blip>
+          <a:stretch>
+            <a:fillRect/>
+          </a:stretch>
+        </p:blipFill>
+        <p:spPr>
+          <a:xfrm>
+            <a:off x="762000" y="1905000"/>
+            <a:ext cx="10744200" cy="4419600"/>
+          </a:xfrm>
+        </p:spPr>
+      </p:pic>
+      <p:sp>
+        <p:nvSpPr>
+          <p:cNvPr id="6" name="TextBox 5">
+            <a:extLst>
+              <a:ext uri="{FF2B5EF4-FFF2-40B4-BE49-F238E27FC236}">
+                <a16:creationId xmlns:a16="http://schemas.microsoft.com/office/drawing/2014/main" id="{A7A21976-ADF3-4DB4-B4A0-6C3A4797E4BF}"/>
+              </a:ext>
+            </a:extLst>
+          </p:cNvPr>
+          <p:cNvSpPr txBox="1"/>
+          <p:nvPr/>
+        </p:nvSpPr>
+        <p:spPr>
+          <a:xfrm>
+            <a:off x="1371600" y="1263134"/>
+            <a:ext cx="9601200" cy="369332"/>
+          </a:xfrm>
+          <a:prstGeom prst="rect">
+            <a:avLst/>
+          </a:prstGeom>
+          <a:noFill/>
+        </p:spPr>
+        <p:txBody>
+          <a:bodyPr wrap="square" rtlCol="0">
+            <a:spAutoFit/>
+          </a:bodyPr>
+          <a:lstStyle/>
+          <a:p>
+            <a:pPr marL="285750" indent="-285750">
+              <a:buFont typeface="Arial" panose="020B0604020202020204" pitchFamily="34" charset="0"/>
+              <a:buChar char="•"/>
             </a:pPr>
             <a:r>
               <a:rPr lang="en-US" dirty="0"/>
-              <a:t>Encourage or Require Borrowers to register on the web and use E-Forms.</a:t>
-            </a:r>
-          </a:p>
-          <a:p>
-            <a:pPr marL="502920" indent="-457200">
-              <a:buFont typeface="+mj-lt"/>
-              <a:buAutoNum type="arabicPeriod"/>
-            </a:pPr>
-            <a:r>
-              <a:rPr lang="en-US" dirty="0"/>
-              <a:t>Encourage or Require Borrowers to use autopayments</a:t>
-            </a:r>
-          </a:p>
-          <a:p>
-            <a:pPr marL="502920" indent="-457200">
-              <a:buFont typeface="+mj-lt"/>
-              <a:buAutoNum type="arabicPeriod"/>
-            </a:pPr>
-            <a:r>
-              <a:rPr lang="en-US" dirty="0"/>
-              <a:t>More thorough and detailed vetting of borrowers wanting smaller loans</a:t>
-            </a:r>
-          </a:p>
-          <a:p>
-            <a:pPr marL="502920" indent="-457200">
-              <a:buFont typeface="+mj-lt"/>
-              <a:buAutoNum type="arabicPeriod"/>
-            </a:pPr>
-            <a:r>
-              <a:rPr lang="en-US" dirty="0"/>
-              <a:t>More thorough and detailed vetting of borrowers with poor credit scores</a:t>
-            </a:r>
-          </a:p>
-          <a:p>
-            <a:pPr marL="502920" indent="-457200">
-              <a:buFont typeface="+mj-lt"/>
-              <a:buAutoNum type="arabicPeriod"/>
-            </a:pPr>
-            <a:r>
-              <a:rPr lang="en-US" dirty="0"/>
-              <a:t>More strict requirements for borrowers in Transportation or Construction</a:t>
-            </a:r>
-          </a:p>
-          <a:p>
-            <a:pPr marL="502920" indent="-457200">
-              <a:buFont typeface="+mj-lt"/>
-              <a:buAutoNum type="arabicPeriod"/>
-            </a:pPr>
-            <a:endParaRPr lang="en-US" dirty="0"/>
+              <a:t>Most customers fall in Credit Score Class 3</a:t>
+            </a:r>
           </a:p>
         </p:txBody>
       </p:sp>
     </p:spTree>
     <p:extLst>
       <p:ext uri="{BB962C8B-B14F-4D97-AF65-F5344CB8AC3E}">
-        <p14:creationId xmlns:p14="http://schemas.microsoft.com/office/powerpoint/2010/main" val="3046263863"/>
+        <p14:creationId xmlns:p14="http://schemas.microsoft.com/office/powerpoint/2010/main" val="2032076577"/>
       </p:ext>
     </p:extLst>
   </p:cSld>
@@ -9399,7 +6382,13 @@
       </p:grpSpPr>
       <p:sp>
         <p:nvSpPr>
-          <p:cNvPr id="2" name="Title 1"/>
+          <p:cNvPr id="2" name="Title 1">
+            <a:extLst>
+              <a:ext uri="{FF2B5EF4-FFF2-40B4-BE49-F238E27FC236}">
+                <a16:creationId xmlns:a16="http://schemas.microsoft.com/office/drawing/2014/main" id="{A64E8054-71AD-42E8-A3A7-D1EAF8289F5A}"/>
+              </a:ext>
+            </a:extLst>
+          </p:cNvPr>
           <p:cNvSpPr>
             <a:spLocks noGrp="1"/>
           </p:cNvSpPr>
@@ -9409,170 +6398,102 @@
         </p:nvSpPr>
         <p:spPr>
           <a:xfrm>
-            <a:off x="1341120" y="467360"/>
-            <a:ext cx="9509760" cy="1233424"/>
+            <a:off x="1341120" y="0"/>
+            <a:ext cx="9509760" cy="945007"/>
           </a:xfrm>
         </p:spPr>
         <p:txBody>
-          <a:bodyPr/>
-          <a:lstStyle/>
-          <a:p>
-            <a:r>
-              <a:rPr lang="en-US" dirty="0"/>
-              <a:t>Recap</a:t>
-            </a:r>
-          </a:p>
-        </p:txBody>
-      </p:sp>
-      <p:sp>
-        <p:nvSpPr>
-          <p:cNvPr id="3" name="Content Placeholder 2"/>
-          <p:cNvSpPr>
-            <a:spLocks noGrp="1"/>
-          </p:cNvSpPr>
+          <a:bodyPr>
+            <a:normAutofit/>
+          </a:bodyPr>
+          <a:lstStyle/>
+          <a:p>
+            <a:pPr algn="ctr"/>
+            <a:r>
+              <a:rPr lang="en-US" sz="4000" b="1" dirty="0"/>
+              <a:t>Who is the IPFS Customer</a:t>
+            </a:r>
+          </a:p>
+        </p:txBody>
+      </p:sp>
+      <p:pic>
+        <p:nvPicPr>
+          <p:cNvPr id="5" name="Content Placeholder 4">
+            <a:extLst>
+              <a:ext uri="{FF2B5EF4-FFF2-40B4-BE49-F238E27FC236}">
+                <a16:creationId xmlns:a16="http://schemas.microsoft.com/office/drawing/2014/main" id="{D39272A7-B00B-4A31-9535-97F69EE91862}"/>
+              </a:ext>
+            </a:extLst>
+          </p:cNvPr>
+          <p:cNvPicPr>
+            <a:picLocks noGrp="1" noChangeAspect="1"/>
+          </p:cNvPicPr>
           <p:nvPr>
             <p:ph idx="1"/>
           </p:nvPr>
-        </p:nvSpPr>
+        </p:nvPicPr>
+        <p:blipFill>
+          <a:blip r:embed="rId2" cstate="print">
+            <a:extLst>
+              <a:ext uri="{28A0092B-C50C-407E-A947-70E740481C1C}">
+                <a14:useLocalDpi xmlns:a14="http://schemas.microsoft.com/office/drawing/2010/main" val="0"/>
+              </a:ext>
+            </a:extLst>
+          </a:blip>
+          <a:stretch>
+            <a:fillRect/>
+          </a:stretch>
+        </p:blipFill>
         <p:spPr>
           <a:xfrm>
-            <a:off x="914400" y="1700784"/>
-            <a:ext cx="9936480" cy="4328795"/>
+            <a:off x="381000" y="1901824"/>
+            <a:ext cx="10972800" cy="4575175"/>
           </a:xfrm>
         </p:spPr>
-        <p:txBody>
-          <a:bodyPr>
-            <a:normAutofit lnSpcReduction="10000"/>
+      </p:pic>
+      <p:sp>
+        <p:nvSpPr>
+          <p:cNvPr id="6" name="TextBox 5">
+            <a:extLst>
+              <a:ext uri="{FF2B5EF4-FFF2-40B4-BE49-F238E27FC236}">
+                <a16:creationId xmlns:a16="http://schemas.microsoft.com/office/drawing/2014/main" id="{FB450F59-1F3F-4FE8-A931-2E18BB539D66}"/>
+              </a:ext>
+            </a:extLst>
+          </p:cNvPr>
+          <p:cNvSpPr txBox="1"/>
+          <p:nvPr/>
+        </p:nvSpPr>
+        <p:spPr>
+          <a:xfrm>
+            <a:off x="1341120" y="1066800"/>
+            <a:ext cx="9509760" cy="369332"/>
+          </a:xfrm>
+          <a:prstGeom prst="rect">
+            <a:avLst/>
+          </a:prstGeom>
+          <a:noFill/>
+        </p:spPr>
+        <p:txBody>
+          <a:bodyPr wrap="square" rtlCol="0">
+            <a:spAutoFit/>
           </a:bodyPr>
           <a:lstStyle/>
           <a:p>
+            <a:pPr marL="285750" indent="-285750">
+              <a:buFont typeface="Arial" panose="020B0604020202020204" pitchFamily="34" charset="0"/>
+              <a:buChar char="•"/>
+            </a:pPr>
             <a:r>
               <a:rPr lang="en-US" dirty="0"/>
-              <a:t>Loan Cancellation Rate has remained static over time despite increased loan volume.</a:t>
-            </a:r>
-          </a:p>
-          <a:p>
-            <a:r>
-              <a:rPr lang="en-US" dirty="0"/>
-              <a:t>6 Most Important Variables are:</a:t>
-            </a:r>
-          </a:p>
-          <a:p>
-            <a:pPr marL="822960" lvl="1" indent="-457200">
-              <a:buFont typeface="+mj-lt"/>
-              <a:buAutoNum type="arabicPeriod"/>
-            </a:pPr>
-            <a:r>
-              <a:rPr lang="en-US" sz="1400" dirty="0"/>
-              <a:t>Borrower Web Registration</a:t>
-            </a:r>
-          </a:p>
-          <a:p>
-            <a:pPr marL="822960" lvl="1" indent="-457200">
-              <a:buFont typeface="+mj-lt"/>
-              <a:buAutoNum type="arabicPeriod"/>
-            </a:pPr>
-            <a:r>
-              <a:rPr lang="en-US" sz="1400" dirty="0"/>
-              <a:t>Borrower uses Autopayments</a:t>
-            </a:r>
-          </a:p>
-          <a:p>
-            <a:pPr marL="822960" lvl="1" indent="-457200">
-              <a:buFont typeface="+mj-lt"/>
-              <a:buAutoNum type="arabicPeriod"/>
-            </a:pPr>
-            <a:r>
-              <a:rPr lang="en-US" sz="1400" dirty="0"/>
-              <a:t>Borrower Registered for E-Forms</a:t>
-            </a:r>
-          </a:p>
-          <a:p>
-            <a:pPr marL="822960" lvl="1" indent="-457200">
-              <a:buFont typeface="+mj-lt"/>
-              <a:buAutoNum type="arabicPeriod"/>
-            </a:pPr>
-            <a:r>
-              <a:rPr lang="en-US" sz="1400" dirty="0"/>
-              <a:t>Loan Amount/Premium</a:t>
-            </a:r>
-          </a:p>
-          <a:p>
-            <a:pPr marL="822960" lvl="1" indent="-457200">
-              <a:buFont typeface="+mj-lt"/>
-              <a:buAutoNum type="arabicPeriod"/>
-            </a:pPr>
-            <a:r>
-              <a:rPr lang="en-US" sz="1400" dirty="0"/>
-              <a:t>Borrower Classification/Industry</a:t>
-            </a:r>
-          </a:p>
-          <a:p>
-            <a:pPr marL="822960" lvl="1" indent="-457200">
-              <a:buFont typeface="+mj-lt"/>
-              <a:buAutoNum type="arabicPeriod"/>
-            </a:pPr>
-            <a:r>
-              <a:rPr lang="en-US" sz="1400" dirty="0"/>
-              <a:t>Borrower Credit Score</a:t>
-            </a:r>
-          </a:p>
-          <a:p>
-            <a:r>
-              <a:rPr lang="en-US" dirty="0"/>
-              <a:t>We recommend that IPFS enact the following if possible:</a:t>
-            </a:r>
-          </a:p>
-          <a:p>
-            <a:pPr lvl="1"/>
-            <a:r>
-              <a:rPr lang="en-US" dirty="0"/>
-              <a:t>Encourage or Require Borrowers to register on the web, use E-Forms, and use autopay.</a:t>
-            </a:r>
-          </a:p>
-          <a:p>
-            <a:pPr lvl="1"/>
-            <a:r>
-              <a:rPr lang="en-US" dirty="0"/>
-              <a:t>More thorough and detailed vetting of borrowers who meet some or all of the criteria described previously that characterize a risky borrower.</a:t>
-            </a:r>
-          </a:p>
-          <a:p>
-            <a:pPr lvl="1"/>
-            <a:r>
-              <a:rPr lang="en-US" dirty="0"/>
-              <a:t>More stringent loan terms for borrowers in Transportation or Construction.</a:t>
-            </a:r>
-          </a:p>
-          <a:p>
-            <a:pPr marL="365760" lvl="1" indent="0">
-              <a:buNone/>
-            </a:pPr>
-            <a:endParaRPr lang="en-US" dirty="0"/>
-          </a:p>
-          <a:p>
-            <a:pPr marL="365760" lvl="1" indent="0">
-              <a:buNone/>
-            </a:pPr>
-            <a:endParaRPr lang="en-US" dirty="0"/>
-          </a:p>
-          <a:p>
-            <a:pPr lvl="1"/>
-            <a:endParaRPr lang="en-US" dirty="0"/>
-          </a:p>
-          <a:p>
-            <a:endParaRPr lang="en-US" b="1" dirty="0">
-              <a:solidFill>
-                <a:srgbClr val="FF0000"/>
-              </a:solidFill>
-            </a:endParaRPr>
+              <a:t>More credit worthy borrowers tend to borrow larger amounts, except class 5 borrowers.</a:t>
+            </a:r>
           </a:p>
         </p:txBody>
       </p:sp>
     </p:spTree>
     <p:extLst>
       <p:ext uri="{BB962C8B-B14F-4D97-AF65-F5344CB8AC3E}">
-        <p14:creationId xmlns:p14="http://schemas.microsoft.com/office/powerpoint/2010/main" val="3433901536"/>
+        <p14:creationId xmlns:p14="http://schemas.microsoft.com/office/powerpoint/2010/main" val="574662839"/>
       </p:ext>
     </p:extLst>
   </p:cSld>
@@ -9613,10 +6534,10 @@
       </p:grpSpPr>
       <p:sp>
         <p:nvSpPr>
-          <p:cNvPr id="2" name="Title 1">
+          <p:cNvPr id="4" name="Title 3">
             <a:extLst>
               <a:ext uri="{FF2B5EF4-FFF2-40B4-BE49-F238E27FC236}">
-                <a16:creationId xmlns:a16="http://schemas.microsoft.com/office/drawing/2014/main" id="{7819F700-A5AD-4D4D-8ACB-AD161816F58B}"/>
+                <a16:creationId xmlns:a16="http://schemas.microsoft.com/office/drawing/2014/main" id="{DD2F095E-72DD-4462-8E79-FC3FFA3AB2E0}"/>
               </a:ext>
             </a:extLst>
           </p:cNvPr>
@@ -9627,24 +6548,29 @@
             <p:ph type="title"/>
           </p:nvPr>
         </p:nvSpPr>
-        <p:spPr/>
+        <p:spPr>
+          <a:xfrm>
+            <a:off x="228600" y="1143000"/>
+            <a:ext cx="11811000" cy="2667000"/>
+          </a:xfrm>
+        </p:spPr>
         <p:txBody>
           <a:bodyPr/>
           <a:lstStyle/>
           <a:p>
             <a:r>
               <a:rPr lang="en-US" dirty="0"/>
-              <a:t>Questions?</a:t>
-            </a:r>
-          </a:p>
-        </p:txBody>
-      </p:sp>
-      <p:sp>
-        <p:nvSpPr>
-          <p:cNvPr id="3" name="Content Placeholder 2">
+              <a:t>Logit Model Results and Rationale</a:t>
+            </a:r>
+          </a:p>
+        </p:txBody>
+      </p:sp>
+      <p:sp>
+        <p:nvSpPr>
+          <p:cNvPr id="5" name="Text Placeholder 4">
             <a:extLst>
               <a:ext uri="{FF2B5EF4-FFF2-40B4-BE49-F238E27FC236}">
-                <a16:creationId xmlns:a16="http://schemas.microsoft.com/office/drawing/2014/main" id="{85D68A25-014C-41D8-8D20-D1BEBD38C044}"/>
+                <a16:creationId xmlns:a16="http://schemas.microsoft.com/office/drawing/2014/main" id="{9A005BEE-DF4A-44B6-98C1-1A768587E34D}"/>
               </a:ext>
             </a:extLst>
           </p:cNvPr>
@@ -9652,7 +6578,7 @@
             <a:spLocks noGrp="1"/>
           </p:cNvSpPr>
           <p:nvPr>
-            <p:ph idx="1"/>
+            <p:ph type="body" idx="1"/>
           </p:nvPr>
         </p:nvSpPr>
         <p:spPr/>
@@ -9660,14 +6586,14 @@
           <a:bodyPr/>
           <a:lstStyle/>
           <a:p>
-            <a:endParaRPr lang="en-US" dirty="0"/>
+            <a:endParaRPr lang="en-US"/>
           </a:p>
         </p:txBody>
       </p:sp>
     </p:spTree>
     <p:extLst>
       <p:ext uri="{BB962C8B-B14F-4D97-AF65-F5344CB8AC3E}">
-        <p14:creationId xmlns:p14="http://schemas.microsoft.com/office/powerpoint/2010/main" val="1058660563"/>
+        <p14:creationId xmlns:p14="http://schemas.microsoft.com/office/powerpoint/2010/main" val="2043406435"/>
       </p:ext>
     </p:extLst>
   </p:cSld>
@@ -9708,7 +6634,13 @@
       </p:grpSpPr>
       <p:sp>
         <p:nvSpPr>
-          <p:cNvPr id="2" name="Title 1"/>
+          <p:cNvPr id="4" name="Title 3">
+            <a:extLst>
+              <a:ext uri="{FF2B5EF4-FFF2-40B4-BE49-F238E27FC236}">
+                <a16:creationId xmlns:a16="http://schemas.microsoft.com/office/drawing/2014/main" id="{74C04A17-BD0C-485A-AADD-74EE78872325}"/>
+              </a:ext>
+            </a:extLst>
+          </p:cNvPr>
           <p:cNvSpPr>
             <a:spLocks noGrp="1"/>
           </p:cNvSpPr>
@@ -9716,83 +6648,368 @@
             <p:ph type="title"/>
           </p:nvPr>
         </p:nvSpPr>
+        <p:spPr>
+          <a:xfrm>
+            <a:off x="1341120" y="392239"/>
+            <a:ext cx="9509760" cy="872363"/>
+          </a:xfrm>
+        </p:spPr>
+        <p:txBody>
+          <a:bodyPr>
+            <a:normAutofit/>
+          </a:bodyPr>
+          <a:lstStyle/>
+          <a:p>
+            <a:pPr algn="ctr"/>
+            <a:r>
+              <a:rPr lang="en-US" sz="4000" b="1" dirty="0"/>
+              <a:t>Why Use A Logit Model?</a:t>
+            </a:r>
+          </a:p>
+        </p:txBody>
+      </p:sp>
+      <p:sp>
+        <p:nvSpPr>
+          <p:cNvPr id="5" name="Content Placeholder 4">
+            <a:extLst>
+              <a:ext uri="{FF2B5EF4-FFF2-40B4-BE49-F238E27FC236}">
+                <a16:creationId xmlns:a16="http://schemas.microsoft.com/office/drawing/2014/main" id="{521D1D85-3ADD-4974-9C21-AEC44082E24E}"/>
+              </a:ext>
+            </a:extLst>
+          </p:cNvPr>
+          <p:cNvSpPr>
+            <a:spLocks noGrp="1"/>
+          </p:cNvSpPr>
+          <p:nvPr>
+            <p:ph idx="1"/>
+          </p:nvPr>
+        </p:nvSpPr>
         <p:spPr/>
         <p:txBody>
-          <a:bodyPr/>
-          <a:lstStyle/>
-          <a:p>
-            <a:r>
-              <a:rPr lang="en-US" dirty="0"/>
-              <a:t>Evaluation</a:t>
+          <a:bodyPr>
+            <a:normAutofit/>
+          </a:bodyPr>
+          <a:lstStyle/>
+          <a:p>
+            <a:pPr marL="502920" indent="-457200">
+              <a:buFont typeface="+mj-lt"/>
+              <a:buAutoNum type="arabicPeriod"/>
+            </a:pPr>
+            <a:r>
+              <a:rPr lang="en-US" sz="3200" dirty="0"/>
+              <a:t>Simplicity</a:t>
+            </a:r>
+          </a:p>
+          <a:p>
+            <a:pPr marL="502920" indent="-457200">
+              <a:buFont typeface="+mj-lt"/>
+              <a:buAutoNum type="arabicPeriod"/>
+            </a:pPr>
+            <a:r>
+              <a:rPr lang="en-US" sz="3200" dirty="0"/>
+              <a:t>Computational Efficiency</a:t>
+            </a:r>
+          </a:p>
+          <a:p>
+            <a:pPr marL="502920" indent="-457200">
+              <a:buFont typeface="+mj-lt"/>
+              <a:buAutoNum type="arabicPeriod"/>
+            </a:pPr>
+            <a:r>
+              <a:rPr lang="en-US" sz="3200" dirty="0"/>
+              <a:t>Interpretability of Results</a:t>
+            </a:r>
+          </a:p>
+        </p:txBody>
+      </p:sp>
+    </p:spTree>
+    <p:extLst>
+      <p:ext uri="{BB962C8B-B14F-4D97-AF65-F5344CB8AC3E}">
+        <p14:creationId xmlns:p14="http://schemas.microsoft.com/office/powerpoint/2010/main" val="2440577083"/>
+      </p:ext>
+    </p:extLst>
+  </p:cSld>
+  <p:clrMapOvr>
+    <a:masterClrMapping/>
+  </p:clrMapOvr>
+  <mc:AlternateContent xmlns:mc="http://schemas.openxmlformats.org/markup-compatibility/2006" xmlns:p14="http://schemas.microsoft.com/office/powerpoint/2010/main">
+    <mc:Choice Requires="p14">
+      <p:transition spd="med" p14:dur="700">
+        <p:fade/>
+      </p:transition>
+    </mc:Choice>
+    <mc:Fallback xmlns="">
+      <p:transition spd="med">
+        <p:fade/>
+      </p:transition>
+    </mc:Fallback>
+  </mc:AlternateContent>
+</p:sld>
+</file>
+
+<file path=ppt/slides/slide18.xml><?xml version="1.0" encoding="utf-8"?>
+<p:sld xmlns:a="http://schemas.openxmlformats.org/drawingml/2006/main" xmlns:r="http://schemas.openxmlformats.org/officeDocument/2006/relationships" xmlns:p="http://schemas.openxmlformats.org/presentationml/2006/main">
+  <p:cSld>
+    <p:spTree>
+      <p:nvGrpSpPr>
+        <p:cNvPr id="1" name=""/>
+        <p:cNvGrpSpPr/>
+        <p:nvPr/>
+      </p:nvGrpSpPr>
+      <p:grpSpPr>
+        <a:xfrm>
+          <a:off x="0" y="0"/>
+          <a:ext cx="0" cy="0"/>
+          <a:chOff x="0" y="0"/>
+          <a:chExt cx="0" cy="0"/>
+        </a:xfrm>
+      </p:grpSpPr>
+      <p:sp>
+        <p:nvSpPr>
+          <p:cNvPr id="2" name="Title 1">
+            <a:extLst>
+              <a:ext uri="{FF2B5EF4-FFF2-40B4-BE49-F238E27FC236}">
+                <a16:creationId xmlns:a16="http://schemas.microsoft.com/office/drawing/2014/main" id="{7D478DC8-2E89-4CD6-8922-19498E111AC8}"/>
+              </a:ext>
+            </a:extLst>
+          </p:cNvPr>
+          <p:cNvSpPr>
+            <a:spLocks noGrp="1"/>
+          </p:cNvSpPr>
+          <p:nvPr>
+            <p:ph type="title"/>
+          </p:nvPr>
+        </p:nvSpPr>
+        <p:spPr>
+          <a:xfrm>
+            <a:off x="1341120" y="304800"/>
+            <a:ext cx="9509760" cy="675640"/>
+          </a:xfrm>
+        </p:spPr>
+        <p:txBody>
+          <a:bodyPr>
+            <a:normAutofit/>
+          </a:bodyPr>
+          <a:lstStyle/>
+          <a:p>
+            <a:pPr algn="ctr"/>
+            <a:r>
+              <a:rPr lang="en-US" sz="4000" b="1" dirty="0"/>
+              <a:t>Full List of Factors Used in Logit Model</a:t>
             </a:r>
           </a:p>
         </p:txBody>
       </p:sp>
       <p:pic>
         <p:nvPicPr>
-          <p:cNvPr id="4" name="Picture 3">
+          <p:cNvPr id="5" name="Content Placeholder 4" descr="A screenshot of a cell phone&#10;&#10;Description automatically generated">
             <a:extLst>
               <a:ext uri="{FF2B5EF4-FFF2-40B4-BE49-F238E27FC236}">
-                <a16:creationId xmlns:a16="http://schemas.microsoft.com/office/drawing/2014/main" id="{6A208323-8E62-4ABF-8156-398761361207}"/>
+                <a16:creationId xmlns:a16="http://schemas.microsoft.com/office/drawing/2014/main" id="{830FB1FF-FADC-4D88-86B3-8612A4405256}"/>
               </a:ext>
             </a:extLst>
           </p:cNvPr>
           <p:cNvPicPr>
-            <a:picLocks noChangeAspect="1"/>
+            <a:picLocks noGrp="1" noChangeAspect="1"/>
           </p:cNvPicPr>
-          <p:nvPr/>
+          <p:nvPr>
+            <p:ph idx="1"/>
+          </p:nvPr>
         </p:nvPicPr>
         <p:blipFill>
-          <a:blip r:embed="rId3"/>
+          <a:blip r:embed="rId2">
+            <a:extLst>
+              <a:ext uri="{28A0092B-C50C-407E-A947-70E740481C1C}">
+                <a14:useLocalDpi xmlns:a14="http://schemas.microsoft.com/office/drawing/2010/main" val="0"/>
+              </a:ext>
+            </a:extLst>
+          </a:blip>
           <a:stretch>
             <a:fillRect/>
           </a:stretch>
         </p:blipFill>
         <p:spPr>
           <a:xfrm>
-            <a:off x="8458200" y="-381000"/>
-            <a:ext cx="7261154" cy="4784718"/>
+            <a:off x="0" y="1066800"/>
+            <a:ext cx="12192000" cy="5562600"/>
           </a:xfrm>
-          <a:prstGeom prst="rect">
-            <a:avLst/>
-          </a:prstGeom>
         </p:spPr>
       </p:pic>
-      <p:graphicFrame>
-        <p:nvGraphicFramePr>
-          <p:cNvPr id="7" name="Content Placeholder 6">
+    </p:spTree>
+    <p:extLst>
+      <p:ext uri="{BB962C8B-B14F-4D97-AF65-F5344CB8AC3E}">
+        <p14:creationId xmlns:p14="http://schemas.microsoft.com/office/powerpoint/2010/main" val="837211067"/>
+      </p:ext>
+    </p:extLst>
+  </p:cSld>
+  <p:clrMapOvr>
+    <a:masterClrMapping/>
+  </p:clrMapOvr>
+  <mc:AlternateContent xmlns:mc="http://schemas.openxmlformats.org/markup-compatibility/2006" xmlns:p14="http://schemas.microsoft.com/office/powerpoint/2010/main">
+    <mc:Choice Requires="p14">
+      <p:transition spd="med" p14:dur="700">
+        <p:fade/>
+      </p:transition>
+    </mc:Choice>
+    <mc:Fallback xmlns="">
+      <p:transition spd="med">
+        <p:fade/>
+      </p:transition>
+    </mc:Fallback>
+  </mc:AlternateContent>
+</p:sld>
+</file>
+
+<file path=ppt/slides/slide19.xml><?xml version="1.0" encoding="utf-8"?>
+<p:sld xmlns:a="http://schemas.openxmlformats.org/drawingml/2006/main" xmlns:r="http://schemas.openxmlformats.org/officeDocument/2006/relationships" xmlns:p="http://schemas.openxmlformats.org/presentationml/2006/main">
+  <p:cSld>
+    <p:spTree>
+      <p:nvGrpSpPr>
+        <p:cNvPr id="1" name=""/>
+        <p:cNvGrpSpPr/>
+        <p:nvPr/>
+      </p:nvGrpSpPr>
+      <p:grpSpPr>
+        <a:xfrm>
+          <a:off x="0" y="0"/>
+          <a:ext cx="0" cy="0"/>
+          <a:chOff x="0" y="0"/>
+          <a:chExt cx="0" cy="0"/>
+        </a:xfrm>
+      </p:grpSpPr>
+      <p:sp>
+        <p:nvSpPr>
+          <p:cNvPr id="5" name="Title 4">
             <a:extLst>
               <a:ext uri="{FF2B5EF4-FFF2-40B4-BE49-F238E27FC236}">
-                <a16:creationId xmlns:a16="http://schemas.microsoft.com/office/drawing/2014/main" id="{4D038C5E-A3D2-434A-B7E5-BBFCAA796734}"/>
+                <a16:creationId xmlns:a16="http://schemas.microsoft.com/office/drawing/2014/main" id="{F0D54BC4-85EC-4B5C-9860-CC7B3B7F454D}"/>
               </a:ext>
             </a:extLst>
           </p:cNvPr>
-          <p:cNvGraphicFramePr>
-            <a:graphicFrameLocks noGrp="1"/>
-          </p:cNvGraphicFramePr>
+          <p:cNvSpPr>
+            <a:spLocks noGrp="1"/>
+          </p:cNvSpPr>
+          <p:nvPr>
+            <p:ph type="title"/>
+          </p:nvPr>
+        </p:nvSpPr>
+        <p:spPr>
+          <a:xfrm>
+            <a:off x="1341120" y="467360"/>
+            <a:ext cx="10012680" cy="1233424"/>
+          </a:xfrm>
+        </p:spPr>
+        <p:txBody>
+          <a:bodyPr>
+            <a:normAutofit/>
+          </a:bodyPr>
+          <a:lstStyle/>
+          <a:p>
+            <a:r>
+              <a:rPr lang="en-US" sz="4000" b="1" dirty="0"/>
+              <a:t>7 Most Important Predictors of Cancellation</a:t>
+            </a:r>
+          </a:p>
+        </p:txBody>
+      </p:sp>
+      <p:sp>
+        <p:nvSpPr>
+          <p:cNvPr id="6" name="Content Placeholder 5">
+            <a:extLst>
+              <a:ext uri="{FF2B5EF4-FFF2-40B4-BE49-F238E27FC236}">
+                <a16:creationId xmlns:a16="http://schemas.microsoft.com/office/drawing/2014/main" id="{A0C10088-11DD-4A8F-9C8C-6994DC8DBFFE}"/>
+              </a:ext>
+            </a:extLst>
+          </p:cNvPr>
+          <p:cNvSpPr>
+            <a:spLocks noGrp="1"/>
+          </p:cNvSpPr>
           <p:nvPr>
             <p:ph idx="1"/>
-            <p:extLst>
-              <p:ext uri="{D42A27DB-BD31-4B8C-83A1-F6EECF244321}">
-                <p14:modId xmlns:p14="http://schemas.microsoft.com/office/powerpoint/2010/main" val="1581838165"/>
-              </p:ext>
-            </p:extLst>
-          </p:nvPr>
-        </p:nvGraphicFramePr>
-        <p:xfrm>
-          <a:off x="1341438" y="1901825"/>
-          <a:ext cx="9509125" cy="4127500"/>
-        </p:xfrm>
-        <a:graphic>
-          <a:graphicData uri="http://schemas.openxmlformats.org/drawingml/2006/diagram">
-            <dgm:relIds xmlns:dgm="http://schemas.openxmlformats.org/drawingml/2006/diagram" xmlns:r="http://schemas.openxmlformats.org/officeDocument/2006/relationships" r:dm="rId4" r:lo="rId5" r:qs="rId6" r:cs="rId7"/>
-          </a:graphicData>
-        </a:graphic>
-      </p:graphicFrame>
+          </p:nvPr>
+        </p:nvSpPr>
+        <p:spPr/>
+        <p:txBody>
+          <a:bodyPr>
+            <a:normAutofit fontScale="92500" lnSpcReduction="10000"/>
+          </a:bodyPr>
+          <a:lstStyle/>
+          <a:p>
+            <a:pPr marL="502920" indent="-457200">
+              <a:buFont typeface="+mj-lt"/>
+              <a:buAutoNum type="arabicPeriod"/>
+            </a:pPr>
+            <a:r>
+              <a:rPr lang="en-US" sz="3200" dirty="0"/>
+              <a:t>Number of Payments Received</a:t>
+            </a:r>
+          </a:p>
+          <a:p>
+            <a:pPr marL="502920" indent="-457200">
+              <a:buFont typeface="+mj-lt"/>
+              <a:buAutoNum type="arabicPeriod"/>
+            </a:pPr>
+            <a:r>
+              <a:rPr lang="en-US" sz="3200" dirty="0"/>
+              <a:t>Default Charge Amount</a:t>
+            </a:r>
+          </a:p>
+          <a:p>
+            <a:pPr marL="502920" indent="-457200">
+              <a:buFont typeface="+mj-lt"/>
+              <a:buAutoNum type="arabicPeriod"/>
+            </a:pPr>
+            <a:r>
+              <a:rPr lang="en-US" sz="3200" dirty="0"/>
+              <a:t>Agent Loan Cancellation Rate</a:t>
+            </a:r>
+          </a:p>
+          <a:p>
+            <a:pPr marL="502920" indent="-457200">
+              <a:buFont typeface="+mj-lt"/>
+              <a:buAutoNum type="arabicPeriod"/>
+            </a:pPr>
+            <a:r>
+              <a:rPr lang="en-US" sz="3200" dirty="0"/>
+              <a:t>Borrower Registered on Web</a:t>
+            </a:r>
+          </a:p>
+          <a:p>
+            <a:pPr marL="502920" indent="-457200">
+              <a:buFont typeface="+mj-lt"/>
+              <a:buAutoNum type="arabicPeriod"/>
+            </a:pPr>
+            <a:r>
+              <a:rPr lang="en-US" sz="3200" dirty="0"/>
+              <a:t>Borrower Credit Score</a:t>
+            </a:r>
+          </a:p>
+          <a:p>
+            <a:pPr marL="502920" indent="-457200">
+              <a:buFont typeface="+mj-lt"/>
+              <a:buAutoNum type="arabicPeriod"/>
+            </a:pPr>
+            <a:r>
+              <a:rPr lang="en-US" sz="3200" dirty="0"/>
+              <a:t>Bad Borrower Flag</a:t>
+            </a:r>
+          </a:p>
+          <a:p>
+            <a:pPr marL="502920" indent="-457200">
+              <a:buFont typeface="+mj-lt"/>
+              <a:buAutoNum type="arabicPeriod"/>
+            </a:pPr>
+            <a:r>
+              <a:rPr lang="en-US" sz="3200" dirty="0"/>
+              <a:t>Problematic/Risky Zip Code</a:t>
+            </a:r>
+          </a:p>
+        </p:txBody>
+      </p:sp>
     </p:spTree>
     <p:extLst>
       <p:ext uri="{BB962C8B-B14F-4D97-AF65-F5344CB8AC3E}">
-        <p14:creationId xmlns:p14="http://schemas.microsoft.com/office/powerpoint/2010/main" val="702783850"/>
+        <p14:creationId xmlns:p14="http://schemas.microsoft.com/office/powerpoint/2010/main" val="2801344521"/>
       </p:ext>
     </p:extLst>
   </p:cSld>
@@ -9867,70 +7084,190 @@
         </p:nvSpPr>
         <p:spPr/>
         <p:txBody>
-          <a:bodyPr/>
+          <a:bodyPr>
+            <a:normAutofit fontScale="25000" lnSpcReduction="20000"/>
+          </a:bodyPr>
           <a:lstStyle/>
           <a:p>
             <a:pPr marL="502920" indent="-457200">
+              <a:lnSpc>
+                <a:spcPct val="120000"/>
+              </a:lnSpc>
               <a:buFont typeface="+mj-lt"/>
               <a:buAutoNum type="arabicPeriod"/>
             </a:pPr>
             <a:r>
-              <a:rPr lang="en-US" sz="4000" dirty="0"/>
+              <a:rPr lang="en-US" sz="6400" b="1" dirty="0"/>
               <a:t>Project Overview and Goals</a:t>
             </a:r>
           </a:p>
           <a:p>
             <a:pPr marL="502920" indent="-457200">
+              <a:lnSpc>
+                <a:spcPct val="120000"/>
+              </a:lnSpc>
               <a:buFont typeface="+mj-lt"/>
               <a:buAutoNum type="arabicPeriod"/>
             </a:pPr>
             <a:r>
-              <a:rPr lang="en-US" sz="4000" dirty="0"/>
-              <a:t>Results and Key Findings</a:t>
-            </a:r>
-          </a:p>
-          <a:p>
-            <a:pPr marL="502920" indent="-457200">
+              <a:rPr lang="en-US" sz="6400" b="1" dirty="0"/>
+              <a:t>Data Definitions:</a:t>
+            </a:r>
+          </a:p>
+          <a:p>
+            <a:pPr marL="822960" lvl="1" indent="-457200">
+              <a:lnSpc>
+                <a:spcPct val="120000"/>
+              </a:lnSpc>
               <a:buFont typeface="+mj-lt"/>
               <a:buAutoNum type="arabicPeriod"/>
             </a:pPr>
             <a:r>
-              <a:rPr lang="en-US" sz="4000" dirty="0"/>
-              <a:t>Recommendations </a:t>
+              <a:rPr lang="en-US" sz="6400" b="1" dirty="0"/>
+              <a:t>Explanation of variables</a:t>
+            </a:r>
+          </a:p>
+          <a:p>
+            <a:pPr marL="822960" lvl="1" indent="-457200">
+              <a:lnSpc>
+                <a:spcPct val="120000"/>
+              </a:lnSpc>
+              <a:buFont typeface="+mj-lt"/>
+              <a:buAutoNum type="arabicPeriod"/>
+            </a:pPr>
+            <a:r>
+              <a:rPr lang="en-US" sz="6400" b="1" dirty="0"/>
+              <a:t>Dealing with Class Imbalance</a:t>
+            </a:r>
+          </a:p>
+          <a:p>
+            <a:pPr marL="502920" indent="-457200">
+              <a:lnSpc>
+                <a:spcPct val="120000"/>
+              </a:lnSpc>
+              <a:buFont typeface="+mj-lt"/>
+              <a:buAutoNum type="arabicPeriod"/>
+            </a:pPr>
+            <a:r>
+              <a:rPr lang="en-US" sz="6400" b="1" dirty="0"/>
+              <a:t>Results and Key Findings:</a:t>
+            </a:r>
+          </a:p>
+          <a:p>
+            <a:pPr marL="822960" lvl="1" indent="-457200">
+              <a:lnSpc>
+                <a:spcPct val="120000"/>
+              </a:lnSpc>
+              <a:buFont typeface="+mj-lt"/>
+              <a:buAutoNum type="arabicPeriod"/>
+            </a:pPr>
+            <a:r>
+              <a:rPr lang="en-US" sz="6400" b="1" dirty="0"/>
+              <a:t>EDA: Who is the IPFS Customer?</a:t>
+            </a:r>
+          </a:p>
+          <a:p>
+            <a:pPr marL="822960" lvl="1" indent="-457200">
+              <a:lnSpc>
+                <a:spcPct val="120000"/>
+              </a:lnSpc>
+              <a:buFont typeface="+mj-lt"/>
+              <a:buAutoNum type="arabicPeriod"/>
+            </a:pPr>
+            <a:r>
+              <a:rPr lang="en-US" sz="6400" b="1" dirty="0"/>
+              <a:t>Logit Model Results and Rationale</a:t>
+            </a:r>
+          </a:p>
+          <a:p>
+            <a:pPr marL="822960" lvl="1" indent="-457200">
+              <a:lnSpc>
+                <a:spcPct val="120000"/>
+              </a:lnSpc>
+              <a:buFont typeface="+mj-lt"/>
+              <a:buAutoNum type="arabicPeriod"/>
+            </a:pPr>
+            <a:r>
+              <a:rPr lang="en-US" sz="6400" b="1" dirty="0"/>
+              <a:t>Top 7 Key Predictors of Cancellation</a:t>
+            </a:r>
+          </a:p>
+          <a:p>
+            <a:pPr marL="822960" lvl="1" indent="-457200">
+              <a:lnSpc>
+                <a:spcPct val="120000"/>
+              </a:lnSpc>
+              <a:buFont typeface="+mj-lt"/>
+              <a:buAutoNum type="arabicPeriod"/>
+            </a:pPr>
+            <a:r>
+              <a:rPr lang="en-US" sz="6400" b="1" dirty="0"/>
+              <a:t>Predictive Models Used</a:t>
+            </a:r>
+          </a:p>
+          <a:p>
+            <a:pPr marL="502920" indent="-457200">
+              <a:lnSpc>
+                <a:spcPct val="120000"/>
+              </a:lnSpc>
+              <a:buFont typeface="+mj-lt"/>
+              <a:buAutoNum type="arabicPeriod"/>
+            </a:pPr>
+            <a:r>
+              <a:rPr lang="en-US" sz="6400" b="1" dirty="0"/>
+              <a:t>Summary of Findings and Recommendations </a:t>
             </a:r>
           </a:p>
           <a:p>
             <a:pPr marL="45720" indent="0">
+              <a:lnSpc>
+                <a:spcPct val="120000"/>
+              </a:lnSpc>
               <a:buNone/>
             </a:pPr>
             <a:endParaRPr lang="en-US" dirty="0"/>
           </a:p>
           <a:p>
             <a:pPr marL="45720" indent="0">
+              <a:lnSpc>
+                <a:spcPct val="120000"/>
+              </a:lnSpc>
               <a:buNone/>
             </a:pPr>
             <a:endParaRPr lang="en-US" dirty="0"/>
           </a:p>
           <a:p>
             <a:pPr marL="45720" indent="0">
+              <a:lnSpc>
+                <a:spcPct val="120000"/>
+              </a:lnSpc>
               <a:buNone/>
             </a:pPr>
             <a:endParaRPr lang="en-US" dirty="0"/>
           </a:p>
           <a:p>
             <a:pPr marL="45720" indent="0">
+              <a:lnSpc>
+                <a:spcPct val="120000"/>
+              </a:lnSpc>
               <a:buNone/>
             </a:pPr>
             <a:endParaRPr lang="en-US" dirty="0"/>
           </a:p>
           <a:p>
             <a:pPr marL="45720" indent="0">
+              <a:lnSpc>
+                <a:spcPct val="120000"/>
+              </a:lnSpc>
               <a:buNone/>
             </a:pPr>
             <a:endParaRPr lang="en-US" dirty="0"/>
           </a:p>
           <a:p>
             <a:pPr marL="365760" lvl="1" indent="0">
+              <a:lnSpc>
+                <a:spcPct val="120000"/>
+              </a:lnSpc>
               <a:buNone/>
             </a:pPr>
             <a:endParaRPr lang="en-US" dirty="0"/>
@@ -9941,6 +7278,1723 @@
     <p:extLst>
       <p:ext uri="{BB962C8B-B14F-4D97-AF65-F5344CB8AC3E}">
         <p14:creationId xmlns:p14="http://schemas.microsoft.com/office/powerpoint/2010/main" val="523810439"/>
+      </p:ext>
+    </p:extLst>
+  </p:cSld>
+  <p:clrMapOvr>
+    <a:masterClrMapping/>
+  </p:clrMapOvr>
+  <mc:AlternateContent xmlns:mc="http://schemas.openxmlformats.org/markup-compatibility/2006" xmlns:p14="http://schemas.microsoft.com/office/powerpoint/2010/main">
+    <mc:Choice Requires="p14">
+      <p:transition spd="med" p14:dur="700">
+        <p:fade/>
+      </p:transition>
+    </mc:Choice>
+    <mc:Fallback xmlns="">
+      <p:transition spd="med">
+        <p:fade/>
+      </p:transition>
+    </mc:Fallback>
+  </mc:AlternateContent>
+</p:sld>
+</file>
+
+<file path=ppt/slides/slide20.xml><?xml version="1.0" encoding="utf-8"?>
+<p:sld xmlns:a="http://schemas.openxmlformats.org/drawingml/2006/main" xmlns:r="http://schemas.openxmlformats.org/officeDocument/2006/relationships" xmlns:p="http://schemas.openxmlformats.org/presentationml/2006/main">
+  <p:cSld>
+    <p:spTree>
+      <p:nvGrpSpPr>
+        <p:cNvPr id="1" name=""/>
+        <p:cNvGrpSpPr/>
+        <p:nvPr/>
+      </p:nvGrpSpPr>
+      <p:grpSpPr>
+        <a:xfrm>
+          <a:off x="0" y="0"/>
+          <a:ext cx="0" cy="0"/>
+          <a:chOff x="0" y="0"/>
+          <a:chExt cx="0" cy="0"/>
+        </a:xfrm>
+      </p:grpSpPr>
+      <p:sp>
+        <p:nvSpPr>
+          <p:cNvPr id="2" name="Title 1">
+            <a:extLst>
+              <a:ext uri="{FF2B5EF4-FFF2-40B4-BE49-F238E27FC236}">
+                <a16:creationId xmlns:a16="http://schemas.microsoft.com/office/drawing/2014/main" id="{7821AC91-CE96-4516-938A-32E1EB732A77}"/>
+              </a:ext>
+            </a:extLst>
+          </p:cNvPr>
+          <p:cNvSpPr>
+            <a:spLocks noGrp="1"/>
+          </p:cNvSpPr>
+          <p:nvPr>
+            <p:ph type="title"/>
+          </p:nvPr>
+        </p:nvSpPr>
+        <p:spPr/>
+        <p:txBody>
+          <a:bodyPr>
+            <a:normAutofit fontScale="90000"/>
+          </a:bodyPr>
+          <a:lstStyle/>
+          <a:p>
+            <a:r>
+              <a:rPr lang="en-US" dirty="0"/>
+              <a:t>Number of Payments Received and Cancellation Rate</a:t>
+            </a:r>
+          </a:p>
+        </p:txBody>
+      </p:sp>
+      <p:sp>
+        <p:nvSpPr>
+          <p:cNvPr id="3" name="Text Placeholder 2">
+            <a:extLst>
+              <a:ext uri="{FF2B5EF4-FFF2-40B4-BE49-F238E27FC236}">
+                <a16:creationId xmlns:a16="http://schemas.microsoft.com/office/drawing/2014/main" id="{699AAA65-879D-4CAF-B789-6890E3C78837}"/>
+              </a:ext>
+            </a:extLst>
+          </p:cNvPr>
+          <p:cNvSpPr>
+            <a:spLocks noGrp="1"/>
+          </p:cNvSpPr>
+          <p:nvPr>
+            <p:ph type="body" sz="half" idx="2"/>
+          </p:nvPr>
+        </p:nvSpPr>
+        <p:spPr/>
+        <p:txBody>
+          <a:bodyPr/>
+          <a:lstStyle/>
+          <a:p>
+            <a:pPr marL="285750" indent="-285750">
+              <a:buFont typeface="Arial" panose="020B0604020202020204" pitchFamily="34" charset="0"/>
+              <a:buChar char="•"/>
+            </a:pPr>
+            <a:r>
+              <a:rPr lang="en-US" dirty="0"/>
+              <a:t>There is a clear trend of decreasing cancellation rates as more payments are received.</a:t>
+            </a:r>
+          </a:p>
+        </p:txBody>
+      </p:sp>
+      <p:pic>
+        <p:nvPicPr>
+          <p:cNvPr id="6" name="Content Placeholder 5" descr="A close up of a map&#10;&#10;Description automatically generated">
+            <a:extLst>
+              <a:ext uri="{FF2B5EF4-FFF2-40B4-BE49-F238E27FC236}">
+                <a16:creationId xmlns:a16="http://schemas.microsoft.com/office/drawing/2014/main" id="{B8C925A7-DA70-4E6C-B256-BF9F4019C19C}"/>
+              </a:ext>
+            </a:extLst>
+          </p:cNvPr>
+          <p:cNvPicPr>
+            <a:picLocks noGrp="1" noChangeAspect="1"/>
+          </p:cNvPicPr>
+          <p:nvPr>
+            <p:ph idx="1"/>
+          </p:nvPr>
+        </p:nvPicPr>
+        <p:blipFill>
+          <a:blip r:embed="rId2" cstate="print">
+            <a:extLst>
+              <a:ext uri="{28A0092B-C50C-407E-A947-70E740481C1C}">
+                <a14:useLocalDpi xmlns:a14="http://schemas.microsoft.com/office/drawing/2010/main" val="0"/>
+              </a:ext>
+            </a:extLst>
+          </a:blip>
+          <a:stretch>
+            <a:fillRect/>
+          </a:stretch>
+        </p:blipFill>
+        <p:spPr>
+          <a:xfrm>
+            <a:off x="4494213" y="822486"/>
+            <a:ext cx="7239000" cy="5213027"/>
+          </a:xfrm>
+        </p:spPr>
+      </p:pic>
+    </p:spTree>
+    <p:extLst>
+      <p:ext uri="{BB962C8B-B14F-4D97-AF65-F5344CB8AC3E}">
+        <p14:creationId xmlns:p14="http://schemas.microsoft.com/office/powerpoint/2010/main" val="3443435880"/>
+      </p:ext>
+    </p:extLst>
+  </p:cSld>
+  <p:clrMapOvr>
+    <a:masterClrMapping/>
+  </p:clrMapOvr>
+  <mc:AlternateContent xmlns:mc="http://schemas.openxmlformats.org/markup-compatibility/2006" xmlns:p14="http://schemas.microsoft.com/office/powerpoint/2010/main">
+    <mc:Choice Requires="p14">
+      <p:transition spd="med" p14:dur="700">
+        <p:fade/>
+      </p:transition>
+    </mc:Choice>
+    <mc:Fallback xmlns="">
+      <p:transition spd="med">
+        <p:fade/>
+      </p:transition>
+    </mc:Fallback>
+  </mc:AlternateContent>
+</p:sld>
+</file>
+
+<file path=ppt/slides/slide21.xml><?xml version="1.0" encoding="utf-8"?>
+<p:sld xmlns:a="http://schemas.openxmlformats.org/drawingml/2006/main" xmlns:r="http://schemas.openxmlformats.org/officeDocument/2006/relationships" xmlns:p="http://schemas.openxmlformats.org/presentationml/2006/main">
+  <p:cSld>
+    <p:spTree>
+      <p:nvGrpSpPr>
+        <p:cNvPr id="1" name=""/>
+        <p:cNvGrpSpPr/>
+        <p:nvPr/>
+      </p:nvGrpSpPr>
+      <p:grpSpPr>
+        <a:xfrm>
+          <a:off x="0" y="0"/>
+          <a:ext cx="0" cy="0"/>
+          <a:chOff x="0" y="0"/>
+          <a:chExt cx="0" cy="0"/>
+        </a:xfrm>
+      </p:grpSpPr>
+      <p:sp>
+        <p:nvSpPr>
+          <p:cNvPr id="2" name="Title 1">
+            <a:extLst>
+              <a:ext uri="{FF2B5EF4-FFF2-40B4-BE49-F238E27FC236}">
+                <a16:creationId xmlns:a16="http://schemas.microsoft.com/office/drawing/2014/main" id="{F3973B6B-9358-4408-AD27-E49A6AAF265A}"/>
+              </a:ext>
+            </a:extLst>
+          </p:cNvPr>
+          <p:cNvSpPr>
+            <a:spLocks noGrp="1"/>
+          </p:cNvSpPr>
+          <p:nvPr>
+            <p:ph type="title"/>
+          </p:nvPr>
+        </p:nvSpPr>
+        <p:spPr/>
+        <p:txBody>
+          <a:bodyPr/>
+          <a:lstStyle/>
+          <a:p>
+            <a:r>
+              <a:rPr lang="en-US" dirty="0"/>
+              <a:t>Default Charge and Cancellation</a:t>
+            </a:r>
+          </a:p>
+        </p:txBody>
+      </p:sp>
+      <p:sp>
+        <p:nvSpPr>
+          <p:cNvPr id="3" name="Text Placeholder 2">
+            <a:extLst>
+              <a:ext uri="{FF2B5EF4-FFF2-40B4-BE49-F238E27FC236}">
+                <a16:creationId xmlns:a16="http://schemas.microsoft.com/office/drawing/2014/main" id="{823B0772-80C3-42B0-876A-9EB4D8534739}"/>
+              </a:ext>
+            </a:extLst>
+          </p:cNvPr>
+          <p:cNvSpPr>
+            <a:spLocks noGrp="1"/>
+          </p:cNvSpPr>
+          <p:nvPr>
+            <p:ph type="body" sz="half" idx="2"/>
+          </p:nvPr>
+        </p:nvSpPr>
+        <p:spPr/>
+        <p:txBody>
+          <a:bodyPr/>
+          <a:lstStyle/>
+          <a:p>
+            <a:pPr marL="285750" indent="-285750">
+              <a:buFont typeface="Arial" panose="020B0604020202020204" pitchFamily="34" charset="0"/>
+              <a:buChar char="•"/>
+            </a:pPr>
+            <a:r>
+              <a:rPr lang="en-US" dirty="0"/>
+              <a:t>Those borrowers who had their loans cancel incurred significantly higher default charges from IPFS</a:t>
+            </a:r>
+          </a:p>
+        </p:txBody>
+      </p:sp>
+      <p:pic>
+        <p:nvPicPr>
+          <p:cNvPr id="10" name="Content Placeholder 9" descr="A screenshot of a cell phone&#10;&#10;Description automatically generated">
+            <a:extLst>
+              <a:ext uri="{FF2B5EF4-FFF2-40B4-BE49-F238E27FC236}">
+                <a16:creationId xmlns:a16="http://schemas.microsoft.com/office/drawing/2014/main" id="{A2C99FAF-B932-4405-A2B1-57CEAC3596F2}"/>
+              </a:ext>
+            </a:extLst>
+          </p:cNvPr>
+          <p:cNvPicPr>
+            <a:picLocks noGrp="1" noChangeAspect="1"/>
+          </p:cNvPicPr>
+          <p:nvPr>
+            <p:ph idx="1"/>
+          </p:nvPr>
+        </p:nvPicPr>
+        <p:blipFill>
+          <a:blip r:embed="rId2" cstate="print">
+            <a:extLst>
+              <a:ext uri="{28A0092B-C50C-407E-A947-70E740481C1C}">
+                <a14:useLocalDpi xmlns:a14="http://schemas.microsoft.com/office/drawing/2010/main" val="0"/>
+              </a:ext>
+            </a:extLst>
+          </a:blip>
+          <a:stretch>
+            <a:fillRect/>
+          </a:stretch>
+        </p:blipFill>
+        <p:spPr>
+          <a:xfrm>
+            <a:off x="4495800" y="304800"/>
+            <a:ext cx="7239000" cy="4629150"/>
+          </a:xfrm>
+        </p:spPr>
+      </p:pic>
+      <p:pic>
+        <p:nvPicPr>
+          <p:cNvPr id="12" name="Picture 11" descr="A screenshot of a social media post&#10;&#10;Description automatically generated">
+            <a:extLst>
+              <a:ext uri="{FF2B5EF4-FFF2-40B4-BE49-F238E27FC236}">
+                <a16:creationId xmlns:a16="http://schemas.microsoft.com/office/drawing/2014/main" id="{E2F7BD82-C17D-4A6F-B62B-1B7E431E22BE}"/>
+              </a:ext>
+            </a:extLst>
+          </p:cNvPr>
+          <p:cNvPicPr>
+            <a:picLocks noChangeAspect="1"/>
+          </p:cNvPicPr>
+          <p:nvPr/>
+        </p:nvPicPr>
+        <p:blipFill>
+          <a:blip r:embed="rId3">
+            <a:extLst>
+              <a:ext uri="{28A0092B-C50C-407E-A947-70E740481C1C}">
+                <a14:useLocalDpi xmlns:a14="http://schemas.microsoft.com/office/drawing/2010/main" val="0"/>
+              </a:ext>
+            </a:extLst>
+          </a:blip>
+          <a:stretch>
+            <a:fillRect/>
+          </a:stretch>
+        </p:blipFill>
+        <p:spPr>
+          <a:xfrm>
+            <a:off x="4495801" y="4867275"/>
+            <a:ext cx="7239000" cy="1685925"/>
+          </a:xfrm>
+          <a:prstGeom prst="rect">
+            <a:avLst/>
+          </a:prstGeom>
+        </p:spPr>
+      </p:pic>
+    </p:spTree>
+    <p:extLst>
+      <p:ext uri="{BB962C8B-B14F-4D97-AF65-F5344CB8AC3E}">
+        <p14:creationId xmlns:p14="http://schemas.microsoft.com/office/powerpoint/2010/main" val="1568861623"/>
+      </p:ext>
+    </p:extLst>
+  </p:cSld>
+  <p:clrMapOvr>
+    <a:masterClrMapping/>
+  </p:clrMapOvr>
+  <mc:AlternateContent xmlns:mc="http://schemas.openxmlformats.org/markup-compatibility/2006" xmlns:p14="http://schemas.microsoft.com/office/powerpoint/2010/main">
+    <mc:Choice Requires="p14">
+      <p:transition spd="med" p14:dur="700">
+        <p:fade/>
+      </p:transition>
+    </mc:Choice>
+    <mc:Fallback xmlns="">
+      <p:transition spd="med">
+        <p:fade/>
+      </p:transition>
+    </mc:Fallback>
+  </mc:AlternateContent>
+</p:sld>
+</file>
+
+<file path=ppt/slides/slide22.xml><?xml version="1.0" encoding="utf-8"?>
+<p:sld xmlns:a="http://schemas.openxmlformats.org/drawingml/2006/main" xmlns:r="http://schemas.openxmlformats.org/officeDocument/2006/relationships" xmlns:p="http://schemas.openxmlformats.org/presentationml/2006/main">
+  <p:cSld>
+    <p:spTree>
+      <p:nvGrpSpPr>
+        <p:cNvPr id="1" name=""/>
+        <p:cNvGrpSpPr/>
+        <p:nvPr/>
+      </p:nvGrpSpPr>
+      <p:grpSpPr>
+        <a:xfrm>
+          <a:off x="0" y="0"/>
+          <a:ext cx="0" cy="0"/>
+          <a:chOff x="0" y="0"/>
+          <a:chExt cx="0" cy="0"/>
+        </a:xfrm>
+      </p:grpSpPr>
+      <p:sp>
+        <p:nvSpPr>
+          <p:cNvPr id="2" name="Title 1">
+            <a:extLst>
+              <a:ext uri="{FF2B5EF4-FFF2-40B4-BE49-F238E27FC236}">
+                <a16:creationId xmlns:a16="http://schemas.microsoft.com/office/drawing/2014/main" id="{4605561D-25AE-43B1-8AFE-7AA46FB76F3A}"/>
+              </a:ext>
+            </a:extLst>
+          </p:cNvPr>
+          <p:cNvSpPr>
+            <a:spLocks noGrp="1"/>
+          </p:cNvSpPr>
+          <p:nvPr>
+            <p:ph type="title"/>
+          </p:nvPr>
+        </p:nvSpPr>
+        <p:spPr>
+          <a:xfrm>
+            <a:off x="760412" y="890874"/>
+            <a:ext cx="3200400" cy="1990725"/>
+          </a:xfrm>
+        </p:spPr>
+        <p:txBody>
+          <a:bodyPr/>
+          <a:lstStyle/>
+          <a:p>
+            <a:r>
+              <a:rPr lang="en-US" dirty="0"/>
+              <a:t>Agent Performance and Cancellation Rates</a:t>
+            </a:r>
+          </a:p>
+        </p:txBody>
+      </p:sp>
+      <p:sp>
+        <p:nvSpPr>
+          <p:cNvPr id="3" name="Text Placeholder 2">
+            <a:extLst>
+              <a:ext uri="{FF2B5EF4-FFF2-40B4-BE49-F238E27FC236}">
+                <a16:creationId xmlns:a16="http://schemas.microsoft.com/office/drawing/2014/main" id="{A0F5B05E-86AB-42DD-B2C5-07FF2C75DF67}"/>
+              </a:ext>
+            </a:extLst>
+          </p:cNvPr>
+          <p:cNvSpPr>
+            <a:spLocks noGrp="1"/>
+          </p:cNvSpPr>
+          <p:nvPr>
+            <p:ph type="body" sz="half" idx="2"/>
+          </p:nvPr>
+        </p:nvSpPr>
+        <p:spPr>
+          <a:xfrm>
+            <a:off x="760412" y="3429000"/>
+            <a:ext cx="3200400" cy="2560320"/>
+          </a:xfrm>
+        </p:spPr>
+        <p:txBody>
+          <a:bodyPr>
+            <a:normAutofit/>
+          </a:bodyPr>
+          <a:lstStyle/>
+          <a:p>
+            <a:pPr marL="285750" indent="-285750">
+              <a:buFont typeface="Arial" panose="020B0604020202020204" pitchFamily="34" charset="0"/>
+              <a:buChar char="•"/>
+            </a:pPr>
+            <a:r>
+              <a:rPr lang="en-US" dirty="0"/>
+              <a:t>Derived variable. Percentage of total loans made by an agent that cancelled.</a:t>
+            </a:r>
+          </a:p>
+          <a:p>
+            <a:pPr marL="285750" indent="-285750">
+              <a:buFont typeface="Arial" panose="020B0604020202020204" pitchFamily="34" charset="0"/>
+              <a:buChar char="•"/>
+            </a:pPr>
+            <a:r>
+              <a:rPr lang="en-US" dirty="0"/>
+              <a:t>People’s loans that cancelled had agents with higher cancellation rates on average. </a:t>
+            </a:r>
+          </a:p>
+          <a:p>
+            <a:pPr marL="285750" indent="-285750">
+              <a:buFont typeface="Arial" panose="020B0604020202020204" pitchFamily="34" charset="0"/>
+              <a:buChar char="•"/>
+            </a:pPr>
+            <a:r>
+              <a:rPr lang="en-US" dirty="0"/>
+              <a:t>Cancellation might be partially due to poor agent performance.</a:t>
+            </a:r>
+          </a:p>
+        </p:txBody>
+      </p:sp>
+      <p:pic>
+        <p:nvPicPr>
+          <p:cNvPr id="6" name="Content Placeholder 5" descr="A screenshot of a cell phone&#10;&#10;Description automatically generated">
+            <a:extLst>
+              <a:ext uri="{FF2B5EF4-FFF2-40B4-BE49-F238E27FC236}">
+                <a16:creationId xmlns:a16="http://schemas.microsoft.com/office/drawing/2014/main" id="{19F0A457-3ED0-4911-9AB5-3AEF3FDBD151}"/>
+              </a:ext>
+            </a:extLst>
+          </p:cNvPr>
+          <p:cNvPicPr>
+            <a:picLocks noGrp="1" noChangeAspect="1"/>
+          </p:cNvPicPr>
+          <p:nvPr>
+            <p:ph idx="1"/>
+          </p:nvPr>
+        </p:nvPicPr>
+        <p:blipFill>
+          <a:blip r:embed="rId2" cstate="print">
+            <a:extLst>
+              <a:ext uri="{28A0092B-C50C-407E-A947-70E740481C1C}">
+                <a14:useLocalDpi xmlns:a14="http://schemas.microsoft.com/office/drawing/2010/main" val="0"/>
+              </a:ext>
+            </a:extLst>
+          </a:blip>
+          <a:stretch>
+            <a:fillRect/>
+          </a:stretch>
+        </p:blipFill>
+        <p:spPr>
+          <a:xfrm>
+            <a:off x="4495800" y="228600"/>
+            <a:ext cx="7543800" cy="4629150"/>
+          </a:xfrm>
+        </p:spPr>
+      </p:pic>
+      <p:pic>
+        <p:nvPicPr>
+          <p:cNvPr id="8" name="Picture 7" descr="A screenshot of a social media post&#10;&#10;Description automatically generated">
+            <a:extLst>
+              <a:ext uri="{FF2B5EF4-FFF2-40B4-BE49-F238E27FC236}">
+                <a16:creationId xmlns:a16="http://schemas.microsoft.com/office/drawing/2014/main" id="{0A0622F0-CD50-413B-888D-8A86EE82E6A0}"/>
+              </a:ext>
+            </a:extLst>
+          </p:cNvPr>
+          <p:cNvPicPr>
+            <a:picLocks noChangeAspect="1"/>
+          </p:cNvPicPr>
+          <p:nvPr/>
+        </p:nvPicPr>
+        <p:blipFill>
+          <a:blip r:embed="rId3">
+            <a:extLst>
+              <a:ext uri="{28A0092B-C50C-407E-A947-70E740481C1C}">
+                <a14:useLocalDpi xmlns:a14="http://schemas.microsoft.com/office/drawing/2010/main" val="0"/>
+              </a:ext>
+            </a:extLst>
+          </a:blip>
+          <a:stretch>
+            <a:fillRect/>
+          </a:stretch>
+        </p:blipFill>
+        <p:spPr>
+          <a:xfrm>
+            <a:off x="4486468" y="4854988"/>
+            <a:ext cx="7543799" cy="1622012"/>
+          </a:xfrm>
+          <a:prstGeom prst="rect">
+            <a:avLst/>
+          </a:prstGeom>
+        </p:spPr>
+      </p:pic>
+    </p:spTree>
+    <p:extLst>
+      <p:ext uri="{BB962C8B-B14F-4D97-AF65-F5344CB8AC3E}">
+        <p14:creationId xmlns:p14="http://schemas.microsoft.com/office/powerpoint/2010/main" val="3733899004"/>
+      </p:ext>
+    </p:extLst>
+  </p:cSld>
+  <p:clrMapOvr>
+    <a:masterClrMapping/>
+  </p:clrMapOvr>
+  <mc:AlternateContent xmlns:mc="http://schemas.openxmlformats.org/markup-compatibility/2006" xmlns:p14="http://schemas.microsoft.com/office/powerpoint/2010/main">
+    <mc:Choice Requires="p14">
+      <p:transition spd="med" p14:dur="700">
+        <p:fade/>
+      </p:transition>
+    </mc:Choice>
+    <mc:Fallback xmlns="">
+      <p:transition spd="med">
+        <p:fade/>
+      </p:transition>
+    </mc:Fallback>
+  </mc:AlternateContent>
+</p:sld>
+</file>
+
+<file path=ppt/slides/slide23.xml><?xml version="1.0" encoding="utf-8"?>
+<p:sld xmlns:a="http://schemas.openxmlformats.org/drawingml/2006/main" xmlns:r="http://schemas.openxmlformats.org/officeDocument/2006/relationships" xmlns:p="http://schemas.openxmlformats.org/presentationml/2006/main">
+  <p:cSld>
+    <p:spTree>
+      <p:nvGrpSpPr>
+        <p:cNvPr id="1" name=""/>
+        <p:cNvGrpSpPr/>
+        <p:nvPr/>
+      </p:nvGrpSpPr>
+      <p:grpSpPr>
+        <a:xfrm>
+          <a:off x="0" y="0"/>
+          <a:ext cx="0" cy="0"/>
+          <a:chOff x="0" y="0"/>
+          <a:chExt cx="0" cy="0"/>
+        </a:xfrm>
+      </p:grpSpPr>
+      <p:sp>
+        <p:nvSpPr>
+          <p:cNvPr id="2" name="Title 1">
+            <a:extLst>
+              <a:ext uri="{FF2B5EF4-FFF2-40B4-BE49-F238E27FC236}">
+                <a16:creationId xmlns:a16="http://schemas.microsoft.com/office/drawing/2014/main" id="{952227F9-652E-4EF3-AB42-924068707638}"/>
+              </a:ext>
+            </a:extLst>
+          </p:cNvPr>
+          <p:cNvSpPr>
+            <a:spLocks noGrp="1"/>
+          </p:cNvSpPr>
+          <p:nvPr>
+            <p:ph type="title"/>
+          </p:nvPr>
+        </p:nvSpPr>
+        <p:spPr>
+          <a:xfrm>
+            <a:off x="304800" y="2362200"/>
+            <a:ext cx="3656012" cy="1990725"/>
+          </a:xfrm>
+        </p:spPr>
+        <p:txBody>
+          <a:bodyPr/>
+          <a:lstStyle/>
+          <a:p>
+            <a:r>
+              <a:rPr lang="en-US" dirty="0"/>
+              <a:t>Borrower Web Registration and Loan Cancellation</a:t>
+            </a:r>
+          </a:p>
+        </p:txBody>
+      </p:sp>
+      <p:sp>
+        <p:nvSpPr>
+          <p:cNvPr id="7" name="Text Placeholder 6">
+            <a:extLst>
+              <a:ext uri="{FF2B5EF4-FFF2-40B4-BE49-F238E27FC236}">
+                <a16:creationId xmlns:a16="http://schemas.microsoft.com/office/drawing/2014/main" id="{CD1B6B33-46E7-437A-A304-532817D2D6AD}"/>
+              </a:ext>
+            </a:extLst>
+          </p:cNvPr>
+          <p:cNvSpPr>
+            <a:spLocks noGrp="1"/>
+          </p:cNvSpPr>
+          <p:nvPr>
+            <p:ph type="body" sz="half" idx="2"/>
+          </p:nvPr>
+        </p:nvSpPr>
+        <p:spPr>
+          <a:xfrm>
+            <a:off x="304800" y="4367308"/>
+            <a:ext cx="3656012" cy="1622012"/>
+          </a:xfrm>
+        </p:spPr>
+        <p:txBody>
+          <a:bodyPr>
+            <a:normAutofit/>
+          </a:bodyPr>
+          <a:lstStyle/>
+          <a:p>
+            <a:pPr marL="285750" indent="-285750">
+              <a:buFont typeface="Arial" panose="020B0604020202020204" pitchFamily="34" charset="0"/>
+              <a:buChar char="•"/>
+            </a:pPr>
+            <a:r>
+              <a:rPr lang="en-US" sz="1700" dirty="0"/>
+              <a:t>Borrowers who did not register for their loan on the web cancelled at roughly 6.25 times the rate that those who did register on the web cancelled.</a:t>
+            </a:r>
+          </a:p>
+        </p:txBody>
+      </p:sp>
+      <p:pic>
+        <p:nvPicPr>
+          <p:cNvPr id="9" name="Content Placeholder 8">
+            <a:extLst>
+              <a:ext uri="{FF2B5EF4-FFF2-40B4-BE49-F238E27FC236}">
+                <a16:creationId xmlns:a16="http://schemas.microsoft.com/office/drawing/2014/main" id="{3AF745AC-598B-4F52-B7AE-3C6DCE6ABD76}"/>
+              </a:ext>
+            </a:extLst>
+          </p:cNvPr>
+          <p:cNvPicPr>
+            <a:picLocks noGrp="1" noChangeAspect="1"/>
+          </p:cNvPicPr>
+          <p:nvPr>
+            <p:ph idx="1"/>
+          </p:nvPr>
+        </p:nvPicPr>
+        <p:blipFill>
+          <a:blip r:embed="rId2" cstate="print">
+            <a:extLst>
+              <a:ext uri="{28A0092B-C50C-407E-A947-70E740481C1C}">
+                <a14:useLocalDpi xmlns:a14="http://schemas.microsoft.com/office/drawing/2010/main" val="0"/>
+              </a:ext>
+            </a:extLst>
+          </a:blip>
+          <a:stretch>
+            <a:fillRect/>
+          </a:stretch>
+        </p:blipFill>
+        <p:spPr>
+          <a:xfrm>
+            <a:off x="4114800" y="76200"/>
+            <a:ext cx="7848600" cy="4800600"/>
+          </a:xfrm>
+        </p:spPr>
+      </p:pic>
+      <p:pic>
+        <p:nvPicPr>
+          <p:cNvPr id="4" name="Picture 3" descr="A screenshot of a social media post&#10;&#10;Description automatically generated">
+            <a:extLst>
+              <a:ext uri="{FF2B5EF4-FFF2-40B4-BE49-F238E27FC236}">
+                <a16:creationId xmlns:a16="http://schemas.microsoft.com/office/drawing/2014/main" id="{017AA9EF-6D14-42A6-928F-7D51B23DA6CD}"/>
+              </a:ext>
+            </a:extLst>
+          </p:cNvPr>
+          <p:cNvPicPr>
+            <a:picLocks noChangeAspect="1"/>
+          </p:cNvPicPr>
+          <p:nvPr/>
+        </p:nvPicPr>
+        <p:blipFill>
+          <a:blip r:embed="rId3">
+            <a:extLst>
+              <a:ext uri="{28A0092B-C50C-407E-A947-70E740481C1C}">
+                <a14:useLocalDpi xmlns:a14="http://schemas.microsoft.com/office/drawing/2010/main" val="0"/>
+              </a:ext>
+            </a:extLst>
+          </a:blip>
+          <a:stretch>
+            <a:fillRect/>
+          </a:stretch>
+        </p:blipFill>
+        <p:spPr>
+          <a:xfrm>
+            <a:off x="4139953" y="4876800"/>
+            <a:ext cx="7848600" cy="1676400"/>
+          </a:xfrm>
+          <a:prstGeom prst="rect">
+            <a:avLst/>
+          </a:prstGeom>
+        </p:spPr>
+      </p:pic>
+    </p:spTree>
+    <p:extLst>
+      <p:ext uri="{BB962C8B-B14F-4D97-AF65-F5344CB8AC3E}">
+        <p14:creationId xmlns:p14="http://schemas.microsoft.com/office/powerpoint/2010/main" val="1670158643"/>
+      </p:ext>
+    </p:extLst>
+  </p:cSld>
+  <p:clrMapOvr>
+    <a:masterClrMapping/>
+  </p:clrMapOvr>
+  <mc:AlternateContent xmlns:mc="http://schemas.openxmlformats.org/markup-compatibility/2006" xmlns:p14="http://schemas.microsoft.com/office/powerpoint/2010/main">
+    <mc:Choice Requires="p14">
+      <p:transition spd="med" p14:dur="700">
+        <p:fade/>
+      </p:transition>
+    </mc:Choice>
+    <mc:Fallback xmlns="">
+      <p:transition spd="med">
+        <p:fade/>
+      </p:transition>
+    </mc:Fallback>
+  </mc:AlternateContent>
+</p:sld>
+</file>
+
+<file path=ppt/slides/slide24.xml><?xml version="1.0" encoding="utf-8"?>
+<p:sld xmlns:a="http://schemas.openxmlformats.org/drawingml/2006/main" xmlns:r="http://schemas.openxmlformats.org/officeDocument/2006/relationships" xmlns:p="http://schemas.openxmlformats.org/presentationml/2006/main">
+  <p:cSld>
+    <p:spTree>
+      <p:nvGrpSpPr>
+        <p:cNvPr id="1" name=""/>
+        <p:cNvGrpSpPr/>
+        <p:nvPr/>
+      </p:nvGrpSpPr>
+      <p:grpSpPr>
+        <a:xfrm>
+          <a:off x="0" y="0"/>
+          <a:ext cx="0" cy="0"/>
+          <a:chOff x="0" y="0"/>
+          <a:chExt cx="0" cy="0"/>
+        </a:xfrm>
+      </p:grpSpPr>
+      <p:sp>
+        <p:nvSpPr>
+          <p:cNvPr id="2" name="Title 1">
+            <a:extLst>
+              <a:ext uri="{FF2B5EF4-FFF2-40B4-BE49-F238E27FC236}">
+                <a16:creationId xmlns:a16="http://schemas.microsoft.com/office/drawing/2014/main" id="{865A4CFF-AE3B-402C-94CF-AA88971CC48A}"/>
+              </a:ext>
+            </a:extLst>
+          </p:cNvPr>
+          <p:cNvSpPr>
+            <a:spLocks noGrp="1"/>
+          </p:cNvSpPr>
+          <p:nvPr>
+            <p:ph type="title"/>
+          </p:nvPr>
+        </p:nvSpPr>
+        <p:spPr>
+          <a:xfrm>
+            <a:off x="760412" y="1066800"/>
+            <a:ext cx="3200400" cy="1990725"/>
+          </a:xfrm>
+        </p:spPr>
+        <p:txBody>
+          <a:bodyPr/>
+          <a:lstStyle/>
+          <a:p>
+            <a:r>
+              <a:rPr lang="en-US" dirty="0"/>
+              <a:t>Borrower Credit Score and Cancellation Rates</a:t>
+            </a:r>
+          </a:p>
+        </p:txBody>
+      </p:sp>
+      <p:sp>
+        <p:nvSpPr>
+          <p:cNvPr id="3" name="Text Placeholder 2">
+            <a:extLst>
+              <a:ext uri="{FF2B5EF4-FFF2-40B4-BE49-F238E27FC236}">
+                <a16:creationId xmlns:a16="http://schemas.microsoft.com/office/drawing/2014/main" id="{DE4F7993-4A0A-4619-A730-657B7A58910D}"/>
+              </a:ext>
+            </a:extLst>
+          </p:cNvPr>
+          <p:cNvSpPr>
+            <a:spLocks noGrp="1"/>
+          </p:cNvSpPr>
+          <p:nvPr>
+            <p:ph type="body" sz="half" idx="2"/>
+          </p:nvPr>
+        </p:nvSpPr>
+        <p:spPr>
+          <a:xfrm>
+            <a:off x="760412" y="3456194"/>
+            <a:ext cx="3200400" cy="2639806"/>
+          </a:xfrm>
+        </p:spPr>
+        <p:txBody>
+          <a:bodyPr>
+            <a:normAutofit lnSpcReduction="10000"/>
+          </a:bodyPr>
+          <a:lstStyle/>
+          <a:p>
+            <a:pPr marL="285750" indent="-285750">
+              <a:buFont typeface="Arial" panose="020B0604020202020204" pitchFamily="34" charset="0"/>
+              <a:buChar char="•"/>
+            </a:pPr>
+            <a:r>
+              <a:rPr lang="en-US" dirty="0"/>
+              <a:t>There are clear differences between good and bad credit borrowers in terms of loan cancellation rates. </a:t>
+            </a:r>
+          </a:p>
+          <a:p>
+            <a:pPr marL="285750" indent="-285750">
+              <a:buFont typeface="Arial" panose="020B0604020202020204" pitchFamily="34" charset="0"/>
+              <a:buChar char="•"/>
+            </a:pPr>
+            <a:r>
+              <a:rPr lang="en-US" dirty="0"/>
+              <a:t>More credit worthy people cancel much less frequently.</a:t>
+            </a:r>
+          </a:p>
+          <a:p>
+            <a:pPr marL="285750" indent="-285750">
+              <a:buFont typeface="Arial" panose="020B0604020202020204" pitchFamily="34" charset="0"/>
+              <a:buChar char="•"/>
+            </a:pPr>
+            <a:r>
+              <a:rPr lang="en-US" dirty="0"/>
+              <a:t>Classes 3,4, and 5 cancel at statistically the same rate according to the Tukey HSD Multiple Comparison of Means Test.</a:t>
+            </a:r>
+          </a:p>
+        </p:txBody>
+      </p:sp>
+      <p:pic>
+        <p:nvPicPr>
+          <p:cNvPr id="6" name="Content Placeholder 5">
+            <a:extLst>
+              <a:ext uri="{FF2B5EF4-FFF2-40B4-BE49-F238E27FC236}">
+                <a16:creationId xmlns:a16="http://schemas.microsoft.com/office/drawing/2014/main" id="{1D7EF060-42A9-4CB2-9FCF-281F8E7F1069}"/>
+              </a:ext>
+            </a:extLst>
+          </p:cNvPr>
+          <p:cNvPicPr>
+            <a:picLocks noGrp="1" noChangeAspect="1"/>
+          </p:cNvPicPr>
+          <p:nvPr>
+            <p:ph idx="1"/>
+          </p:nvPr>
+        </p:nvPicPr>
+        <p:blipFill>
+          <a:blip r:embed="rId2" cstate="print">
+            <a:extLst>
+              <a:ext uri="{28A0092B-C50C-407E-A947-70E740481C1C}">
+                <a14:useLocalDpi xmlns:a14="http://schemas.microsoft.com/office/drawing/2010/main" val="0"/>
+              </a:ext>
+            </a:extLst>
+          </a:blip>
+          <a:stretch>
+            <a:fillRect/>
+          </a:stretch>
+        </p:blipFill>
+        <p:spPr>
+          <a:xfrm>
+            <a:off x="4458496" y="152400"/>
+            <a:ext cx="7545388" cy="4114800"/>
+          </a:xfrm>
+        </p:spPr>
+      </p:pic>
+      <p:pic>
+        <p:nvPicPr>
+          <p:cNvPr id="8" name="Picture 7" descr="A screenshot of a cell phone&#10;&#10;Description automatically generated">
+            <a:extLst>
+              <a:ext uri="{FF2B5EF4-FFF2-40B4-BE49-F238E27FC236}">
+                <a16:creationId xmlns:a16="http://schemas.microsoft.com/office/drawing/2014/main" id="{AD1D0CE2-DFF9-4D0C-855D-CC00BA253B2A}"/>
+              </a:ext>
+            </a:extLst>
+          </p:cNvPr>
+          <p:cNvPicPr>
+            <a:picLocks noChangeAspect="1"/>
+          </p:cNvPicPr>
+          <p:nvPr/>
+        </p:nvPicPr>
+        <p:blipFill>
+          <a:blip r:embed="rId3">
+            <a:extLst>
+              <a:ext uri="{28A0092B-C50C-407E-A947-70E740481C1C}">
+                <a14:useLocalDpi xmlns:a14="http://schemas.microsoft.com/office/drawing/2010/main" val="0"/>
+              </a:ext>
+            </a:extLst>
+          </a:blip>
+          <a:stretch>
+            <a:fillRect/>
+          </a:stretch>
+        </p:blipFill>
+        <p:spPr>
+          <a:xfrm>
+            <a:off x="5621738" y="4267200"/>
+            <a:ext cx="5218904" cy="2362200"/>
+          </a:xfrm>
+          <a:prstGeom prst="rect">
+            <a:avLst/>
+          </a:prstGeom>
+        </p:spPr>
+      </p:pic>
+    </p:spTree>
+    <p:extLst>
+      <p:ext uri="{BB962C8B-B14F-4D97-AF65-F5344CB8AC3E}">
+        <p14:creationId xmlns:p14="http://schemas.microsoft.com/office/powerpoint/2010/main" val="3001199111"/>
+      </p:ext>
+    </p:extLst>
+  </p:cSld>
+  <p:clrMapOvr>
+    <a:masterClrMapping/>
+  </p:clrMapOvr>
+  <mc:AlternateContent xmlns:mc="http://schemas.openxmlformats.org/markup-compatibility/2006" xmlns:p14="http://schemas.microsoft.com/office/powerpoint/2010/main">
+    <mc:Choice Requires="p14">
+      <p:transition spd="med" p14:dur="700">
+        <p:fade/>
+      </p:transition>
+    </mc:Choice>
+    <mc:Fallback xmlns="">
+      <p:transition spd="med">
+        <p:fade/>
+      </p:transition>
+    </mc:Fallback>
+  </mc:AlternateContent>
+</p:sld>
+</file>
+
+<file path=ppt/slides/slide25.xml><?xml version="1.0" encoding="utf-8"?>
+<p:sld xmlns:a="http://schemas.openxmlformats.org/drawingml/2006/main" xmlns:r="http://schemas.openxmlformats.org/officeDocument/2006/relationships" xmlns:p="http://schemas.openxmlformats.org/presentationml/2006/main">
+  <p:cSld>
+    <p:spTree>
+      <p:nvGrpSpPr>
+        <p:cNvPr id="1" name=""/>
+        <p:cNvGrpSpPr/>
+        <p:nvPr/>
+      </p:nvGrpSpPr>
+      <p:grpSpPr>
+        <a:xfrm>
+          <a:off x="0" y="0"/>
+          <a:ext cx="0" cy="0"/>
+          <a:chOff x="0" y="0"/>
+          <a:chExt cx="0" cy="0"/>
+        </a:xfrm>
+      </p:grpSpPr>
+      <p:sp>
+        <p:nvSpPr>
+          <p:cNvPr id="2" name="Title 1">
+            <a:extLst>
+              <a:ext uri="{FF2B5EF4-FFF2-40B4-BE49-F238E27FC236}">
+                <a16:creationId xmlns:a16="http://schemas.microsoft.com/office/drawing/2014/main" id="{1D25F387-4C87-4FE3-8509-5133EC130370}"/>
+              </a:ext>
+            </a:extLst>
+          </p:cNvPr>
+          <p:cNvSpPr>
+            <a:spLocks noGrp="1"/>
+          </p:cNvSpPr>
+          <p:nvPr>
+            <p:ph type="title"/>
+          </p:nvPr>
+        </p:nvSpPr>
+        <p:spPr>
+          <a:xfrm>
+            <a:off x="760412" y="1219200"/>
+            <a:ext cx="3200400" cy="1990725"/>
+          </a:xfrm>
+        </p:spPr>
+        <p:txBody>
+          <a:bodyPr/>
+          <a:lstStyle/>
+          <a:p>
+            <a:r>
+              <a:rPr lang="en-US" dirty="0"/>
+              <a:t>Bad Borrower Flag and Cancellation Rates</a:t>
+            </a:r>
+          </a:p>
+        </p:txBody>
+      </p:sp>
+      <p:sp>
+        <p:nvSpPr>
+          <p:cNvPr id="3" name="Text Placeholder 2">
+            <a:extLst>
+              <a:ext uri="{FF2B5EF4-FFF2-40B4-BE49-F238E27FC236}">
+                <a16:creationId xmlns:a16="http://schemas.microsoft.com/office/drawing/2014/main" id="{E1F0973E-138E-4A53-8E41-DCA56D40059F}"/>
+              </a:ext>
+            </a:extLst>
+          </p:cNvPr>
+          <p:cNvSpPr>
+            <a:spLocks noGrp="1"/>
+          </p:cNvSpPr>
+          <p:nvPr>
+            <p:ph type="body" sz="half" idx="2"/>
+          </p:nvPr>
+        </p:nvSpPr>
+        <p:spPr>
+          <a:xfrm>
+            <a:off x="760412" y="3733800"/>
+            <a:ext cx="3200400" cy="2133600"/>
+          </a:xfrm>
+        </p:spPr>
+        <p:txBody>
+          <a:bodyPr>
+            <a:normAutofit fontScale="92500" lnSpcReduction="10000"/>
+          </a:bodyPr>
+          <a:lstStyle/>
+          <a:p>
+            <a:pPr marL="285750" indent="-285750">
+              <a:buFont typeface="Arial" panose="020B0604020202020204" pitchFamily="34" charset="0"/>
+              <a:buChar char="•"/>
+            </a:pPr>
+            <a:r>
+              <a:rPr lang="en-US" dirty="0"/>
+              <a:t>There is a clear association with cancellation if a borrower has cancelled at least one loan with IPFS in the past.</a:t>
+            </a:r>
+          </a:p>
+          <a:p>
+            <a:pPr marL="285750" indent="-285750">
+              <a:buFont typeface="Arial" panose="020B0604020202020204" pitchFamily="34" charset="0"/>
+              <a:buChar char="•"/>
+            </a:pPr>
+            <a:r>
+              <a:rPr lang="en-US" dirty="0"/>
+              <a:t>The estimated odds of cancelling a loan are 28.52 times higher for borrowers who have cancelled at least 1 loan with IPFS than for borrowers who have not cancelled a loan.</a:t>
+            </a:r>
+          </a:p>
+        </p:txBody>
+      </p:sp>
+      <p:pic>
+        <p:nvPicPr>
+          <p:cNvPr id="12" name="Content Placeholder 11" descr="A screenshot of a cell phone&#10;&#10;Description automatically generated">
+            <a:extLst>
+              <a:ext uri="{FF2B5EF4-FFF2-40B4-BE49-F238E27FC236}">
+                <a16:creationId xmlns:a16="http://schemas.microsoft.com/office/drawing/2014/main" id="{1189A0D9-66E8-4394-912E-03B6CEA744E3}"/>
+              </a:ext>
+            </a:extLst>
+          </p:cNvPr>
+          <p:cNvPicPr>
+            <a:picLocks noGrp="1" noChangeAspect="1"/>
+          </p:cNvPicPr>
+          <p:nvPr>
+            <p:ph idx="1"/>
+          </p:nvPr>
+        </p:nvPicPr>
+        <p:blipFill>
+          <a:blip r:embed="rId2" cstate="print">
+            <a:extLst>
+              <a:ext uri="{28A0092B-C50C-407E-A947-70E740481C1C}">
+                <a14:useLocalDpi xmlns:a14="http://schemas.microsoft.com/office/drawing/2010/main" val="0"/>
+              </a:ext>
+            </a:extLst>
+          </a:blip>
+          <a:stretch>
+            <a:fillRect/>
+          </a:stretch>
+        </p:blipFill>
+        <p:spPr>
+          <a:xfrm>
+            <a:off x="4611690" y="9525"/>
+            <a:ext cx="7239000" cy="4705350"/>
+          </a:xfrm>
+        </p:spPr>
+      </p:pic>
+      <p:pic>
+        <p:nvPicPr>
+          <p:cNvPr id="14" name="Picture 13" descr="A screenshot of a social media post&#10;&#10;Description automatically generated">
+            <a:extLst>
+              <a:ext uri="{FF2B5EF4-FFF2-40B4-BE49-F238E27FC236}">
+                <a16:creationId xmlns:a16="http://schemas.microsoft.com/office/drawing/2014/main" id="{33B6B3BC-5449-4E48-9672-B70895366CD3}"/>
+              </a:ext>
+            </a:extLst>
+          </p:cNvPr>
+          <p:cNvPicPr>
+            <a:picLocks noChangeAspect="1"/>
+          </p:cNvPicPr>
+          <p:nvPr/>
+        </p:nvPicPr>
+        <p:blipFill>
+          <a:blip r:embed="rId3">
+            <a:extLst>
+              <a:ext uri="{28A0092B-C50C-407E-A947-70E740481C1C}">
+                <a14:useLocalDpi xmlns:a14="http://schemas.microsoft.com/office/drawing/2010/main" val="0"/>
+              </a:ext>
+            </a:extLst>
+          </a:blip>
+          <a:stretch>
+            <a:fillRect/>
+          </a:stretch>
+        </p:blipFill>
+        <p:spPr>
+          <a:xfrm>
+            <a:off x="4611690" y="4648084"/>
+            <a:ext cx="7239000" cy="1828916"/>
+          </a:xfrm>
+          <a:prstGeom prst="rect">
+            <a:avLst/>
+          </a:prstGeom>
+        </p:spPr>
+      </p:pic>
+    </p:spTree>
+    <p:extLst>
+      <p:ext uri="{BB962C8B-B14F-4D97-AF65-F5344CB8AC3E}">
+        <p14:creationId xmlns:p14="http://schemas.microsoft.com/office/powerpoint/2010/main" val="624261840"/>
+      </p:ext>
+    </p:extLst>
+  </p:cSld>
+  <p:clrMapOvr>
+    <a:masterClrMapping/>
+  </p:clrMapOvr>
+  <mc:AlternateContent xmlns:mc="http://schemas.openxmlformats.org/markup-compatibility/2006" xmlns:p14="http://schemas.microsoft.com/office/powerpoint/2010/main">
+    <mc:Choice Requires="p14">
+      <p:transition spd="med" p14:dur="700">
+        <p:fade/>
+      </p:transition>
+    </mc:Choice>
+    <mc:Fallback xmlns="">
+      <p:transition spd="med">
+        <p:fade/>
+      </p:transition>
+    </mc:Fallback>
+  </mc:AlternateContent>
+</p:sld>
+</file>
+
+<file path=ppt/slides/slide26.xml><?xml version="1.0" encoding="utf-8"?>
+<p:sld xmlns:a="http://schemas.openxmlformats.org/drawingml/2006/main" xmlns:r="http://schemas.openxmlformats.org/officeDocument/2006/relationships" xmlns:p="http://schemas.openxmlformats.org/presentationml/2006/main">
+  <p:cSld>
+    <p:spTree>
+      <p:nvGrpSpPr>
+        <p:cNvPr id="1" name=""/>
+        <p:cNvGrpSpPr/>
+        <p:nvPr/>
+      </p:nvGrpSpPr>
+      <p:grpSpPr>
+        <a:xfrm>
+          <a:off x="0" y="0"/>
+          <a:ext cx="0" cy="0"/>
+          <a:chOff x="0" y="0"/>
+          <a:chExt cx="0" cy="0"/>
+        </a:xfrm>
+      </p:grpSpPr>
+      <p:sp>
+        <p:nvSpPr>
+          <p:cNvPr id="2" name="Title 1">
+            <a:extLst>
+              <a:ext uri="{FF2B5EF4-FFF2-40B4-BE49-F238E27FC236}">
+                <a16:creationId xmlns:a16="http://schemas.microsoft.com/office/drawing/2014/main" id="{22BC79D9-9C05-4895-95C7-0F63E2CD62BF}"/>
+              </a:ext>
+            </a:extLst>
+          </p:cNvPr>
+          <p:cNvSpPr>
+            <a:spLocks noGrp="1"/>
+          </p:cNvSpPr>
+          <p:nvPr>
+            <p:ph type="title"/>
+          </p:nvPr>
+        </p:nvSpPr>
+        <p:spPr>
+          <a:xfrm>
+            <a:off x="760412" y="1143000"/>
+            <a:ext cx="3200400" cy="1990725"/>
+          </a:xfrm>
+        </p:spPr>
+        <p:txBody>
+          <a:bodyPr/>
+          <a:lstStyle/>
+          <a:p>
+            <a:r>
+              <a:rPr lang="en-US" dirty="0"/>
+              <a:t>Risky Zip Codes and Loan Cancellation Rates</a:t>
+            </a:r>
+          </a:p>
+        </p:txBody>
+      </p:sp>
+      <p:sp>
+        <p:nvSpPr>
+          <p:cNvPr id="3" name="Text Placeholder 2">
+            <a:extLst>
+              <a:ext uri="{FF2B5EF4-FFF2-40B4-BE49-F238E27FC236}">
+                <a16:creationId xmlns:a16="http://schemas.microsoft.com/office/drawing/2014/main" id="{6124E2A9-58DF-4BA8-AF13-4CFFE592694B}"/>
+              </a:ext>
+            </a:extLst>
+          </p:cNvPr>
+          <p:cNvSpPr>
+            <a:spLocks noGrp="1"/>
+          </p:cNvSpPr>
+          <p:nvPr>
+            <p:ph type="body" sz="half" idx="2"/>
+          </p:nvPr>
+        </p:nvSpPr>
+        <p:spPr>
+          <a:xfrm>
+            <a:off x="760412" y="3352800"/>
+            <a:ext cx="3200400" cy="2636520"/>
+          </a:xfrm>
+        </p:spPr>
+        <p:txBody>
+          <a:bodyPr>
+            <a:normAutofit lnSpcReduction="10000"/>
+          </a:bodyPr>
+          <a:lstStyle/>
+          <a:p>
+            <a:pPr marL="285750" indent="-285750">
+              <a:buFont typeface="Arial" panose="020B0604020202020204" pitchFamily="34" charset="0"/>
+              <a:buChar char="•"/>
+            </a:pPr>
+            <a:r>
+              <a:rPr lang="en-US" dirty="0"/>
+              <a:t>Borrowers from zip codes known to have a significantly higher than average cancellation rate tend to cancel their loans more often than people from non problematic zip codes.</a:t>
+            </a:r>
+          </a:p>
+          <a:p>
+            <a:pPr marL="285750" indent="-285750">
+              <a:buFont typeface="Arial" panose="020B0604020202020204" pitchFamily="34" charset="0"/>
+              <a:buChar char="•"/>
+            </a:pPr>
+            <a:r>
+              <a:rPr lang="en-US" dirty="0"/>
+              <a:t>The estimated odds of loan cancellation are 1.94 times higher for people in bad zip codes vs people not in bad zip codes.</a:t>
+            </a:r>
+          </a:p>
+        </p:txBody>
+      </p:sp>
+      <p:pic>
+        <p:nvPicPr>
+          <p:cNvPr id="6" name="Content Placeholder 5" descr="A screenshot of a cell phone&#10;&#10;Description automatically generated">
+            <a:extLst>
+              <a:ext uri="{FF2B5EF4-FFF2-40B4-BE49-F238E27FC236}">
+                <a16:creationId xmlns:a16="http://schemas.microsoft.com/office/drawing/2014/main" id="{534B52BB-7416-456E-9ECA-4C380F08EB0D}"/>
+              </a:ext>
+            </a:extLst>
+          </p:cNvPr>
+          <p:cNvPicPr>
+            <a:picLocks noGrp="1" noChangeAspect="1"/>
+          </p:cNvPicPr>
+          <p:nvPr>
+            <p:ph idx="1"/>
+          </p:nvPr>
+        </p:nvPicPr>
+        <p:blipFill>
+          <a:blip r:embed="rId2" cstate="print">
+            <a:extLst>
+              <a:ext uri="{28A0092B-C50C-407E-A947-70E740481C1C}">
+                <a14:useLocalDpi xmlns:a14="http://schemas.microsoft.com/office/drawing/2010/main" val="0"/>
+              </a:ext>
+            </a:extLst>
+          </a:blip>
+          <a:stretch>
+            <a:fillRect/>
+          </a:stretch>
+        </p:blipFill>
+        <p:spPr>
+          <a:xfrm>
+            <a:off x="4495800" y="7776"/>
+            <a:ext cx="7239000" cy="4716624"/>
+          </a:xfrm>
+        </p:spPr>
+      </p:pic>
+      <p:pic>
+        <p:nvPicPr>
+          <p:cNvPr id="8" name="Picture 7" descr="A screenshot of a social media post&#10;&#10;Description automatically generated">
+            <a:extLst>
+              <a:ext uri="{FF2B5EF4-FFF2-40B4-BE49-F238E27FC236}">
+                <a16:creationId xmlns:a16="http://schemas.microsoft.com/office/drawing/2014/main" id="{44F222A4-DBF5-47F5-A4A2-72AD11DFE730}"/>
+              </a:ext>
+            </a:extLst>
+          </p:cNvPr>
+          <p:cNvPicPr>
+            <a:picLocks noChangeAspect="1"/>
+          </p:cNvPicPr>
+          <p:nvPr/>
+        </p:nvPicPr>
+        <p:blipFill>
+          <a:blip r:embed="rId3">
+            <a:extLst>
+              <a:ext uri="{28A0092B-C50C-407E-A947-70E740481C1C}">
+                <a14:useLocalDpi xmlns:a14="http://schemas.microsoft.com/office/drawing/2010/main" val="0"/>
+              </a:ext>
+            </a:extLst>
+          </a:blip>
+          <a:stretch>
+            <a:fillRect/>
+          </a:stretch>
+        </p:blipFill>
+        <p:spPr>
+          <a:xfrm>
+            <a:off x="4495800" y="4724400"/>
+            <a:ext cx="7239000" cy="1774412"/>
+          </a:xfrm>
+          <a:prstGeom prst="rect">
+            <a:avLst/>
+          </a:prstGeom>
+        </p:spPr>
+      </p:pic>
+    </p:spTree>
+    <p:extLst>
+      <p:ext uri="{BB962C8B-B14F-4D97-AF65-F5344CB8AC3E}">
+        <p14:creationId xmlns:p14="http://schemas.microsoft.com/office/powerpoint/2010/main" val="3303518119"/>
+      </p:ext>
+    </p:extLst>
+  </p:cSld>
+  <p:clrMapOvr>
+    <a:masterClrMapping/>
+  </p:clrMapOvr>
+  <mc:AlternateContent xmlns:mc="http://schemas.openxmlformats.org/markup-compatibility/2006" xmlns:p14="http://schemas.microsoft.com/office/powerpoint/2010/main">
+    <mc:Choice Requires="p14">
+      <p:transition spd="med" p14:dur="700">
+        <p:fade/>
+      </p:transition>
+    </mc:Choice>
+    <mc:Fallback xmlns="">
+      <p:transition spd="med">
+        <p:fade/>
+      </p:transition>
+    </mc:Fallback>
+  </mc:AlternateContent>
+</p:sld>
+</file>
+
+<file path=ppt/slides/slide27.xml><?xml version="1.0" encoding="utf-8"?>
+<p:sld xmlns:a="http://schemas.openxmlformats.org/drawingml/2006/main" xmlns:r="http://schemas.openxmlformats.org/officeDocument/2006/relationships" xmlns:p="http://schemas.openxmlformats.org/presentationml/2006/main">
+  <p:cSld>
+    <p:spTree>
+      <p:nvGrpSpPr>
+        <p:cNvPr id="1" name=""/>
+        <p:cNvGrpSpPr/>
+        <p:nvPr/>
+      </p:nvGrpSpPr>
+      <p:grpSpPr>
+        <a:xfrm>
+          <a:off x="0" y="0"/>
+          <a:ext cx="0" cy="0"/>
+          <a:chOff x="0" y="0"/>
+          <a:chExt cx="0" cy="0"/>
+        </a:xfrm>
+      </p:grpSpPr>
+      <p:sp>
+        <p:nvSpPr>
+          <p:cNvPr id="5" name="Title 4">
+            <a:extLst>
+              <a:ext uri="{FF2B5EF4-FFF2-40B4-BE49-F238E27FC236}">
+                <a16:creationId xmlns:a16="http://schemas.microsoft.com/office/drawing/2014/main" id="{B317B8C6-1557-4249-A83B-90F379594151}"/>
+              </a:ext>
+            </a:extLst>
+          </p:cNvPr>
+          <p:cNvSpPr>
+            <a:spLocks noGrp="1"/>
+          </p:cNvSpPr>
+          <p:nvPr>
+            <p:ph type="title"/>
+          </p:nvPr>
+        </p:nvSpPr>
+        <p:spPr/>
+        <p:txBody>
+          <a:bodyPr/>
+          <a:lstStyle/>
+          <a:p>
+            <a:r>
+              <a:rPr lang="en-US" dirty="0"/>
+              <a:t>Other Predictive Models Used</a:t>
+            </a:r>
+          </a:p>
+        </p:txBody>
+      </p:sp>
+      <p:sp>
+        <p:nvSpPr>
+          <p:cNvPr id="6" name="Text Placeholder 5">
+            <a:extLst>
+              <a:ext uri="{FF2B5EF4-FFF2-40B4-BE49-F238E27FC236}">
+                <a16:creationId xmlns:a16="http://schemas.microsoft.com/office/drawing/2014/main" id="{F64940AB-B5A6-4E44-8735-D102FCB15229}"/>
+              </a:ext>
+            </a:extLst>
+          </p:cNvPr>
+          <p:cNvSpPr>
+            <a:spLocks noGrp="1"/>
+          </p:cNvSpPr>
+          <p:nvPr>
+            <p:ph type="body" idx="1"/>
+          </p:nvPr>
+        </p:nvSpPr>
+        <p:spPr/>
+        <p:txBody>
+          <a:bodyPr/>
+          <a:lstStyle/>
+          <a:p>
+            <a:endParaRPr lang="en-US"/>
+          </a:p>
+        </p:txBody>
+      </p:sp>
+    </p:spTree>
+    <p:extLst>
+      <p:ext uri="{BB962C8B-B14F-4D97-AF65-F5344CB8AC3E}">
+        <p14:creationId xmlns:p14="http://schemas.microsoft.com/office/powerpoint/2010/main" val="2174779357"/>
+      </p:ext>
+    </p:extLst>
+  </p:cSld>
+  <p:clrMapOvr>
+    <a:masterClrMapping/>
+  </p:clrMapOvr>
+  <mc:AlternateContent xmlns:mc="http://schemas.openxmlformats.org/markup-compatibility/2006" xmlns:p14="http://schemas.microsoft.com/office/powerpoint/2010/main">
+    <mc:Choice Requires="p14">
+      <p:transition spd="med" p14:dur="700">
+        <p:fade/>
+      </p:transition>
+    </mc:Choice>
+    <mc:Fallback xmlns="">
+      <p:transition spd="med">
+        <p:fade/>
+      </p:transition>
+    </mc:Fallback>
+  </mc:AlternateContent>
+</p:sld>
+</file>
+
+<file path=ppt/slides/slide28.xml><?xml version="1.0" encoding="utf-8"?>
+<p:sld xmlns:a="http://schemas.openxmlformats.org/drawingml/2006/main" xmlns:r="http://schemas.openxmlformats.org/officeDocument/2006/relationships" xmlns:p="http://schemas.openxmlformats.org/presentationml/2006/main">
+  <p:cSld>
+    <p:spTree>
+      <p:nvGrpSpPr>
+        <p:cNvPr id="1" name=""/>
+        <p:cNvGrpSpPr/>
+        <p:nvPr/>
+      </p:nvGrpSpPr>
+      <p:grpSpPr>
+        <a:xfrm>
+          <a:off x="0" y="0"/>
+          <a:ext cx="0" cy="0"/>
+          <a:chOff x="0" y="0"/>
+          <a:chExt cx="0" cy="0"/>
+        </a:xfrm>
+      </p:grpSpPr>
+      <p:sp>
+        <p:nvSpPr>
+          <p:cNvPr id="4" name="Title 3">
+            <a:extLst>
+              <a:ext uri="{FF2B5EF4-FFF2-40B4-BE49-F238E27FC236}">
+                <a16:creationId xmlns:a16="http://schemas.microsoft.com/office/drawing/2014/main" id="{C9072550-FC63-4A0D-AB07-6ABF86935F22}"/>
+              </a:ext>
+            </a:extLst>
+          </p:cNvPr>
+          <p:cNvSpPr>
+            <a:spLocks noGrp="1"/>
+          </p:cNvSpPr>
+          <p:nvPr>
+            <p:ph type="title"/>
+          </p:nvPr>
+        </p:nvSpPr>
+        <p:spPr>
+          <a:xfrm>
+            <a:off x="1341120" y="533400"/>
+            <a:ext cx="9509760" cy="872363"/>
+          </a:xfrm>
+        </p:spPr>
+        <p:txBody>
+          <a:bodyPr>
+            <a:normAutofit/>
+          </a:bodyPr>
+          <a:lstStyle/>
+          <a:p>
+            <a:pPr algn="ctr"/>
+            <a:r>
+              <a:rPr lang="en-US" sz="4000" b="1" dirty="0"/>
+              <a:t>Predictive Models Used</a:t>
+            </a:r>
+          </a:p>
+        </p:txBody>
+      </p:sp>
+      <p:sp>
+        <p:nvSpPr>
+          <p:cNvPr id="5" name="Content Placeholder 4">
+            <a:extLst>
+              <a:ext uri="{FF2B5EF4-FFF2-40B4-BE49-F238E27FC236}">
+                <a16:creationId xmlns:a16="http://schemas.microsoft.com/office/drawing/2014/main" id="{BAA04B82-28BD-4436-9CB1-3C65AF929AB0}"/>
+              </a:ext>
+            </a:extLst>
+          </p:cNvPr>
+          <p:cNvSpPr>
+            <a:spLocks noGrp="1"/>
+          </p:cNvSpPr>
+          <p:nvPr>
+            <p:ph idx="1"/>
+          </p:nvPr>
+        </p:nvSpPr>
+        <p:spPr/>
+        <p:txBody>
+          <a:bodyPr/>
+          <a:lstStyle/>
+          <a:p>
+            <a:r>
+              <a:rPr lang="en-US" dirty="0"/>
+              <a:t>KNN Classifier</a:t>
+            </a:r>
+          </a:p>
+          <a:p>
+            <a:r>
+              <a:rPr lang="en-US" dirty="0"/>
+              <a:t>Decision Tree Classifier</a:t>
+            </a:r>
+          </a:p>
+          <a:p>
+            <a:r>
+              <a:rPr lang="en-US" dirty="0"/>
+              <a:t>Random Forest Classifier</a:t>
+            </a:r>
+          </a:p>
+          <a:p>
+            <a:r>
+              <a:rPr lang="en-US" dirty="0" err="1"/>
+              <a:t>XGBoost</a:t>
+            </a:r>
+            <a:r>
+              <a:rPr lang="en-US" dirty="0"/>
+              <a:t> (Gradient Boosted Tree Classifier)</a:t>
+            </a:r>
+          </a:p>
+          <a:p>
+            <a:r>
+              <a:rPr lang="en-US" dirty="0"/>
+              <a:t>Multi-Layer Perceptron Classifier</a:t>
+            </a:r>
+          </a:p>
+          <a:p>
+            <a:endParaRPr lang="en-US" dirty="0"/>
+          </a:p>
+        </p:txBody>
+      </p:sp>
+    </p:spTree>
+    <p:extLst>
+      <p:ext uri="{BB962C8B-B14F-4D97-AF65-F5344CB8AC3E}">
+        <p14:creationId xmlns:p14="http://schemas.microsoft.com/office/powerpoint/2010/main" val="1854935934"/>
+      </p:ext>
+    </p:extLst>
+  </p:cSld>
+  <p:clrMapOvr>
+    <a:masterClrMapping/>
+  </p:clrMapOvr>
+  <mc:AlternateContent xmlns:mc="http://schemas.openxmlformats.org/markup-compatibility/2006" xmlns:p14="http://schemas.microsoft.com/office/powerpoint/2010/main">
+    <mc:Choice Requires="p14">
+      <p:transition spd="med" p14:dur="700">
+        <p:fade/>
+      </p:transition>
+    </mc:Choice>
+    <mc:Fallback xmlns="">
+      <p:transition spd="med">
+        <p:fade/>
+      </p:transition>
+    </mc:Fallback>
+  </mc:AlternateContent>
+</p:sld>
+</file>
+
+<file path=ppt/slides/slide29.xml><?xml version="1.0" encoding="utf-8"?>
+<p:sld xmlns:a="http://schemas.openxmlformats.org/drawingml/2006/main" xmlns:r="http://schemas.openxmlformats.org/officeDocument/2006/relationships" xmlns:p="http://schemas.openxmlformats.org/presentationml/2006/main">
+  <p:cSld>
+    <p:spTree>
+      <p:nvGrpSpPr>
+        <p:cNvPr id="1" name=""/>
+        <p:cNvGrpSpPr/>
+        <p:nvPr/>
+      </p:nvGrpSpPr>
+      <p:grpSpPr>
+        <a:xfrm>
+          <a:off x="0" y="0"/>
+          <a:ext cx="0" cy="0"/>
+          <a:chOff x="0" y="0"/>
+          <a:chExt cx="0" cy="0"/>
+        </a:xfrm>
+      </p:grpSpPr>
+      <p:sp>
+        <p:nvSpPr>
+          <p:cNvPr id="2" name="Title 1">
+            <a:extLst>
+              <a:ext uri="{FF2B5EF4-FFF2-40B4-BE49-F238E27FC236}">
+                <a16:creationId xmlns:a16="http://schemas.microsoft.com/office/drawing/2014/main" id="{4C973A3E-E7AB-43C7-A27B-0FB791B01343}"/>
+              </a:ext>
+            </a:extLst>
+          </p:cNvPr>
+          <p:cNvSpPr>
+            <a:spLocks noGrp="1"/>
+          </p:cNvSpPr>
+          <p:nvPr>
+            <p:ph type="title"/>
+          </p:nvPr>
+        </p:nvSpPr>
+        <p:spPr>
+          <a:xfrm>
+            <a:off x="1341120" y="571701"/>
+            <a:ext cx="9509760" cy="786384"/>
+          </a:xfrm>
+        </p:spPr>
+        <p:txBody>
+          <a:bodyPr>
+            <a:normAutofit/>
+          </a:bodyPr>
+          <a:lstStyle/>
+          <a:p>
+            <a:pPr algn="ctr"/>
+            <a:r>
+              <a:rPr lang="en-US" sz="4000" b="1" dirty="0"/>
+              <a:t>Top 2 Best Performing Models</a:t>
+            </a:r>
+          </a:p>
+        </p:txBody>
+      </p:sp>
+      <p:pic>
+        <p:nvPicPr>
+          <p:cNvPr id="5" name="Content Placeholder 4" descr="A screenshot of a cell phone&#10;&#10;Description automatically generated">
+            <a:extLst>
+              <a:ext uri="{FF2B5EF4-FFF2-40B4-BE49-F238E27FC236}">
+                <a16:creationId xmlns:a16="http://schemas.microsoft.com/office/drawing/2014/main" id="{D9C56098-832B-4088-95AB-DE57940EC87F}"/>
+              </a:ext>
+            </a:extLst>
+          </p:cNvPr>
+          <p:cNvPicPr>
+            <a:picLocks noGrp="1" noChangeAspect="1"/>
+          </p:cNvPicPr>
+          <p:nvPr>
+            <p:ph idx="1"/>
+          </p:nvPr>
+        </p:nvPicPr>
+        <p:blipFill>
+          <a:blip r:embed="rId2">
+            <a:extLst>
+              <a:ext uri="{28A0092B-C50C-407E-A947-70E740481C1C}">
+                <a14:useLocalDpi xmlns:a14="http://schemas.microsoft.com/office/drawing/2010/main" val="0"/>
+              </a:ext>
+            </a:extLst>
+          </a:blip>
+          <a:stretch>
+            <a:fillRect/>
+          </a:stretch>
+        </p:blipFill>
+        <p:spPr>
+          <a:xfrm>
+            <a:off x="6096000" y="3101218"/>
+            <a:ext cx="6096000" cy="3513124"/>
+          </a:xfrm>
+        </p:spPr>
+      </p:pic>
+      <p:pic>
+        <p:nvPicPr>
+          <p:cNvPr id="9" name="Picture 8" descr="A screenshot of a cell phone&#10;&#10;Description automatically generated">
+            <a:extLst>
+              <a:ext uri="{FF2B5EF4-FFF2-40B4-BE49-F238E27FC236}">
+                <a16:creationId xmlns:a16="http://schemas.microsoft.com/office/drawing/2014/main" id="{EFC77A90-6C88-4D0D-9A29-27D72C83A5DB}"/>
+              </a:ext>
+            </a:extLst>
+          </p:cNvPr>
+          <p:cNvPicPr>
+            <a:picLocks noChangeAspect="1"/>
+          </p:cNvPicPr>
+          <p:nvPr/>
+        </p:nvPicPr>
+        <p:blipFill>
+          <a:blip r:embed="rId3">
+            <a:extLst>
+              <a:ext uri="{28A0092B-C50C-407E-A947-70E740481C1C}">
+                <a14:useLocalDpi xmlns:a14="http://schemas.microsoft.com/office/drawing/2010/main" val="0"/>
+              </a:ext>
+            </a:extLst>
+          </a:blip>
+          <a:stretch>
+            <a:fillRect/>
+          </a:stretch>
+        </p:blipFill>
+        <p:spPr>
+          <a:xfrm>
+            <a:off x="0" y="3101218"/>
+            <a:ext cx="5410200" cy="3513124"/>
+          </a:xfrm>
+          <a:prstGeom prst="rect">
+            <a:avLst/>
+          </a:prstGeom>
+        </p:spPr>
+      </p:pic>
+      <p:sp>
+        <p:nvSpPr>
+          <p:cNvPr id="10" name="TextBox 9">
+            <a:extLst>
+              <a:ext uri="{FF2B5EF4-FFF2-40B4-BE49-F238E27FC236}">
+                <a16:creationId xmlns:a16="http://schemas.microsoft.com/office/drawing/2014/main" id="{43B2B3DD-FEC7-4713-B718-D71DDDA8F6CF}"/>
+              </a:ext>
+            </a:extLst>
+          </p:cNvPr>
+          <p:cNvSpPr txBox="1"/>
+          <p:nvPr/>
+        </p:nvSpPr>
+        <p:spPr>
+          <a:xfrm>
+            <a:off x="2819400" y="1675653"/>
+            <a:ext cx="6705600" cy="369332"/>
+          </a:xfrm>
+          <a:prstGeom prst="rect">
+            <a:avLst/>
+          </a:prstGeom>
+          <a:noFill/>
+        </p:spPr>
+        <p:txBody>
+          <a:bodyPr wrap="square" rtlCol="0">
+            <a:spAutoFit/>
+          </a:bodyPr>
+          <a:lstStyle/>
+          <a:p>
+            <a:pPr marL="285750" indent="-285750">
+              <a:buFont typeface="Arial" panose="020B0604020202020204" pitchFamily="34" charset="0"/>
+              <a:buChar char="•"/>
+            </a:pPr>
+            <a:r>
+              <a:rPr lang="en-US" dirty="0"/>
+              <a:t>Selected MLP Classifier because of higher recall score</a:t>
+            </a:r>
+          </a:p>
+        </p:txBody>
+      </p:sp>
+    </p:spTree>
+    <p:extLst>
+      <p:ext uri="{BB962C8B-B14F-4D97-AF65-F5344CB8AC3E}">
+        <p14:creationId xmlns:p14="http://schemas.microsoft.com/office/powerpoint/2010/main" val="1859434491"/>
       </p:ext>
     </p:extLst>
   </p:cSld>
@@ -9981,7 +9035,13 @@
       </p:grpSpPr>
       <p:sp>
         <p:nvSpPr>
-          <p:cNvPr id="2" name="Title 1"/>
+          <p:cNvPr id="2" name="Title 1">
+            <a:extLst>
+              <a:ext uri="{FF2B5EF4-FFF2-40B4-BE49-F238E27FC236}">
+                <a16:creationId xmlns:a16="http://schemas.microsoft.com/office/drawing/2014/main" id="{DA072801-B5D4-4FA2-A089-DCB1DC631F0E}"/>
+              </a:ext>
+            </a:extLst>
+          </p:cNvPr>
           <p:cNvSpPr>
             <a:spLocks noGrp="1"/>
           </p:cNvSpPr>
@@ -9989,136 +9049,789 @@
             <p:ph type="title"/>
           </p:nvPr>
         </p:nvSpPr>
+        <p:spPr>
+          <a:xfrm>
+            <a:off x="1304870" y="392239"/>
+            <a:ext cx="9509760" cy="872363"/>
+          </a:xfrm>
+        </p:spPr>
+        <p:txBody>
+          <a:bodyPr>
+            <a:normAutofit/>
+          </a:bodyPr>
+          <a:lstStyle/>
+          <a:p>
+            <a:pPr algn="ctr"/>
+            <a:r>
+              <a:rPr lang="en-US" sz="4000" b="1" dirty="0"/>
+              <a:t>Project Overview – Background </a:t>
+            </a:r>
+          </a:p>
+        </p:txBody>
+      </p:sp>
+      <p:sp>
+        <p:nvSpPr>
+          <p:cNvPr id="3" name="Content Placeholder 2">
+            <a:extLst>
+              <a:ext uri="{FF2B5EF4-FFF2-40B4-BE49-F238E27FC236}">
+                <a16:creationId xmlns:a16="http://schemas.microsoft.com/office/drawing/2014/main" id="{F24ADD17-22C4-4518-8D01-AA1FB0CEA137}"/>
+              </a:ext>
+            </a:extLst>
+          </p:cNvPr>
+          <p:cNvSpPr>
+            <a:spLocks noGrp="1"/>
+          </p:cNvSpPr>
+          <p:nvPr>
+            <p:ph idx="1"/>
+          </p:nvPr>
+        </p:nvSpPr>
         <p:spPr/>
         <p:txBody>
           <a:bodyPr/>
           <a:lstStyle/>
           <a:p>
             <a:r>
+              <a:rPr lang="en-US" sz="3200" dirty="0"/>
+              <a:t>IPFS is a Kansas City based Premium Finance Loan Lender</a:t>
+            </a:r>
+          </a:p>
+          <a:p>
+            <a:r>
+              <a:rPr lang="en-US" sz="3200" dirty="0"/>
+              <a:t>Received 3 Years of Loan Cancellation Data from IPFS</a:t>
+            </a:r>
+          </a:p>
+          <a:p>
+            <a:r>
+              <a:rPr lang="en-US" sz="3200" dirty="0"/>
+              <a:t>Goal of analysis was two-fold:</a:t>
+            </a:r>
+          </a:p>
+          <a:p>
+            <a:pPr lvl="1"/>
+            <a:r>
+              <a:rPr lang="en-US" sz="2800" dirty="0"/>
+              <a:t>1: Determine which factors were significantly associated with Loan Cancellation</a:t>
+            </a:r>
+          </a:p>
+          <a:p>
+            <a:pPr lvl="1"/>
+            <a:r>
+              <a:rPr lang="en-US" sz="2800" dirty="0"/>
+              <a:t>2: Build a model to accurately predict future loan cancellations</a:t>
+            </a:r>
+          </a:p>
+          <a:p>
+            <a:endParaRPr lang="en-US" dirty="0"/>
+          </a:p>
+        </p:txBody>
+      </p:sp>
+    </p:spTree>
+    <p:extLst>
+      <p:ext uri="{BB962C8B-B14F-4D97-AF65-F5344CB8AC3E}">
+        <p14:creationId xmlns:p14="http://schemas.microsoft.com/office/powerpoint/2010/main" val="2911292454"/>
+      </p:ext>
+    </p:extLst>
+  </p:cSld>
+  <p:clrMapOvr>
+    <a:masterClrMapping/>
+  </p:clrMapOvr>
+  <mc:AlternateContent xmlns:mc="http://schemas.openxmlformats.org/markup-compatibility/2006" xmlns:p14="http://schemas.microsoft.com/office/powerpoint/2010/main">
+    <mc:Choice Requires="p14">
+      <p:transition spd="med" p14:dur="700">
+        <p:fade/>
+      </p:transition>
+    </mc:Choice>
+    <mc:Fallback xmlns="">
+      <p:transition spd="med">
+        <p:fade/>
+      </p:transition>
+    </mc:Fallback>
+  </mc:AlternateContent>
+</p:sld>
+</file>
+
+<file path=ppt/slides/slide30.xml><?xml version="1.0" encoding="utf-8"?>
+<p:sld xmlns:a="http://schemas.openxmlformats.org/drawingml/2006/main" xmlns:r="http://schemas.openxmlformats.org/officeDocument/2006/relationships" xmlns:p="http://schemas.openxmlformats.org/presentationml/2006/main">
+  <p:cSld>
+    <p:spTree>
+      <p:nvGrpSpPr>
+        <p:cNvPr id="1" name=""/>
+        <p:cNvGrpSpPr/>
+        <p:nvPr/>
+      </p:nvGrpSpPr>
+      <p:grpSpPr>
+        <a:xfrm>
+          <a:off x="0" y="0"/>
+          <a:ext cx="0" cy="0"/>
+          <a:chOff x="0" y="0"/>
+          <a:chExt cx="0" cy="0"/>
+        </a:xfrm>
+      </p:grpSpPr>
+      <p:sp>
+        <p:nvSpPr>
+          <p:cNvPr id="6" name="Title 5">
+            <a:extLst>
+              <a:ext uri="{FF2B5EF4-FFF2-40B4-BE49-F238E27FC236}">
+                <a16:creationId xmlns:a16="http://schemas.microsoft.com/office/drawing/2014/main" id="{F2828D0A-0D92-4758-ACA0-865C7CE98551}"/>
+              </a:ext>
+            </a:extLst>
+          </p:cNvPr>
+          <p:cNvSpPr>
+            <a:spLocks noGrp="1"/>
+          </p:cNvSpPr>
+          <p:nvPr>
+            <p:ph type="title"/>
+          </p:nvPr>
+        </p:nvSpPr>
+        <p:spPr/>
+        <p:txBody>
+          <a:bodyPr/>
+          <a:lstStyle/>
+          <a:p>
+            <a:r>
+              <a:rPr lang="en-US" b="1" dirty="0"/>
+              <a:t>Summary of Findings and Recommendations </a:t>
+            </a:r>
+          </a:p>
+        </p:txBody>
+      </p:sp>
+      <p:sp>
+        <p:nvSpPr>
+          <p:cNvPr id="7" name="Text Placeholder 6">
+            <a:extLst>
+              <a:ext uri="{FF2B5EF4-FFF2-40B4-BE49-F238E27FC236}">
+                <a16:creationId xmlns:a16="http://schemas.microsoft.com/office/drawing/2014/main" id="{506758F1-2394-4F4B-8747-2D766ED61027}"/>
+              </a:ext>
+            </a:extLst>
+          </p:cNvPr>
+          <p:cNvSpPr>
+            <a:spLocks noGrp="1"/>
+          </p:cNvSpPr>
+          <p:nvPr>
+            <p:ph type="body" idx="1"/>
+          </p:nvPr>
+        </p:nvSpPr>
+        <p:spPr/>
+        <p:txBody>
+          <a:bodyPr/>
+          <a:lstStyle/>
+          <a:p>
+            <a:endParaRPr lang="en-US"/>
+          </a:p>
+        </p:txBody>
+      </p:sp>
+    </p:spTree>
+    <p:extLst>
+      <p:ext uri="{BB962C8B-B14F-4D97-AF65-F5344CB8AC3E}">
+        <p14:creationId xmlns:p14="http://schemas.microsoft.com/office/powerpoint/2010/main" val="547234718"/>
+      </p:ext>
+    </p:extLst>
+  </p:cSld>
+  <p:clrMapOvr>
+    <a:masterClrMapping/>
+  </p:clrMapOvr>
+  <mc:AlternateContent xmlns:mc="http://schemas.openxmlformats.org/markup-compatibility/2006" xmlns:p14="http://schemas.microsoft.com/office/powerpoint/2010/main">
+    <mc:Choice Requires="p14">
+      <p:transition spd="med" p14:dur="700">
+        <p:fade/>
+      </p:transition>
+    </mc:Choice>
+    <mc:Fallback xmlns="">
+      <p:transition spd="med">
+        <p:fade/>
+      </p:transition>
+    </mc:Fallback>
+  </mc:AlternateContent>
+</p:sld>
+</file>
+
+<file path=ppt/slides/slide31.xml><?xml version="1.0" encoding="utf-8"?>
+<p:sld xmlns:a="http://schemas.openxmlformats.org/drawingml/2006/main" xmlns:r="http://schemas.openxmlformats.org/officeDocument/2006/relationships" xmlns:p="http://schemas.openxmlformats.org/presentationml/2006/main">
+  <p:cSld>
+    <p:spTree>
+      <p:nvGrpSpPr>
+        <p:cNvPr id="1" name=""/>
+        <p:cNvGrpSpPr/>
+        <p:nvPr/>
+      </p:nvGrpSpPr>
+      <p:grpSpPr>
+        <a:xfrm>
+          <a:off x="0" y="0"/>
+          <a:ext cx="0" cy="0"/>
+          <a:chOff x="0" y="0"/>
+          <a:chExt cx="0" cy="0"/>
+        </a:xfrm>
+      </p:grpSpPr>
+      <p:sp>
+        <p:nvSpPr>
+          <p:cNvPr id="5" name="Title 4">
+            <a:extLst>
+              <a:ext uri="{FF2B5EF4-FFF2-40B4-BE49-F238E27FC236}">
+                <a16:creationId xmlns:a16="http://schemas.microsoft.com/office/drawing/2014/main" id="{75BA2EA5-BB66-407E-9DAF-966187BD9336}"/>
+              </a:ext>
+            </a:extLst>
+          </p:cNvPr>
+          <p:cNvSpPr>
+            <a:spLocks noGrp="1"/>
+          </p:cNvSpPr>
+          <p:nvPr>
+            <p:ph type="title"/>
+          </p:nvPr>
+        </p:nvSpPr>
+        <p:spPr>
+          <a:xfrm>
+            <a:off x="1341120" y="381000"/>
+            <a:ext cx="9509760" cy="710184"/>
+          </a:xfrm>
+        </p:spPr>
+        <p:txBody>
+          <a:bodyPr>
+            <a:normAutofit/>
+          </a:bodyPr>
+          <a:lstStyle/>
+          <a:p>
+            <a:pPr algn="ctr"/>
+            <a:r>
+              <a:rPr lang="en-US" sz="4000" b="1" dirty="0"/>
+              <a:t>Summary of Findings</a:t>
+            </a:r>
+          </a:p>
+        </p:txBody>
+      </p:sp>
+      <p:sp>
+        <p:nvSpPr>
+          <p:cNvPr id="6" name="Content Placeholder 5">
+            <a:extLst>
+              <a:ext uri="{FF2B5EF4-FFF2-40B4-BE49-F238E27FC236}">
+                <a16:creationId xmlns:a16="http://schemas.microsoft.com/office/drawing/2014/main" id="{A65AD0AD-3891-4C73-8230-002BAF607EE7}"/>
+              </a:ext>
+            </a:extLst>
+          </p:cNvPr>
+          <p:cNvSpPr>
+            <a:spLocks noGrp="1"/>
+          </p:cNvSpPr>
+          <p:nvPr>
+            <p:ph idx="1"/>
+          </p:nvPr>
+        </p:nvSpPr>
+        <p:spPr/>
+        <p:txBody>
+          <a:bodyPr>
+            <a:normAutofit fontScale="85000" lnSpcReduction="20000"/>
+          </a:bodyPr>
+          <a:lstStyle/>
+          <a:p>
+            <a:r>
               <a:rPr lang="en-US" dirty="0"/>
-              <a:t>Project Overview</a:t>
-            </a:r>
-          </a:p>
-        </p:txBody>
-      </p:sp>
-      <p:sp>
-        <p:nvSpPr>
-          <p:cNvPr id="3" name="Content Placeholder 2"/>
-          <p:cNvSpPr>
-            <a:spLocks noGrp="1"/>
-          </p:cNvSpPr>
-          <p:nvPr>
-            <p:ph idx="1"/>
-          </p:nvPr>
-        </p:nvSpPr>
-        <p:spPr/>
-        <p:txBody>
-          <a:bodyPr>
-            <a:normAutofit fontScale="32500" lnSpcReduction="20000"/>
-          </a:bodyPr>
-          <a:lstStyle/>
-          <a:p>
-            <a:pPr marL="45720" indent="0">
-              <a:buNone/>
-            </a:pPr>
-            <a:r>
-              <a:rPr lang="en-US" sz="3800" b="1" u="sng" dirty="0"/>
-              <a:t>Objectives:</a:t>
-            </a:r>
-          </a:p>
-          <a:p>
-            <a:r>
-              <a:rPr lang="en-US" sz="3800" b="1" dirty="0"/>
-              <a:t>Determine what factors lead to premature loan cancellation, given 3 years of provided loan data.</a:t>
-            </a:r>
-          </a:p>
-          <a:p>
-            <a:r>
-              <a:rPr lang="en-US" sz="3800" b="1" dirty="0"/>
-              <a:t>Make data-driven recommendations to executives based on findings of analysis.</a:t>
-            </a:r>
-          </a:p>
-          <a:p>
-            <a:pPr marL="45720" indent="0">
-              <a:buNone/>
-            </a:pPr>
-            <a:r>
-              <a:rPr lang="en-US" sz="3800" b="1" u="sng" dirty="0"/>
-              <a:t>Focus of Analysis:</a:t>
-            </a:r>
-          </a:p>
-          <a:p>
-            <a:r>
-              <a:rPr lang="en-US" sz="3800" b="1" dirty="0"/>
-              <a:t>What are the factors that explain loan cancellation?</a:t>
-            </a:r>
-          </a:p>
-          <a:p>
-            <a:r>
-              <a:rPr lang="en-US" sz="3800" b="1" dirty="0"/>
-              <a:t>Are there policy implications/changes in business rules that are necessary based on these findings?</a:t>
-            </a:r>
-          </a:p>
-          <a:p>
-            <a:r>
-              <a:rPr lang="en-US" sz="3800" b="1" dirty="0"/>
-              <a:t>What actions can IPFS take to mitigate future loan cancellation given the findings of this analysis?</a:t>
-            </a:r>
-          </a:p>
-          <a:p>
-            <a:pPr marL="45720" indent="0">
+              <a:t>A potential profile of a safe borrower is as follows:</a:t>
+            </a:r>
+          </a:p>
+          <a:p>
+            <a:pPr lvl="1"/>
+            <a:r>
+              <a:rPr lang="en-US" dirty="0"/>
+              <a:t>Borrower Registers on the web and uses the internet to service their loan/get updates about their loan (</a:t>
+            </a:r>
+            <a:r>
+              <a:rPr lang="en-US" dirty="0" err="1"/>
+              <a:t>EForms</a:t>
+            </a:r>
+            <a:r>
+              <a:rPr lang="en-US" dirty="0"/>
+              <a:t>)</a:t>
+            </a:r>
+          </a:p>
+          <a:p>
+            <a:pPr lvl="1"/>
+            <a:r>
+              <a:rPr lang="en-US" dirty="0"/>
+              <a:t>Borrower does not incur Default Charges</a:t>
+            </a:r>
+          </a:p>
+          <a:p>
+            <a:pPr lvl="1"/>
+            <a:r>
+              <a:rPr lang="en-US" dirty="0"/>
+              <a:t>Borrower has no history of loan cancellation with IPFS</a:t>
+            </a:r>
+          </a:p>
+          <a:p>
+            <a:pPr lvl="1"/>
+            <a:r>
+              <a:rPr lang="en-US" dirty="0"/>
+              <a:t>Borrower does not work in transportation or construction</a:t>
+            </a:r>
+          </a:p>
+          <a:p>
+            <a:pPr lvl="1"/>
+            <a:r>
+              <a:rPr lang="en-US" dirty="0"/>
+              <a:t>Borrower has good to great credit</a:t>
+            </a:r>
+          </a:p>
+          <a:p>
+            <a:pPr lvl="1"/>
+            <a:r>
+              <a:rPr lang="en-US" dirty="0"/>
+              <a:t>Borrower is not from a high-risk zip code</a:t>
+            </a:r>
+          </a:p>
+          <a:p>
+            <a:pPr marL="365760" lvl="1" indent="0">
               <a:buNone/>
             </a:pPr>
             <a:endParaRPr lang="en-US" dirty="0"/>
           </a:p>
           <a:p>
-            <a:pPr marL="45720" indent="0">
+            <a:r>
+              <a:rPr lang="en-US" dirty="0"/>
+              <a:t>A potential profile of a risky borrower is as follows:</a:t>
+            </a:r>
+          </a:p>
+          <a:p>
+            <a:pPr lvl="1"/>
+            <a:r>
+              <a:rPr lang="en-US" dirty="0"/>
+              <a:t>Borrower does not use internet to service loan/does not use </a:t>
+            </a:r>
+            <a:r>
+              <a:rPr lang="en-US" dirty="0" err="1"/>
+              <a:t>EForms</a:t>
+            </a:r>
+            <a:endParaRPr lang="en-US" dirty="0"/>
+          </a:p>
+          <a:p>
+            <a:pPr lvl="1"/>
+            <a:r>
+              <a:rPr lang="en-US" dirty="0"/>
+              <a:t>Borrower incurs Default or Late Charges</a:t>
+            </a:r>
+          </a:p>
+          <a:p>
+            <a:pPr lvl="1"/>
+            <a:r>
+              <a:rPr lang="en-US" dirty="0"/>
+              <a:t>Borrower has average to poor credit and is asking for a large loan</a:t>
+            </a:r>
+          </a:p>
+          <a:p>
+            <a:pPr lvl="1"/>
+            <a:r>
+              <a:rPr lang="en-US" dirty="0"/>
+              <a:t>Borrower works in transportation or construction</a:t>
+            </a:r>
+          </a:p>
+          <a:p>
+            <a:pPr lvl="1"/>
+            <a:r>
+              <a:rPr lang="en-US" dirty="0"/>
+              <a:t>Borrower is from a high-risk zip code</a:t>
+            </a:r>
+          </a:p>
+          <a:p>
+            <a:pPr marL="365760" lvl="1" indent="0">
               <a:buNone/>
             </a:pPr>
-            <a:r>
-              <a:rPr lang="en-US" sz="3800" b="1" u="sng" dirty="0"/>
-              <a:t>Value-add(s) for IPFS:</a:t>
-            </a:r>
-          </a:p>
-          <a:p>
-            <a:pPr lvl="2">
-              <a:buFont typeface="Wingdings" panose="05000000000000000000" pitchFamily="2" charset="2"/>
-              <a:buChar char="Ø"/>
+            <a:endParaRPr lang="en-US" dirty="0"/>
+          </a:p>
+          <a:p>
+            <a:pPr marL="365760" lvl="1" indent="0">
+              <a:buNone/>
             </a:pPr>
-            <a:r>
-              <a:rPr lang="en-US" sz="2900" b="1" dirty="0"/>
-              <a:t>Minimizing cancellations accomplishes:</a:t>
-            </a:r>
-          </a:p>
-          <a:p>
-            <a:pPr lvl="3">
-              <a:buFont typeface="Wingdings" panose="05000000000000000000" pitchFamily="2" charset="2"/>
-              <a:buChar char="Ø"/>
+            <a:endParaRPr lang="en-US" dirty="0"/>
+          </a:p>
+        </p:txBody>
+      </p:sp>
+    </p:spTree>
+    <p:extLst>
+      <p:ext uri="{BB962C8B-B14F-4D97-AF65-F5344CB8AC3E}">
+        <p14:creationId xmlns:p14="http://schemas.microsoft.com/office/powerpoint/2010/main" val="3754784334"/>
+      </p:ext>
+    </p:extLst>
+  </p:cSld>
+  <p:clrMapOvr>
+    <a:masterClrMapping/>
+  </p:clrMapOvr>
+  <mc:AlternateContent xmlns:mc="http://schemas.openxmlformats.org/markup-compatibility/2006" xmlns:p14="http://schemas.microsoft.com/office/powerpoint/2010/main">
+    <mc:Choice Requires="p14">
+      <p:transition spd="med" p14:dur="700">
+        <p:fade/>
+      </p:transition>
+    </mc:Choice>
+    <mc:Fallback xmlns="">
+      <p:transition spd="med">
+        <p:fade/>
+      </p:transition>
+    </mc:Fallback>
+  </mc:AlternateContent>
+</p:sld>
+</file>
+
+<file path=ppt/slides/slide32.xml><?xml version="1.0" encoding="utf-8"?>
+<p:sld xmlns:a="http://schemas.openxmlformats.org/drawingml/2006/main" xmlns:r="http://schemas.openxmlformats.org/officeDocument/2006/relationships" xmlns:p="http://schemas.openxmlformats.org/presentationml/2006/main">
+  <p:cSld>
+    <p:spTree>
+      <p:nvGrpSpPr>
+        <p:cNvPr id="1" name=""/>
+        <p:cNvGrpSpPr/>
+        <p:nvPr/>
+      </p:nvGrpSpPr>
+      <p:grpSpPr>
+        <a:xfrm>
+          <a:off x="0" y="0"/>
+          <a:ext cx="0" cy="0"/>
+          <a:chOff x="0" y="0"/>
+          <a:chExt cx="0" cy="0"/>
+        </a:xfrm>
+      </p:grpSpPr>
+      <p:sp>
+        <p:nvSpPr>
+          <p:cNvPr id="2" name="Title 1">
+            <a:extLst>
+              <a:ext uri="{FF2B5EF4-FFF2-40B4-BE49-F238E27FC236}">
+                <a16:creationId xmlns:a16="http://schemas.microsoft.com/office/drawing/2014/main" id="{6FEA0C46-C41D-4C53-BADB-EC0AC30E62ED}"/>
+              </a:ext>
+            </a:extLst>
+          </p:cNvPr>
+          <p:cNvSpPr>
+            <a:spLocks noGrp="1"/>
+          </p:cNvSpPr>
+          <p:nvPr>
+            <p:ph type="title"/>
+          </p:nvPr>
+        </p:nvSpPr>
+        <p:spPr>
+          <a:xfrm>
+            <a:off x="1341120" y="304800"/>
+            <a:ext cx="9509760" cy="872363"/>
+          </a:xfrm>
+        </p:spPr>
+        <p:txBody>
+          <a:bodyPr>
+            <a:normAutofit/>
+          </a:bodyPr>
+          <a:lstStyle/>
+          <a:p>
+            <a:pPr algn="ctr"/>
+            <a:r>
+              <a:rPr lang="en-US" sz="4000" b="1" dirty="0"/>
+              <a:t>Recommendations</a:t>
+            </a:r>
+          </a:p>
+        </p:txBody>
+      </p:sp>
+      <p:sp>
+        <p:nvSpPr>
+          <p:cNvPr id="3" name="Content Placeholder 2">
+            <a:extLst>
+              <a:ext uri="{FF2B5EF4-FFF2-40B4-BE49-F238E27FC236}">
+                <a16:creationId xmlns:a16="http://schemas.microsoft.com/office/drawing/2014/main" id="{7F4D723A-83F0-4B9E-A546-5BD21EA5C438}"/>
+              </a:ext>
+            </a:extLst>
+          </p:cNvPr>
+          <p:cNvSpPr>
+            <a:spLocks noGrp="1"/>
+          </p:cNvSpPr>
+          <p:nvPr>
+            <p:ph idx="1"/>
+          </p:nvPr>
+        </p:nvSpPr>
+        <p:spPr/>
+        <p:txBody>
+          <a:bodyPr/>
+          <a:lstStyle/>
+          <a:p>
+            <a:pPr marL="502920" indent="-457200">
+              <a:buFont typeface="+mj-lt"/>
+              <a:buAutoNum type="arabicPeriod"/>
             </a:pPr>
             <a:r>
-              <a:rPr lang="en-US" sz="2900" b="1" dirty="0"/>
-              <a:t>Agents have more stability in their book of business (Good for employees)</a:t>
-            </a:r>
-          </a:p>
-          <a:p>
-            <a:pPr lvl="3">
-              <a:buFont typeface="Wingdings" panose="05000000000000000000" pitchFamily="2" charset="2"/>
-              <a:buChar char="Ø"/>
+              <a:rPr lang="en-US" dirty="0"/>
+              <a:t>Encourage or Require Borrowers to register on the web and use E-Forms.</a:t>
+            </a:r>
+          </a:p>
+          <a:p>
+            <a:pPr marL="502920" indent="-457200">
+              <a:buFont typeface="+mj-lt"/>
+              <a:buAutoNum type="arabicPeriod"/>
             </a:pPr>
             <a:r>
-              <a:rPr lang="en-US" sz="2900" b="1" dirty="0"/>
-              <a:t>Difference in earned premium can be re-invested in business/distributed among shareholders (Good for investors)</a:t>
-            </a:r>
-          </a:p>
-          <a:p>
-            <a:pPr lvl="3">
-              <a:buFont typeface="Wingdings" panose="05000000000000000000" pitchFamily="2" charset="2"/>
-              <a:buChar char="Ø"/>
+              <a:rPr lang="en-US" dirty="0"/>
+              <a:t>Never lend to borrowers who have cancelled a loan with IPFS.</a:t>
+            </a:r>
+          </a:p>
+          <a:p>
+            <a:pPr marL="502920" indent="-457200">
+              <a:buFont typeface="+mj-lt"/>
+              <a:buAutoNum type="arabicPeriod"/>
             </a:pPr>
             <a:r>
-              <a:rPr lang="en-US" sz="2900" b="1" dirty="0"/>
-              <a:t>More careful underwriting -&gt; preventing company loss of income (Good for the company; Reduce insolvency risk)</a:t>
-            </a:r>
+              <a:rPr lang="en-US" dirty="0"/>
+              <a:t>More thorough and detailed vetting of borrowers wanting larger loans if their credit is not good or great.</a:t>
+            </a:r>
+          </a:p>
+          <a:p>
+            <a:pPr marL="502920" indent="-457200">
+              <a:buFont typeface="+mj-lt"/>
+              <a:buAutoNum type="arabicPeriod"/>
+            </a:pPr>
+            <a:r>
+              <a:rPr lang="en-US" dirty="0"/>
+              <a:t>Monitor individual agent performance to see if agent actions or lack thereof contribute to higher cancellation rates.</a:t>
+            </a:r>
+          </a:p>
+          <a:p>
+            <a:pPr marL="502920" indent="-457200">
+              <a:buFont typeface="+mj-lt"/>
+              <a:buAutoNum type="arabicPeriod"/>
+            </a:pPr>
+            <a:r>
+              <a:rPr lang="en-US" dirty="0"/>
+              <a:t>More strict requirements for borrowers who work in Transportation or Construction.</a:t>
+            </a:r>
+          </a:p>
+          <a:p>
+            <a:pPr marL="502920" indent="-457200">
+              <a:buFont typeface="+mj-lt"/>
+              <a:buAutoNum type="arabicPeriod"/>
+            </a:pPr>
+            <a:endParaRPr lang="en-US" dirty="0"/>
+          </a:p>
+        </p:txBody>
+      </p:sp>
+    </p:spTree>
+    <p:extLst>
+      <p:ext uri="{BB962C8B-B14F-4D97-AF65-F5344CB8AC3E}">
+        <p14:creationId xmlns:p14="http://schemas.microsoft.com/office/powerpoint/2010/main" val="3046263863"/>
+      </p:ext>
+    </p:extLst>
+  </p:cSld>
+  <p:clrMapOvr>
+    <a:masterClrMapping/>
+  </p:clrMapOvr>
+  <mc:AlternateContent xmlns:mc="http://schemas.openxmlformats.org/markup-compatibility/2006" xmlns:p14="http://schemas.microsoft.com/office/powerpoint/2010/main">
+    <mc:Choice Requires="p14">
+      <p:transition spd="med" p14:dur="700">
+        <p:fade/>
+      </p:transition>
+    </mc:Choice>
+    <mc:Fallback xmlns="">
+      <p:transition spd="med">
+        <p:fade/>
+      </p:transition>
+    </mc:Fallback>
+  </mc:AlternateContent>
+</p:sld>
+</file>
+
+<file path=ppt/slides/slide33.xml><?xml version="1.0" encoding="utf-8"?>
+<p:sld xmlns:a="http://schemas.openxmlformats.org/drawingml/2006/main" xmlns:r="http://schemas.openxmlformats.org/officeDocument/2006/relationships" xmlns:p="http://schemas.openxmlformats.org/presentationml/2006/main">
+  <p:cSld>
+    <p:spTree>
+      <p:nvGrpSpPr>
+        <p:cNvPr id="1" name=""/>
+        <p:cNvGrpSpPr/>
+        <p:nvPr/>
+      </p:nvGrpSpPr>
+      <p:grpSpPr>
+        <a:xfrm>
+          <a:off x="0" y="0"/>
+          <a:ext cx="0" cy="0"/>
+          <a:chOff x="0" y="0"/>
+          <a:chExt cx="0" cy="0"/>
+        </a:xfrm>
+      </p:grpSpPr>
+      <p:sp>
+        <p:nvSpPr>
+          <p:cNvPr id="2" name="Title 1"/>
+          <p:cNvSpPr>
+            <a:spLocks noGrp="1"/>
+          </p:cNvSpPr>
+          <p:nvPr>
+            <p:ph type="title"/>
+          </p:nvPr>
+        </p:nvSpPr>
+        <p:spPr>
+          <a:xfrm>
+            <a:off x="1326324" y="228600"/>
+            <a:ext cx="9509760" cy="872363"/>
+          </a:xfrm>
+        </p:spPr>
+        <p:txBody>
+          <a:bodyPr/>
+          <a:lstStyle/>
+          <a:p>
+            <a:pPr algn="ctr"/>
+            <a:r>
+              <a:rPr lang="en-US" sz="4000" b="1" dirty="0"/>
+              <a:t>Quick Recap</a:t>
+            </a:r>
+            <a:endParaRPr lang="en-US" b="1" dirty="0"/>
+          </a:p>
+        </p:txBody>
+      </p:sp>
+      <p:sp>
+        <p:nvSpPr>
+          <p:cNvPr id="3" name="Content Placeholder 2"/>
+          <p:cNvSpPr>
+            <a:spLocks noGrp="1"/>
+          </p:cNvSpPr>
+          <p:nvPr>
+            <p:ph idx="1"/>
+          </p:nvPr>
+        </p:nvSpPr>
+        <p:spPr>
+          <a:xfrm>
+            <a:off x="914400" y="1700784"/>
+            <a:ext cx="9936480" cy="4328795"/>
+          </a:xfrm>
+        </p:spPr>
+        <p:txBody>
+          <a:bodyPr>
+            <a:normAutofit fontScale="77500" lnSpcReduction="20000"/>
+          </a:bodyPr>
+          <a:lstStyle/>
+          <a:p>
+            <a:r>
+              <a:rPr lang="en-US" dirty="0"/>
+              <a:t>Loan Cancellation Rate has remained static over time despite increased loan volume.</a:t>
+            </a:r>
+          </a:p>
+          <a:p>
+            <a:r>
+              <a:rPr lang="en-US" dirty="0"/>
+              <a:t>7 Most Important Variables are:</a:t>
+            </a:r>
+          </a:p>
+          <a:p>
+            <a:pPr marL="822960" lvl="1" indent="-457200">
+              <a:buFont typeface="+mj-lt"/>
+              <a:buAutoNum type="arabicPeriod"/>
+            </a:pPr>
+            <a:r>
+              <a:rPr lang="en-US" sz="1400" dirty="0"/>
+              <a:t>Number of Payments Received</a:t>
+            </a:r>
+          </a:p>
+          <a:p>
+            <a:pPr marL="822960" lvl="1" indent="-457200">
+              <a:buFont typeface="+mj-lt"/>
+              <a:buAutoNum type="arabicPeriod"/>
+            </a:pPr>
+            <a:r>
+              <a:rPr lang="en-US" sz="1400" dirty="0"/>
+              <a:t>Default Charge Amount</a:t>
+            </a:r>
+          </a:p>
+          <a:p>
+            <a:pPr marL="822960" lvl="1" indent="-457200">
+              <a:buFont typeface="+mj-lt"/>
+              <a:buAutoNum type="arabicPeriod"/>
+            </a:pPr>
+            <a:r>
+              <a:rPr lang="en-US" sz="1400" dirty="0"/>
+              <a:t>Agent Loan Cancellation Rate</a:t>
+            </a:r>
+          </a:p>
+          <a:p>
+            <a:pPr marL="822960" lvl="1" indent="-457200">
+              <a:buFont typeface="+mj-lt"/>
+              <a:buAutoNum type="arabicPeriod"/>
+            </a:pPr>
+            <a:r>
+              <a:rPr lang="en-US" sz="1400" dirty="0"/>
+              <a:t>Borrower Registration on Web</a:t>
+            </a:r>
+          </a:p>
+          <a:p>
+            <a:pPr marL="822960" lvl="1" indent="-457200">
+              <a:buFont typeface="+mj-lt"/>
+              <a:buAutoNum type="arabicPeriod"/>
+            </a:pPr>
+            <a:r>
+              <a:rPr lang="en-US" sz="1400" dirty="0"/>
+              <a:t>Borrower Credit Score</a:t>
+            </a:r>
+          </a:p>
+          <a:p>
+            <a:pPr marL="822960" lvl="1" indent="-457200">
+              <a:buFont typeface="+mj-lt"/>
+              <a:buAutoNum type="arabicPeriod"/>
+            </a:pPr>
+            <a:r>
+              <a:rPr lang="en-US" sz="1400" dirty="0"/>
+              <a:t>Bad Borrower Flag</a:t>
+            </a:r>
+          </a:p>
+          <a:p>
+            <a:pPr marL="822960" lvl="1" indent="-457200">
+              <a:buFont typeface="+mj-lt"/>
+              <a:buAutoNum type="arabicPeriod"/>
+            </a:pPr>
+            <a:r>
+              <a:rPr lang="en-US" sz="1400" dirty="0"/>
+              <a:t>High-risk zip code</a:t>
+            </a:r>
+          </a:p>
+          <a:p>
+            <a:r>
+              <a:rPr lang="en-US" dirty="0"/>
+              <a:t>We recommend that IPFS enact the following if possible:</a:t>
+            </a:r>
+          </a:p>
+          <a:p>
+            <a:pPr lvl="1"/>
+            <a:r>
+              <a:rPr lang="en-US" dirty="0"/>
+              <a:t>Encourage or Require Borrowers to register on the web, use E-Forms.</a:t>
+            </a:r>
+          </a:p>
+          <a:p>
+            <a:pPr lvl="1"/>
+            <a:r>
+              <a:rPr lang="en-US" dirty="0"/>
+              <a:t>Never lend to borrowers who have cancelled a loan with IPFS.</a:t>
+            </a:r>
+          </a:p>
+          <a:p>
+            <a:pPr lvl="1"/>
+            <a:r>
+              <a:rPr lang="en-US" dirty="0"/>
+              <a:t>More thorough and detailed vetting of borrowers who meet some or all of the criteria described previously that characterize a risky borrower.</a:t>
+            </a:r>
+          </a:p>
+          <a:p>
+            <a:pPr lvl="1"/>
+            <a:r>
+              <a:rPr lang="en-US" dirty="0"/>
+              <a:t>Monitor Agent Performance</a:t>
+            </a:r>
+          </a:p>
+          <a:p>
+            <a:pPr lvl="1"/>
+            <a:r>
+              <a:rPr lang="en-US" dirty="0"/>
+              <a:t>More stringent loan terms for borrowers in Transportation or Construction.</a:t>
+            </a:r>
+          </a:p>
+          <a:p>
+            <a:pPr marL="365760" lvl="1" indent="0">
+              <a:buNone/>
+            </a:pPr>
+            <a:endParaRPr lang="en-US" dirty="0"/>
+          </a:p>
+          <a:p>
+            <a:pPr marL="365760" lvl="1" indent="0">
+              <a:buNone/>
+            </a:pPr>
+            <a:endParaRPr lang="en-US" dirty="0"/>
+          </a:p>
+          <a:p>
+            <a:pPr lvl="1"/>
+            <a:endParaRPr lang="en-US" dirty="0"/>
+          </a:p>
+          <a:p>
             <a:endParaRPr lang="en-US" b="1" dirty="0">
               <a:solidFill>
                 <a:srgbClr val="FF0000"/>
@@ -10130,7 +9843,105 @@
     </p:spTree>
     <p:extLst>
       <p:ext uri="{BB962C8B-B14F-4D97-AF65-F5344CB8AC3E}">
-        <p14:creationId xmlns:p14="http://schemas.microsoft.com/office/powerpoint/2010/main" val="576639622"/>
+        <p14:creationId xmlns:p14="http://schemas.microsoft.com/office/powerpoint/2010/main" val="3433901536"/>
+      </p:ext>
+    </p:extLst>
+  </p:cSld>
+  <p:clrMapOvr>
+    <a:masterClrMapping/>
+  </p:clrMapOvr>
+  <mc:AlternateContent xmlns:mc="http://schemas.openxmlformats.org/markup-compatibility/2006" xmlns:p14="http://schemas.microsoft.com/office/powerpoint/2010/main">
+    <mc:Choice Requires="p14">
+      <p:transition spd="med" p14:dur="700">
+        <p:fade/>
+      </p:transition>
+    </mc:Choice>
+    <mc:Fallback xmlns="">
+      <p:transition spd="med">
+        <p:fade/>
+      </p:transition>
+    </mc:Fallback>
+  </mc:AlternateContent>
+</p:sld>
+</file>
+
+<file path=ppt/slides/slide34.xml><?xml version="1.0" encoding="utf-8"?>
+<p:sld xmlns:a="http://schemas.openxmlformats.org/drawingml/2006/main" xmlns:r="http://schemas.openxmlformats.org/officeDocument/2006/relationships" xmlns:p="http://schemas.openxmlformats.org/presentationml/2006/main">
+  <p:cSld>
+    <p:spTree>
+      <p:nvGrpSpPr>
+        <p:cNvPr id="1" name=""/>
+        <p:cNvGrpSpPr/>
+        <p:nvPr/>
+      </p:nvGrpSpPr>
+      <p:grpSpPr>
+        <a:xfrm>
+          <a:off x="0" y="0"/>
+          <a:ext cx="0" cy="0"/>
+          <a:chOff x="0" y="0"/>
+          <a:chExt cx="0" cy="0"/>
+        </a:xfrm>
+      </p:grpSpPr>
+      <p:sp>
+        <p:nvSpPr>
+          <p:cNvPr id="2" name="Title 1">
+            <a:extLst>
+              <a:ext uri="{FF2B5EF4-FFF2-40B4-BE49-F238E27FC236}">
+                <a16:creationId xmlns:a16="http://schemas.microsoft.com/office/drawing/2014/main" id="{7819F700-A5AD-4D4D-8ACB-AD161816F58B}"/>
+              </a:ext>
+            </a:extLst>
+          </p:cNvPr>
+          <p:cNvSpPr>
+            <a:spLocks noGrp="1"/>
+          </p:cNvSpPr>
+          <p:nvPr>
+            <p:ph type="title"/>
+          </p:nvPr>
+        </p:nvSpPr>
+        <p:spPr/>
+        <p:txBody>
+          <a:bodyPr>
+            <a:normAutofit/>
+          </a:bodyPr>
+          <a:lstStyle/>
+          <a:p>
+            <a:pPr algn="ctr"/>
+            <a:r>
+              <a:rPr lang="en-US" sz="4000" b="1" dirty="0"/>
+              <a:t>Questions?</a:t>
+            </a:r>
+          </a:p>
+        </p:txBody>
+      </p:sp>
+      <p:sp>
+        <p:nvSpPr>
+          <p:cNvPr id="3" name="Content Placeholder 2">
+            <a:extLst>
+              <a:ext uri="{FF2B5EF4-FFF2-40B4-BE49-F238E27FC236}">
+                <a16:creationId xmlns:a16="http://schemas.microsoft.com/office/drawing/2014/main" id="{85D68A25-014C-41D8-8D20-D1BEBD38C044}"/>
+              </a:ext>
+            </a:extLst>
+          </p:cNvPr>
+          <p:cNvSpPr>
+            <a:spLocks noGrp="1"/>
+          </p:cNvSpPr>
+          <p:nvPr>
+            <p:ph idx="1"/>
+          </p:nvPr>
+        </p:nvSpPr>
+        <p:spPr/>
+        <p:txBody>
+          <a:bodyPr/>
+          <a:lstStyle/>
+          <a:p>
+            <a:endParaRPr lang="en-US" dirty="0"/>
+          </a:p>
+        </p:txBody>
+      </p:sp>
+    </p:spTree>
+    <p:extLst>
+      <p:ext uri="{BB962C8B-B14F-4D97-AF65-F5344CB8AC3E}">
+        <p14:creationId xmlns:p14="http://schemas.microsoft.com/office/powerpoint/2010/main" val="1058660563"/>
       </p:ext>
     </p:extLst>
   </p:cSld>
@@ -10179,14 +9990,22 @@
             <p:ph type="title"/>
           </p:nvPr>
         </p:nvSpPr>
-        <p:spPr/>
-        <p:txBody>
-          <a:bodyPr/>
-          <a:lstStyle/>
-          <a:p>
-            <a:r>
-              <a:rPr lang="en-US" dirty="0"/>
-              <a:t>Results and Key Findings</a:t>
+        <p:spPr>
+          <a:xfrm>
+            <a:off x="1341120" y="609600"/>
+            <a:ext cx="9509760" cy="710184"/>
+          </a:xfrm>
+        </p:spPr>
+        <p:txBody>
+          <a:bodyPr>
+            <a:normAutofit/>
+          </a:bodyPr>
+          <a:lstStyle/>
+          <a:p>
+            <a:pPr algn="ctr"/>
+            <a:r>
+              <a:rPr lang="en-US" sz="4000" b="1" dirty="0"/>
+              <a:t>Project Overview – Focus of Analysis</a:t>
             </a:r>
           </a:p>
         </p:txBody>
@@ -10201,72 +10020,116 @@
             <p:ph idx="1"/>
           </p:nvPr>
         </p:nvSpPr>
-        <p:spPr/>
-        <p:txBody>
-          <a:bodyPr/>
-          <a:lstStyle/>
-          <a:p>
-            <a:pPr marL="502920" indent="-457200">
-              <a:buFont typeface="+mj-lt"/>
-              <a:buAutoNum type="arabicPeriod"/>
-            </a:pPr>
-            <a:r>
-              <a:rPr lang="en-US" dirty="0"/>
-              <a:t>Cancellations Over Time</a:t>
-            </a:r>
-          </a:p>
-          <a:p>
-            <a:pPr marL="502920" indent="-457200">
-              <a:buFont typeface="+mj-lt"/>
-              <a:buAutoNum type="arabicPeriod"/>
-            </a:pPr>
-            <a:r>
-              <a:rPr lang="en-US" dirty="0"/>
-              <a:t>6 Most Important Predictors of Cancellation with Visualizations</a:t>
-            </a:r>
-          </a:p>
+        <p:spPr>
+          <a:xfrm>
+            <a:off x="685800" y="1828800"/>
+            <a:ext cx="10165080" cy="4419600"/>
+          </a:xfrm>
+        </p:spPr>
+        <p:txBody>
+          <a:bodyPr>
+            <a:normAutofit/>
+          </a:bodyPr>
+          <a:lstStyle/>
           <a:p>
             <a:pPr marL="45720" indent="0">
               <a:buNone/>
             </a:pPr>
-            <a:endParaRPr lang="en-US" dirty="0"/>
+            <a:r>
+              <a:rPr lang="en-US" sz="1800" b="1" u="sng" dirty="0"/>
+              <a:t>Focus of Analysis:</a:t>
+            </a:r>
+          </a:p>
+          <a:p>
+            <a:r>
+              <a:rPr lang="en-US" sz="1800" b="1" dirty="0"/>
+              <a:t>What are the factors that explain loan cancellation?</a:t>
+            </a:r>
+          </a:p>
+          <a:p>
+            <a:r>
+              <a:rPr lang="en-US" sz="1800" b="1" dirty="0"/>
+              <a:t>Are there policy implications/changes in business rules that are necessary based on these findings?</a:t>
+            </a:r>
+          </a:p>
+          <a:p>
+            <a:r>
+              <a:rPr lang="en-US" sz="1800" b="1" dirty="0"/>
+              <a:t>What actions can IPFS take to mitigate future loan cancellation given the findings of this analysis?</a:t>
+            </a:r>
+          </a:p>
+          <a:p>
+            <a:r>
+              <a:rPr lang="en-US" sz="1800" b="1" dirty="0"/>
+              <a:t>Which model performed best in terms of Recall Score?</a:t>
+            </a:r>
           </a:p>
           <a:p>
             <a:pPr marL="45720" indent="0">
               <a:buNone/>
             </a:pPr>
-            <a:endParaRPr lang="en-US" dirty="0"/>
+            <a:endParaRPr lang="en-US" sz="800" dirty="0"/>
           </a:p>
           <a:p>
             <a:pPr marL="45720" indent="0">
               <a:buNone/>
             </a:pPr>
-            <a:endParaRPr lang="en-US" dirty="0"/>
-          </a:p>
-          <a:p>
-            <a:pPr marL="45720" indent="0">
-              <a:buNone/>
+            <a:r>
+              <a:rPr lang="en-US" sz="1800" b="1" u="sng" dirty="0"/>
+              <a:t>Value-add(s) for IPFS:</a:t>
+            </a:r>
+          </a:p>
+          <a:p>
+            <a:pPr lvl="2">
+              <a:buFont typeface="Wingdings" panose="05000000000000000000" pitchFamily="2" charset="2"/>
+              <a:buChar char="Ø"/>
             </a:pPr>
-            <a:endParaRPr lang="en-US" dirty="0"/>
-          </a:p>
-          <a:p>
-            <a:pPr marL="45720" indent="0">
-              <a:buNone/>
+            <a:r>
+              <a:rPr lang="en-US" sz="1400" b="1" dirty="0"/>
+              <a:t>Minimizing cancellations accomplishes:</a:t>
+            </a:r>
+          </a:p>
+          <a:p>
+            <a:pPr lvl="3">
+              <a:buFont typeface="Wingdings" panose="05000000000000000000" pitchFamily="2" charset="2"/>
+              <a:buChar char="Ø"/>
             </a:pPr>
-            <a:endParaRPr lang="en-US" dirty="0"/>
-          </a:p>
-          <a:p>
-            <a:pPr marL="365760" lvl="1" indent="0">
-              <a:buNone/>
+            <a:r>
+              <a:rPr lang="en-US" b="1" dirty="0"/>
+              <a:t>Agents have more stability in their book of business (Good for employees)</a:t>
+            </a:r>
+          </a:p>
+          <a:p>
+            <a:pPr lvl="3">
+              <a:buFont typeface="Wingdings" panose="05000000000000000000" pitchFamily="2" charset="2"/>
+              <a:buChar char="Ø"/>
             </a:pPr>
-            <a:endParaRPr lang="en-US" dirty="0"/>
+            <a:r>
+              <a:rPr lang="en-US" b="1" dirty="0"/>
+              <a:t>Difference in earned premium can be re-invested in business/distributed among shareholders (Good for investors)</a:t>
+            </a:r>
+          </a:p>
+          <a:p>
+            <a:pPr lvl="3">
+              <a:buFont typeface="Wingdings" panose="05000000000000000000" pitchFamily="2" charset="2"/>
+              <a:buChar char="Ø"/>
+            </a:pPr>
+            <a:r>
+              <a:rPr lang="en-US" b="1" dirty="0"/>
+              <a:t>More careful underwriting -&gt; preventing company loss of income (Good for the company; Reduce insolvency risk)</a:t>
+            </a:r>
+            <a:endParaRPr lang="en-US" sz="1000" b="1" dirty="0">
+              <a:solidFill>
+                <a:srgbClr val="FF0000"/>
+              </a:solidFill>
+            </a:endParaRPr>
           </a:p>
         </p:txBody>
       </p:sp>
     </p:spTree>
     <p:extLst>
       <p:ext uri="{BB962C8B-B14F-4D97-AF65-F5344CB8AC3E}">
-        <p14:creationId xmlns:p14="http://schemas.microsoft.com/office/powerpoint/2010/main" val="603925565"/>
+        <p14:creationId xmlns:p14="http://schemas.microsoft.com/office/powerpoint/2010/main" val="576639622"/>
       </p:ext>
     </p:extLst>
   </p:cSld>
@@ -10307,10 +10170,10 @@
       </p:grpSpPr>
       <p:sp>
         <p:nvSpPr>
-          <p:cNvPr id="2" name="Title 1">
+          <p:cNvPr id="4" name="Title 3">
             <a:extLst>
               <a:ext uri="{FF2B5EF4-FFF2-40B4-BE49-F238E27FC236}">
-                <a16:creationId xmlns:a16="http://schemas.microsoft.com/office/drawing/2014/main" id="{1990E39A-0517-49C4-BBA7-9C804FA0F0B7}"/>
+                <a16:creationId xmlns:a16="http://schemas.microsoft.com/office/drawing/2014/main" id="{D4F79611-2533-40E0-B994-A4AFD4BB7BA2}"/>
               </a:ext>
             </a:extLst>
           </p:cNvPr>
@@ -10327,18 +10190,18 @@
           <a:lstStyle/>
           <a:p>
             <a:r>
-              <a:rPr lang="en-US" dirty="0"/>
-              <a:t>Cancellations Over Time</a:t>
-            </a:r>
-          </a:p>
-        </p:txBody>
-      </p:sp>
-      <p:sp>
-        <p:nvSpPr>
-          <p:cNvPr id="6" name="Text Placeholder 5">
+              <a:rPr lang="en-US" b="1" dirty="0"/>
+              <a:t>Data Definitions</a:t>
+            </a:r>
+          </a:p>
+        </p:txBody>
+      </p:sp>
+      <p:sp>
+        <p:nvSpPr>
+          <p:cNvPr id="5" name="Text Placeholder 4">
             <a:extLst>
               <a:ext uri="{FF2B5EF4-FFF2-40B4-BE49-F238E27FC236}">
-                <a16:creationId xmlns:a16="http://schemas.microsoft.com/office/drawing/2014/main" id="{0A93291D-2F50-4250-AA50-4BC0353AD308}"/>
+                <a16:creationId xmlns:a16="http://schemas.microsoft.com/office/drawing/2014/main" id="{D2C232AE-7C67-4408-A59A-B0FEB883D19C}"/>
               </a:ext>
             </a:extLst>
           </p:cNvPr>
@@ -10346,136 +10209,33 @@
             <a:spLocks noGrp="1"/>
           </p:cNvSpPr>
           <p:nvPr>
-            <p:ph type="body" sz="half" idx="2"/>
+            <p:ph type="body" idx="1"/>
           </p:nvPr>
         </p:nvSpPr>
         <p:spPr/>
         <p:txBody>
-          <a:bodyPr>
-            <a:normAutofit lnSpcReduction="10000"/>
-          </a:bodyPr>
-          <a:lstStyle/>
-          <a:p>
-            <a:pPr marL="274320" lvl="0" indent="-228600">
-              <a:spcBef>
-                <a:spcPts val="1800"/>
-              </a:spcBef>
-              <a:buClr>
-                <a:srgbClr val="263050"/>
-              </a:buClr>
-              <a:buFont typeface="Wingdings" pitchFamily="2" charset="2"/>
-              <a:buChar char="§"/>
-            </a:pPr>
-            <a:r>
-              <a:rPr lang="en-US" sz="1400" dirty="0">
-                <a:solidFill>
-                  <a:srgbClr val="263050"/>
-                </a:solidFill>
-              </a:rPr>
-              <a:t>These figures show the total number of loans made per year, and the percentage of loans that cancelled each year in this dataset.</a:t>
-            </a:r>
-          </a:p>
-          <a:p>
-            <a:pPr marL="274320" lvl="0" indent="-228600">
-              <a:spcBef>
-                <a:spcPts val="1800"/>
-              </a:spcBef>
-              <a:buClr>
-                <a:srgbClr val="263050"/>
-              </a:buClr>
-              <a:buFont typeface="Wingdings" pitchFamily="2" charset="2"/>
-              <a:buChar char="§"/>
-            </a:pPr>
-            <a:r>
-              <a:rPr lang="en-US" sz="1400" dirty="0">
-                <a:solidFill>
-                  <a:srgbClr val="263050"/>
-                </a:solidFill>
-              </a:rPr>
-              <a:t>Loan Cancellation rate hovers around 8.9%, while total loans made increase year over year.</a:t>
-            </a:r>
-          </a:p>
-          <a:p>
-            <a:endParaRPr lang="en-US" dirty="0"/>
-          </a:p>
-        </p:txBody>
-      </p:sp>
-      <p:pic>
-        <p:nvPicPr>
-          <p:cNvPr id="5" name="Picture 4">
-            <a:extLst>
-              <a:ext uri="{FF2B5EF4-FFF2-40B4-BE49-F238E27FC236}">
-                <a16:creationId xmlns:a16="http://schemas.microsoft.com/office/drawing/2014/main" id="{7907D066-50DA-42A6-A691-97814D601345}"/>
-              </a:ext>
-            </a:extLst>
-          </p:cNvPr>
-          <p:cNvPicPr>
-            <a:picLocks noChangeAspect="1"/>
-          </p:cNvPicPr>
-          <p:nvPr/>
-        </p:nvPicPr>
-        <p:blipFill>
-          <a:blip r:embed="rId2">
-            <a:extLst>
-              <a:ext uri="{28A0092B-C50C-407E-A947-70E740481C1C}">
-                <a14:useLocalDpi xmlns:a14="http://schemas.microsoft.com/office/drawing/2010/main" val="0"/>
-              </a:ext>
-            </a:extLst>
-          </a:blip>
-          <a:stretch>
-            <a:fillRect/>
-          </a:stretch>
-        </p:blipFill>
-        <p:spPr>
-          <a:xfrm>
-            <a:off x="6553200" y="3429000"/>
-            <a:ext cx="4724399" cy="3048000"/>
-          </a:xfrm>
-          <a:prstGeom prst="rect">
-            <a:avLst/>
-          </a:prstGeom>
-        </p:spPr>
-      </p:pic>
-      <p:pic>
-        <p:nvPicPr>
-          <p:cNvPr id="8" name="Picture 7">
-            <a:extLst>
-              <a:ext uri="{FF2B5EF4-FFF2-40B4-BE49-F238E27FC236}">
-                <a16:creationId xmlns:a16="http://schemas.microsoft.com/office/drawing/2014/main" id="{429F9E36-8ADE-40C2-9822-71329804E745}"/>
-              </a:ext>
-            </a:extLst>
-          </p:cNvPr>
-          <p:cNvPicPr>
-            <a:picLocks noChangeAspect="1"/>
-          </p:cNvPicPr>
-          <p:nvPr/>
-        </p:nvPicPr>
-        <p:blipFill>
-          <a:blip r:embed="rId3">
-            <a:extLst>
-              <a:ext uri="{28A0092B-C50C-407E-A947-70E740481C1C}">
-                <a14:useLocalDpi xmlns:a14="http://schemas.microsoft.com/office/drawing/2010/main" val="0"/>
-              </a:ext>
-            </a:extLst>
-          </a:blip>
-          <a:stretch>
-            <a:fillRect/>
-          </a:stretch>
-        </p:blipFill>
-        <p:spPr>
-          <a:xfrm>
-            <a:off x="6553200" y="130333"/>
-            <a:ext cx="4724399" cy="3222467"/>
-          </a:xfrm>
-          <a:prstGeom prst="rect">
-            <a:avLst/>
-          </a:prstGeom>
-        </p:spPr>
-      </p:pic>
+          <a:bodyPr/>
+          <a:lstStyle/>
+          <a:p>
+            <a:pPr algn="l"/>
+            <a:r>
+              <a:rPr lang="en-US" dirty="0"/>
+              <a:t>	   	         1.    Explanation of Variables    </a:t>
+            </a:r>
+          </a:p>
+          <a:p>
+            <a:pPr algn="l"/>
+            <a:r>
+              <a:rPr lang="en-US" dirty="0"/>
+              <a:t>		         2.    Dealing with Class Imbalance</a:t>
+            </a:r>
+          </a:p>
+        </p:txBody>
+      </p:sp>
     </p:spTree>
     <p:extLst>
       <p:ext uri="{BB962C8B-B14F-4D97-AF65-F5344CB8AC3E}">
-        <p14:creationId xmlns:p14="http://schemas.microsoft.com/office/powerpoint/2010/main" val="2512972093"/>
+        <p14:creationId xmlns:p14="http://schemas.microsoft.com/office/powerpoint/2010/main" val="2622827059"/>
       </p:ext>
     </p:extLst>
   </p:cSld>
@@ -10516,10 +10276,10 @@
       </p:grpSpPr>
       <p:sp>
         <p:nvSpPr>
-          <p:cNvPr id="5" name="Title 4">
+          <p:cNvPr id="2" name="Title 1">
             <a:extLst>
               <a:ext uri="{FF2B5EF4-FFF2-40B4-BE49-F238E27FC236}">
-                <a16:creationId xmlns:a16="http://schemas.microsoft.com/office/drawing/2014/main" id="{F0D54BC4-85EC-4B5C-9860-CC7B3B7F454D}"/>
+                <a16:creationId xmlns:a16="http://schemas.microsoft.com/office/drawing/2014/main" id="{8830FEE5-2573-4C6E-ABE0-D4F5C35FF86D}"/>
               </a:ext>
             </a:extLst>
           </p:cNvPr>
@@ -10530,119 +10290,65 @@
             <p:ph type="title"/>
           </p:nvPr>
         </p:nvSpPr>
-        <p:spPr/>
+        <p:spPr>
+          <a:xfrm>
+            <a:off x="1341120" y="467360"/>
+            <a:ext cx="9509760" cy="599440"/>
+          </a:xfrm>
+        </p:spPr>
         <p:txBody>
           <a:bodyPr>
-            <a:normAutofit/>
+            <a:normAutofit fontScale="90000"/>
           </a:bodyPr>
           <a:lstStyle/>
           <a:p>
-            <a:r>
-              <a:rPr lang="en-US" sz="4000" dirty="0"/>
-              <a:t>6 Most Important Predictors of Cancellation</a:t>
-            </a:r>
-          </a:p>
-        </p:txBody>
-      </p:sp>
-      <p:sp>
-        <p:nvSpPr>
-          <p:cNvPr id="6" name="Content Placeholder 5">
+            <a:pPr algn="ctr"/>
+            <a:r>
+              <a:rPr lang="en-US" sz="4000" b="1" dirty="0"/>
+              <a:t>Explanation of Variables</a:t>
+            </a:r>
+          </a:p>
+        </p:txBody>
+      </p:sp>
+      <p:pic>
+        <p:nvPicPr>
+          <p:cNvPr id="8" name="Content Placeholder 7" descr="A screenshot of a cell phone&#10;&#10;Description automatically generated">
             <a:extLst>
               <a:ext uri="{FF2B5EF4-FFF2-40B4-BE49-F238E27FC236}">
-                <a16:creationId xmlns:a16="http://schemas.microsoft.com/office/drawing/2014/main" id="{A0C10088-11DD-4A8F-9C8C-6994DC8DBFFE}"/>
+                <a16:creationId xmlns:a16="http://schemas.microsoft.com/office/drawing/2014/main" id="{EB1FE17C-6227-49D0-89F9-D523D4D293BE}"/>
               </a:ext>
             </a:extLst>
           </p:cNvPr>
-          <p:cNvSpPr>
-            <a:spLocks noGrp="1"/>
-          </p:cNvSpPr>
+          <p:cNvPicPr>
+            <a:picLocks noGrp="1" noChangeAspect="1"/>
+          </p:cNvPicPr>
           <p:nvPr>
             <p:ph idx="1"/>
           </p:nvPr>
-        </p:nvSpPr>
-        <p:spPr/>
-        <p:txBody>
-          <a:bodyPr/>
-          <a:lstStyle/>
-          <a:p>
-            <a:pPr marL="502920" indent="-457200">
-              <a:buFont typeface="+mj-lt"/>
-              <a:buAutoNum type="arabicPeriod"/>
-            </a:pPr>
-            <a:r>
-              <a:rPr lang="en-US" sz="3200" dirty="0"/>
-              <a:t>Borrower Web Registration</a:t>
-            </a:r>
-          </a:p>
-          <a:p>
-            <a:pPr marL="502920" indent="-457200">
-              <a:buFont typeface="+mj-lt"/>
-              <a:buAutoNum type="arabicPeriod"/>
-            </a:pPr>
-            <a:r>
-              <a:rPr lang="en-US" sz="3200" dirty="0"/>
-              <a:t>Borrower uses Autopayments</a:t>
-            </a:r>
-          </a:p>
-          <a:p>
-            <a:pPr marL="502920" indent="-457200">
-              <a:buFont typeface="+mj-lt"/>
-              <a:buAutoNum type="arabicPeriod"/>
-            </a:pPr>
-            <a:r>
-              <a:rPr lang="en-US" sz="3200" dirty="0"/>
-              <a:t>Borrower Registered for E-Forms</a:t>
-            </a:r>
-          </a:p>
-          <a:p>
-            <a:pPr marL="502920" indent="-457200">
-              <a:buFont typeface="+mj-lt"/>
-              <a:buAutoNum type="arabicPeriod"/>
-            </a:pPr>
-            <a:r>
-              <a:rPr lang="en-US" sz="3200" dirty="0"/>
-              <a:t>Loan Amount/Premium</a:t>
-            </a:r>
-          </a:p>
-          <a:p>
-            <a:pPr marL="502920" indent="-457200">
-              <a:buFont typeface="+mj-lt"/>
-              <a:buAutoNum type="arabicPeriod"/>
-            </a:pPr>
-            <a:r>
-              <a:rPr lang="en-US" sz="3200" dirty="0"/>
-              <a:t>Borrower Classification/Industry</a:t>
-            </a:r>
-          </a:p>
-          <a:p>
-            <a:pPr marL="502920" indent="-457200">
-              <a:buFont typeface="+mj-lt"/>
-              <a:buAutoNum type="arabicPeriod"/>
-            </a:pPr>
-            <a:r>
-              <a:rPr lang="en-US" sz="3200" dirty="0"/>
-              <a:t>Borrower Credit Score</a:t>
-            </a:r>
-          </a:p>
-          <a:p>
-            <a:pPr marL="45720" indent="0">
-              <a:buNone/>
-            </a:pPr>
-            <a:endParaRPr lang="en-US" dirty="0"/>
-          </a:p>
-          <a:p>
-            <a:pPr marL="502920" indent="-457200">
-              <a:buFont typeface="+mj-lt"/>
-              <a:buAutoNum type="arabicPeriod"/>
-            </a:pPr>
-            <a:endParaRPr lang="en-US" dirty="0"/>
-          </a:p>
-        </p:txBody>
-      </p:sp>
+        </p:nvPicPr>
+        <p:blipFill>
+          <a:blip r:embed="rId2">
+            <a:extLst>
+              <a:ext uri="{28A0092B-C50C-407E-A947-70E740481C1C}">
+                <a14:useLocalDpi xmlns:a14="http://schemas.microsoft.com/office/drawing/2010/main" val="0"/>
+              </a:ext>
+            </a:extLst>
+          </a:blip>
+          <a:stretch>
+            <a:fillRect/>
+          </a:stretch>
+        </p:blipFill>
+        <p:spPr>
+          <a:xfrm>
+            <a:off x="227286" y="1295400"/>
+            <a:ext cx="11736114" cy="5257800"/>
+          </a:xfrm>
+        </p:spPr>
+      </p:pic>
     </p:spTree>
     <p:extLst>
       <p:ext uri="{BB962C8B-B14F-4D97-AF65-F5344CB8AC3E}">
-        <p14:creationId xmlns:p14="http://schemas.microsoft.com/office/powerpoint/2010/main" val="2801344521"/>
+        <p14:creationId xmlns:p14="http://schemas.microsoft.com/office/powerpoint/2010/main" val="2773742469"/>
       </p:ext>
     </p:extLst>
   </p:cSld>
@@ -10686,7 +10392,7 @@
           <p:cNvPr id="2" name="Title 1">
             <a:extLst>
               <a:ext uri="{FF2B5EF4-FFF2-40B4-BE49-F238E27FC236}">
-                <a16:creationId xmlns:a16="http://schemas.microsoft.com/office/drawing/2014/main" id="{952227F9-652E-4EF3-AB42-924068707638}"/>
+                <a16:creationId xmlns:a16="http://schemas.microsoft.com/office/drawing/2014/main" id="{1A9F01E5-107F-4066-BD90-5EFA8D6C9DF9}"/>
               </a:ext>
             </a:extLst>
           </p:cNvPr>
@@ -10697,29 +10403,27 @@
             <p:ph type="title"/>
           </p:nvPr>
         </p:nvSpPr>
-        <p:spPr>
-          <a:xfrm>
-            <a:off x="304800" y="2362200"/>
-            <a:ext cx="3656012" cy="1990725"/>
-          </a:xfrm>
-        </p:spPr>
-        <p:txBody>
-          <a:bodyPr/>
-          <a:lstStyle/>
-          <a:p>
-            <a:r>
-              <a:rPr lang="en-US" dirty="0"/>
-              <a:t>Borrower Web Registration and Loan Cancellation</a:t>
-            </a:r>
-          </a:p>
-        </p:txBody>
-      </p:sp>
-      <p:sp>
-        <p:nvSpPr>
-          <p:cNvPr id="7" name="Text Placeholder 6">
+        <p:spPr/>
+        <p:txBody>
+          <a:bodyPr>
+            <a:normAutofit/>
+          </a:bodyPr>
+          <a:lstStyle/>
+          <a:p>
+            <a:pPr algn="ctr"/>
+            <a:r>
+              <a:rPr lang="en-US" sz="4000" b="1" dirty="0"/>
+              <a:t>Dealing with Class Imbalance</a:t>
+            </a:r>
+          </a:p>
+        </p:txBody>
+      </p:sp>
+      <p:sp>
+        <p:nvSpPr>
+          <p:cNvPr id="3" name="Content Placeholder 2">
             <a:extLst>
               <a:ext uri="{FF2B5EF4-FFF2-40B4-BE49-F238E27FC236}">
-                <a16:creationId xmlns:a16="http://schemas.microsoft.com/office/drawing/2014/main" id="{CD1B6B33-46E7-437A-A304-532817D2D6AD}"/>
+                <a16:creationId xmlns:a16="http://schemas.microsoft.com/office/drawing/2014/main" id="{13184DE2-D1DE-4B82-BAA3-56BD510ADE16}"/>
               </a:ext>
             </a:extLst>
           </p:cNvPr>
@@ -10727,48 +10431,82 @@
             <a:spLocks noGrp="1"/>
           </p:cNvSpPr>
           <p:nvPr>
-            <p:ph type="body" sz="half" idx="2"/>
-          </p:nvPr>
-        </p:nvSpPr>
-        <p:spPr>
-          <a:xfrm>
-            <a:off x="304800" y="4367308"/>
-            <a:ext cx="3656012" cy="1622012"/>
-          </a:xfrm>
-        </p:spPr>
+            <p:ph idx="1"/>
+          </p:nvPr>
+        </p:nvSpPr>
+        <p:spPr/>
         <p:txBody>
           <a:bodyPr/>
           <a:lstStyle/>
           <a:p>
-            <a:pPr marL="285750" indent="-285750">
-              <a:buFont typeface="Arial" panose="020B0604020202020204" pitchFamily="34" charset="0"/>
-              <a:buChar char="•"/>
-            </a:pPr>
             <a:r>
               <a:rPr lang="en-US" dirty="0"/>
-              <a:t>Borrowers who registered on the web cancelled far less often</a:t>
+              <a:t>Used a technique called SMOTE</a:t>
+            </a:r>
+          </a:p>
+          <a:p>
+            <a:r>
+              <a:rPr lang="en-US" dirty="0"/>
+              <a:t>Stands for </a:t>
+            </a:r>
+            <a:r>
+              <a:rPr lang="en-US" b="1" u="sng" dirty="0"/>
+              <a:t>S</a:t>
+            </a:r>
+            <a:r>
+              <a:rPr lang="en-US" dirty="0"/>
+              <a:t>ynthetic </a:t>
+            </a:r>
+            <a:r>
+              <a:rPr lang="en-US" b="1" u="sng" dirty="0"/>
+              <a:t>M</a:t>
+            </a:r>
+            <a:r>
+              <a:rPr lang="en-US" dirty="0"/>
+              <a:t>inority </a:t>
+            </a:r>
+            <a:r>
+              <a:rPr lang="en-US" b="1" u="sng" dirty="0"/>
+              <a:t>O</a:t>
+            </a:r>
+            <a:r>
+              <a:rPr lang="en-US" dirty="0"/>
+              <a:t>versampling </a:t>
+            </a:r>
+            <a:r>
+              <a:rPr lang="en-US" b="1" u="sng" dirty="0" err="1"/>
+              <a:t>TE</a:t>
+            </a:r>
+            <a:r>
+              <a:rPr lang="en-US" dirty="0" err="1"/>
+              <a:t>chnique</a:t>
+            </a:r>
+            <a:endParaRPr lang="en-US" dirty="0"/>
+          </a:p>
+          <a:p>
+            <a:r>
+              <a:rPr lang="en-US" dirty="0"/>
+              <a:t>Creates synthetic data points of the minority class that have similar characteristics </a:t>
             </a:r>
           </a:p>
         </p:txBody>
       </p:sp>
       <p:pic>
         <p:nvPicPr>
-          <p:cNvPr id="9" name="Content Placeholder 8">
+          <p:cNvPr id="6" name="Picture 5" descr="A close up of a piece of paper&#10;&#10;Description automatically generated">
             <a:extLst>
               <a:ext uri="{FF2B5EF4-FFF2-40B4-BE49-F238E27FC236}">
-                <a16:creationId xmlns:a16="http://schemas.microsoft.com/office/drawing/2014/main" id="{3AF745AC-598B-4F52-B7AE-3C6DCE6ABD76}"/>
+                <a16:creationId xmlns:a16="http://schemas.microsoft.com/office/drawing/2014/main" id="{1E5A35AA-0A73-4E21-AEA7-55A8CFFB822B}"/>
               </a:ext>
             </a:extLst>
           </p:cNvPr>
           <p:cNvPicPr>
-            <a:picLocks noGrp="1" noChangeAspect="1"/>
+            <a:picLocks noChangeAspect="1"/>
           </p:cNvPicPr>
-          <p:nvPr>
-            <p:ph idx="1"/>
-          </p:nvPr>
+          <p:nvPr/>
         </p:nvPicPr>
         <p:blipFill>
-          <a:blip r:embed="rId2" cstate="print">
+          <a:blip r:embed="rId2">
             <a:extLst>
               <a:ext uri="{28A0092B-C50C-407E-A947-70E740481C1C}">
                 <a14:useLocalDpi xmlns:a14="http://schemas.microsoft.com/office/drawing/2010/main" val="0"/>
@@ -10781,15 +10519,18 @@
         </p:blipFill>
         <p:spPr>
           <a:xfrm>
-            <a:off x="4114800" y="538162"/>
-            <a:ext cx="7618413" cy="5638800"/>
+            <a:off x="1341120" y="3810000"/>
+            <a:ext cx="9220200" cy="2743200"/>
           </a:xfrm>
+          <a:prstGeom prst="rect">
+            <a:avLst/>
+          </a:prstGeom>
         </p:spPr>
       </p:pic>
     </p:spTree>
     <p:extLst>
       <p:ext uri="{BB962C8B-B14F-4D97-AF65-F5344CB8AC3E}">
-        <p14:creationId xmlns:p14="http://schemas.microsoft.com/office/powerpoint/2010/main" val="1670158643"/>
+        <p14:creationId xmlns:p14="http://schemas.microsoft.com/office/powerpoint/2010/main" val="1244072684"/>
       </p:ext>
     </p:extLst>
   </p:cSld>
@@ -10830,10 +10571,10 @@
       </p:grpSpPr>
       <p:sp>
         <p:nvSpPr>
-          <p:cNvPr id="2" name="Title 1">
+          <p:cNvPr id="4" name="Title 3">
             <a:extLst>
               <a:ext uri="{FF2B5EF4-FFF2-40B4-BE49-F238E27FC236}">
-                <a16:creationId xmlns:a16="http://schemas.microsoft.com/office/drawing/2014/main" id="{FFA6AB20-ADA8-4EB5-AE92-2BD0C8CC1B59}"/>
+                <a16:creationId xmlns:a16="http://schemas.microsoft.com/office/drawing/2014/main" id="{BB3B48EB-74EA-4AF3-965A-3A5ADEB78828}"/>
               </a:ext>
             </a:extLst>
           </p:cNvPr>
@@ -10844,29 +10585,24 @@
             <p:ph type="title"/>
           </p:nvPr>
         </p:nvSpPr>
-        <p:spPr>
-          <a:xfrm>
-            <a:off x="458787" y="2362200"/>
-            <a:ext cx="3502025" cy="1990725"/>
-          </a:xfrm>
-        </p:spPr>
+        <p:spPr/>
         <p:txBody>
           <a:bodyPr/>
           <a:lstStyle/>
           <a:p>
             <a:r>
-              <a:rPr lang="en-US" dirty="0"/>
-              <a:t>Borrower Autopayments and Cancellation</a:t>
-            </a:r>
-          </a:p>
-        </p:txBody>
-      </p:sp>
-      <p:sp>
-        <p:nvSpPr>
-          <p:cNvPr id="3" name="Text Placeholder 2">
+              <a:rPr lang="en-US" b="1" dirty="0"/>
+              <a:t>Results and Key Findings</a:t>
+            </a:r>
+          </a:p>
+        </p:txBody>
+      </p:sp>
+      <p:sp>
+        <p:nvSpPr>
+          <p:cNvPr id="5" name="Text Placeholder 4">
             <a:extLst>
               <a:ext uri="{FF2B5EF4-FFF2-40B4-BE49-F238E27FC236}">
-                <a16:creationId xmlns:a16="http://schemas.microsoft.com/office/drawing/2014/main" id="{F93ADDE7-FB2E-47CC-9225-3A76848C1829}"/>
+                <a16:creationId xmlns:a16="http://schemas.microsoft.com/office/drawing/2014/main" id="{9F708D1F-9A6F-4A78-823F-987AD10E7EA3}"/>
               </a:ext>
             </a:extLst>
           </p:cNvPr>
@@ -10874,69 +10610,22 @@
             <a:spLocks noGrp="1"/>
           </p:cNvSpPr>
           <p:nvPr>
-            <p:ph type="body" sz="half" idx="2"/>
-          </p:nvPr>
-        </p:nvSpPr>
-        <p:spPr>
-          <a:xfrm>
-            <a:off x="458787" y="4367308"/>
-            <a:ext cx="3502025" cy="1622012"/>
-          </a:xfrm>
-        </p:spPr>
+            <p:ph type="body" idx="1"/>
+          </p:nvPr>
+        </p:nvSpPr>
+        <p:spPr/>
         <p:txBody>
           <a:bodyPr/>
           <a:lstStyle/>
           <a:p>
-            <a:pPr marL="285750" indent="-285750">
-              <a:buFont typeface="Arial" panose="020B0604020202020204" pitchFamily="34" charset="0"/>
-              <a:buChar char="•"/>
-            </a:pPr>
-            <a:r>
-              <a:rPr lang="en-US" dirty="0"/>
-              <a:t>Borrowers who used autopayments to pay their loan cancelled at a lower rate than those that did not use autopay.</a:t>
-            </a:r>
-          </a:p>
-        </p:txBody>
-      </p:sp>
-      <p:pic>
-        <p:nvPicPr>
-          <p:cNvPr id="6" name="Content Placeholder 5">
-            <a:extLst>
-              <a:ext uri="{FF2B5EF4-FFF2-40B4-BE49-F238E27FC236}">
-                <a16:creationId xmlns:a16="http://schemas.microsoft.com/office/drawing/2014/main" id="{0BAC768F-0309-4623-9DAB-DD70B1E1D5F8}"/>
-              </a:ext>
-            </a:extLst>
-          </p:cNvPr>
-          <p:cNvPicPr>
-            <a:picLocks noGrp="1" noChangeAspect="1"/>
-          </p:cNvPicPr>
-          <p:nvPr>
-            <p:ph idx="1"/>
-          </p:nvPr>
-        </p:nvPicPr>
-        <p:blipFill>
-          <a:blip r:embed="rId2" cstate="print">
-            <a:extLst>
-              <a:ext uri="{28A0092B-C50C-407E-A947-70E740481C1C}">
-                <a14:useLocalDpi xmlns:a14="http://schemas.microsoft.com/office/drawing/2010/main" val="0"/>
-              </a:ext>
-            </a:extLst>
-          </a:blip>
-          <a:stretch>
-            <a:fillRect/>
-          </a:stretch>
-        </p:blipFill>
-        <p:spPr>
-          <a:xfrm>
-            <a:off x="3995583" y="541451"/>
-            <a:ext cx="7772401" cy="5632222"/>
-          </a:xfrm>
-        </p:spPr>
-      </p:pic>
+            <a:endParaRPr lang="en-US" dirty="0"/>
+          </a:p>
+        </p:txBody>
+      </p:sp>
     </p:spTree>
     <p:extLst>
       <p:ext uri="{BB962C8B-B14F-4D97-AF65-F5344CB8AC3E}">
-        <p14:creationId xmlns:p14="http://schemas.microsoft.com/office/powerpoint/2010/main" val="1273757316"/>
+        <p14:creationId xmlns:p14="http://schemas.microsoft.com/office/powerpoint/2010/main" val="1905974900"/>
       </p:ext>
     </p:extLst>
   </p:cSld>
@@ -10977,13 +10666,7 @@
       </p:grpSpPr>
       <p:sp>
         <p:nvSpPr>
-          <p:cNvPr id="2" name="Title 1">
-            <a:extLst>
-              <a:ext uri="{FF2B5EF4-FFF2-40B4-BE49-F238E27FC236}">
-                <a16:creationId xmlns:a16="http://schemas.microsoft.com/office/drawing/2014/main" id="{4E1B4AFA-1166-43DD-8643-E54C09B58CE2}"/>
-              </a:ext>
-            </a:extLst>
-          </p:cNvPr>
+          <p:cNvPr id="2" name="Title 1"/>
           <p:cNvSpPr>
             <a:spLocks noGrp="1"/>
           </p:cNvSpPr>
@@ -10993,97 +10676,145 @@
         </p:nvSpPr>
         <p:spPr>
           <a:xfrm>
-            <a:off x="533400" y="2362200"/>
-            <a:ext cx="3427412" cy="1990725"/>
+            <a:off x="1341120" y="228600"/>
+            <a:ext cx="9509760" cy="838200"/>
           </a:xfrm>
         </p:spPr>
         <p:txBody>
-          <a:bodyPr/>
-          <a:lstStyle/>
-          <a:p>
-            <a:r>
-              <a:rPr lang="en-US" dirty="0"/>
-              <a:t>Borrower E-Forms and Cancellation</a:t>
-            </a:r>
-          </a:p>
-        </p:txBody>
-      </p:sp>
-      <p:sp>
-        <p:nvSpPr>
-          <p:cNvPr id="3" name="Text Placeholder 2">
-            <a:extLst>
-              <a:ext uri="{FF2B5EF4-FFF2-40B4-BE49-F238E27FC236}">
-                <a16:creationId xmlns:a16="http://schemas.microsoft.com/office/drawing/2014/main" id="{47BB24E8-2BD1-470C-9851-2094EA575994}"/>
-              </a:ext>
-            </a:extLst>
-          </p:cNvPr>
-          <p:cNvSpPr>
-            <a:spLocks noGrp="1"/>
-          </p:cNvSpPr>
-          <p:nvPr>
-            <p:ph type="body" sz="half" idx="2"/>
+          <a:bodyPr>
+            <a:normAutofit/>
+          </a:bodyPr>
+          <a:lstStyle/>
+          <a:p>
+            <a:pPr algn="ctr"/>
+            <a:r>
+              <a:rPr lang="en-US" sz="4000" b="1" dirty="0"/>
+              <a:t>Results and Key Findings</a:t>
+            </a:r>
+          </a:p>
+        </p:txBody>
+      </p:sp>
+      <p:sp>
+        <p:nvSpPr>
+          <p:cNvPr id="3" name="Content Placeholder 2"/>
+          <p:cNvSpPr>
+            <a:spLocks noGrp="1"/>
+          </p:cNvSpPr>
+          <p:nvPr>
+            <p:ph idx="1"/>
           </p:nvPr>
         </p:nvSpPr>
         <p:spPr>
           <a:xfrm>
-            <a:off x="533400" y="4367308"/>
-            <a:ext cx="3427412" cy="1622012"/>
+            <a:off x="1341120" y="1662833"/>
+            <a:ext cx="9509760" cy="4127627"/>
           </a:xfrm>
         </p:spPr>
         <p:txBody>
           <a:bodyPr/>
           <a:lstStyle/>
           <a:p>
-            <a:pPr marL="285750" indent="-285750">
-              <a:buFont typeface="Arial" panose="020B0604020202020204" pitchFamily="34" charset="0"/>
-              <a:buChar char="•"/>
+            <a:pPr marL="502920" indent="-457200">
+              <a:buFont typeface="+mj-lt"/>
+              <a:buAutoNum type="arabicPeriod"/>
             </a:pPr>
             <a:r>
-              <a:rPr lang="en-US" dirty="0"/>
-              <a:t>Borrowers registered for E-Forms tended to cancel less often.</a:t>
-            </a:r>
-          </a:p>
-        </p:txBody>
-      </p:sp>
-      <p:pic>
-        <p:nvPicPr>
-          <p:cNvPr id="6" name="Content Placeholder 5">
-            <a:extLst>
-              <a:ext uri="{FF2B5EF4-FFF2-40B4-BE49-F238E27FC236}">
-                <a16:creationId xmlns:a16="http://schemas.microsoft.com/office/drawing/2014/main" id="{18E0F33D-19B3-4C9E-9426-EA692038F882}"/>
-              </a:ext>
-            </a:extLst>
-          </p:cNvPr>
-          <p:cNvPicPr>
-            <a:picLocks noGrp="1" noChangeAspect="1"/>
-          </p:cNvPicPr>
-          <p:nvPr>
-            <p:ph idx="1"/>
-          </p:nvPr>
-        </p:nvPicPr>
-        <p:blipFill>
-          <a:blip r:embed="rId2" cstate="print">
-            <a:extLst>
-              <a:ext uri="{28A0092B-C50C-407E-A947-70E740481C1C}">
-                <a14:useLocalDpi xmlns:a14="http://schemas.microsoft.com/office/drawing/2010/main" val="0"/>
-              </a:ext>
-            </a:extLst>
-          </a:blip>
-          <a:stretch>
-            <a:fillRect/>
-          </a:stretch>
-        </p:blipFill>
-        <p:spPr>
-          <a:xfrm>
-            <a:off x="4191000" y="500062"/>
-            <a:ext cx="7542213" cy="5715000"/>
-          </a:xfrm>
-        </p:spPr>
-      </p:pic>
+              <a:rPr lang="en-US" sz="2800" dirty="0"/>
+              <a:t>Cancellations over time</a:t>
+            </a:r>
+          </a:p>
+          <a:p>
+            <a:pPr marL="502920" indent="-457200">
+              <a:buFont typeface="+mj-lt"/>
+              <a:buAutoNum type="arabicPeriod"/>
+            </a:pPr>
+            <a:r>
+              <a:rPr lang="en-US" sz="2800" dirty="0"/>
+              <a:t>Who is the typical IPFS customer?</a:t>
+            </a:r>
+          </a:p>
+          <a:p>
+            <a:pPr marL="502920" indent="-457200">
+              <a:buFont typeface="+mj-lt"/>
+              <a:buAutoNum type="arabicPeriod"/>
+            </a:pPr>
+            <a:r>
+              <a:rPr lang="en-US" sz="2800" dirty="0"/>
+              <a:t>What factors were associated with cancellation?</a:t>
+            </a:r>
+          </a:p>
+          <a:p>
+            <a:pPr marL="822960" lvl="1" indent="-457200">
+              <a:buFont typeface="+mj-lt"/>
+              <a:buAutoNum type="arabicPeriod"/>
+            </a:pPr>
+            <a:r>
+              <a:rPr lang="en-US" sz="2600" dirty="0"/>
+              <a:t>Logit model results and rationale</a:t>
+            </a:r>
+          </a:p>
+          <a:p>
+            <a:pPr marL="822960" lvl="1" indent="-457200">
+              <a:buFont typeface="+mj-lt"/>
+              <a:buAutoNum type="arabicPeriod"/>
+            </a:pPr>
+            <a:r>
+              <a:rPr lang="en-US" sz="2400" dirty="0"/>
+              <a:t>7 Most important predictors of cancellation with visualizations</a:t>
+            </a:r>
+          </a:p>
+          <a:p>
+            <a:pPr marL="502920" indent="-457200">
+              <a:buFont typeface="+mj-lt"/>
+              <a:buAutoNum type="arabicPeriod"/>
+            </a:pPr>
+            <a:r>
+              <a:rPr lang="en-US" sz="2800" dirty="0"/>
+              <a:t>Explanation of other predictive models used.</a:t>
+            </a:r>
+          </a:p>
+          <a:p>
+            <a:pPr marL="45720" indent="0">
+              <a:buNone/>
+            </a:pPr>
+            <a:endParaRPr lang="en-US" dirty="0"/>
+          </a:p>
+          <a:p>
+            <a:pPr marL="45720" indent="0">
+              <a:buNone/>
+            </a:pPr>
+            <a:endParaRPr lang="en-US" dirty="0"/>
+          </a:p>
+          <a:p>
+            <a:pPr marL="45720" indent="0">
+              <a:buNone/>
+            </a:pPr>
+            <a:endParaRPr lang="en-US" dirty="0"/>
+          </a:p>
+          <a:p>
+            <a:pPr marL="45720" indent="0">
+              <a:buNone/>
+            </a:pPr>
+            <a:endParaRPr lang="en-US" dirty="0"/>
+          </a:p>
+          <a:p>
+            <a:pPr marL="45720" indent="0">
+              <a:buNone/>
+            </a:pPr>
+            <a:endParaRPr lang="en-US" dirty="0"/>
+          </a:p>
+          <a:p>
+            <a:pPr marL="365760" lvl="1" indent="0">
+              <a:buNone/>
+            </a:pPr>
+            <a:endParaRPr lang="en-US" dirty="0"/>
+          </a:p>
+        </p:txBody>
+      </p:sp>
     </p:spTree>
     <p:extLst>
       <p:ext uri="{BB962C8B-B14F-4D97-AF65-F5344CB8AC3E}">
-        <p14:creationId xmlns:p14="http://schemas.microsoft.com/office/powerpoint/2010/main" val="1572821"/>
+        <p14:creationId xmlns:p14="http://schemas.microsoft.com/office/powerpoint/2010/main" val="603925565"/>
       </p:ext>
     </p:extLst>
   </p:cSld>
